--- a/MoLOverviewPoster2020.pptx
+++ b/MoLOverviewPoster2020.pptx
@@ -193,7 +193,7 @@
           <a:p>
             <a:fld id="{B179243D-0E3E-4D4F-90E9-F9F1DBB34143}" type="datetimeFigureOut">
               <a:rPr lang="en-US" smtClean="0"/>
-              <a:t>6/11/20</a:t>
+              <a:t>6/12/20</a:t>
             </a:fld>
             <a:endParaRPr lang="en-US"/>
           </a:p>
@@ -2319,7 +2319,7 @@
           </a:ln>
           <a:extLst>
             <a:ext uri="{C572A759-6A51-4108-AA02-DFA0A04FC94B}">
-              <ma14:wrappingTextBoxFlag xmlns="" xmlns:ma14="http://schemas.microsoft.com/office/mac/drawingml/2011/main" val="1"/>
+              <ma14:wrappingTextBoxFlag xmlns:ma14="http://schemas.microsoft.com/office/mac/drawingml/2011/main" xmlns="" val="1"/>
             </a:ext>
           </a:extLst>
         </p:spPr>
@@ -2362,7 +2362,7 @@
           </a:ln>
           <a:extLst>
             <a:ext uri="{C572A759-6A51-4108-AA02-DFA0A04FC94B}">
-              <ma14:wrappingTextBoxFlag xmlns="" xmlns:ma14="http://schemas.microsoft.com/office/mac/drawingml/2011/main" val="1"/>
+              <ma14:wrappingTextBoxFlag xmlns:ma14="http://schemas.microsoft.com/office/mac/drawingml/2011/main" xmlns="" val="1"/>
             </a:ext>
           </a:extLst>
         </p:spPr>
@@ -3586,7 +3586,7 @@
           </a:ln>
           <a:extLst>
             <a:ext uri="{C572A759-6A51-4108-AA02-DFA0A04FC94B}">
-              <ma14:wrappingTextBoxFlag xmlns="" xmlns:ma14="http://schemas.microsoft.com/office/mac/drawingml/2011/main" val="1"/>
+              <ma14:wrappingTextBoxFlag xmlns:ma14="http://schemas.microsoft.com/office/mac/drawingml/2011/main" xmlns="" val="1"/>
             </a:ext>
           </a:extLst>
         </p:spPr>
@@ -3701,7 +3701,7 @@
           </a:ln>
           <a:extLst>
             <a:ext uri="{C572A759-6A51-4108-AA02-DFA0A04FC94B}">
-              <ma14:wrappingTextBoxFlag xmlns="" xmlns:ma14="http://schemas.microsoft.com/office/mac/drawingml/2011/main" val="1"/>
+              <ma14:wrappingTextBoxFlag xmlns:ma14="http://schemas.microsoft.com/office/mac/drawingml/2011/main" xmlns="" val="1"/>
             </a:ext>
           </a:extLst>
         </p:spPr>
@@ -3807,7 +3807,7 @@
           </a:ln>
           <a:extLst>
             <a:ext uri="{C572A759-6A51-4108-AA02-DFA0A04FC94B}">
-              <ma14:wrappingTextBoxFlag xmlns="" xmlns:ma14="http://schemas.microsoft.com/office/mac/drawingml/2011/main" val="1"/>
+              <ma14:wrappingTextBoxFlag xmlns:ma14="http://schemas.microsoft.com/office/mac/drawingml/2011/main" xmlns="" val="1"/>
             </a:ext>
           </a:extLst>
         </p:spPr>
@@ -3867,7 +3867,7 @@
           </a:ln>
           <a:extLst>
             <a:ext uri="{C572A759-6A51-4108-AA02-DFA0A04FC94B}">
-              <ma14:wrappingTextBoxFlag xmlns="" xmlns:ma14="http://schemas.microsoft.com/office/mac/drawingml/2011/main" val="1"/>
+              <ma14:wrappingTextBoxFlag xmlns:ma14="http://schemas.microsoft.com/office/mac/drawingml/2011/main" xmlns="" val="1"/>
             </a:ext>
           </a:extLst>
         </p:spPr>
@@ -4200,7 +4200,7 @@
               </a:ln>
               <a:extLst>
                 <a:ext uri="{C572A759-6A51-4108-AA02-DFA0A04FC94B}">
-                  <ma14:wrappingTextBoxFlag xmlns="" xmlns:ma14="http://schemas.microsoft.com/office/mac/drawingml/2011/main" val="1"/>
+                  <ma14:wrappingTextBoxFlag xmlns:ma14="http://schemas.microsoft.com/office/mac/drawingml/2011/main" xmlns="" val="1"/>
                 </a:ext>
               </a:extLst>
             </p:spPr>
@@ -4296,7 +4296,7 @@
           </a:ln>
           <a:extLst>
             <a:ext uri="{C572A759-6A51-4108-AA02-DFA0A04FC94B}">
-              <ma14:wrappingTextBoxFlag xmlns="" xmlns:ma14="http://schemas.microsoft.com/office/mac/drawingml/2011/main" val="1"/>
+              <ma14:wrappingTextBoxFlag xmlns:ma14="http://schemas.microsoft.com/office/mac/drawingml/2011/main" xmlns="" val="1"/>
             </a:ext>
           </a:extLst>
         </p:spPr>
@@ -4340,7 +4340,7 @@
           </a:ln>
           <a:extLst>
             <a:ext uri="{C572A759-6A51-4108-AA02-DFA0A04FC94B}">
-              <ma14:wrappingTextBoxFlag xmlns="" xmlns:ma14="http://schemas.microsoft.com/office/mac/drawingml/2011/main" val="1"/>
+              <ma14:wrappingTextBoxFlag xmlns:ma14="http://schemas.microsoft.com/office/mac/drawingml/2011/main" xmlns="" val="1"/>
             </a:ext>
           </a:extLst>
         </p:spPr>
@@ -4496,7 +4496,7 @@
             </a:ln>
             <a:extLst>
               <a:ext uri="{C572A759-6A51-4108-AA02-DFA0A04FC94B}">
-                <ma14:wrappingTextBoxFlag xmlns="" xmlns:ma14="http://schemas.microsoft.com/office/mac/drawingml/2011/main" val="1"/>
+                <ma14:wrappingTextBoxFlag xmlns:ma14="http://schemas.microsoft.com/office/mac/drawingml/2011/main" xmlns="" val="1"/>
               </a:ext>
             </a:extLst>
           </p:spPr>
@@ -4549,7 +4549,7 @@
           </a:ln>
           <a:extLst>
             <a:ext uri="{C572A759-6A51-4108-AA02-DFA0A04FC94B}">
-              <ma14:wrappingTextBoxFlag xmlns="" xmlns:ma14="http://schemas.microsoft.com/office/mac/drawingml/2011/main" val="1"/>
+              <ma14:wrappingTextBoxFlag xmlns:ma14="http://schemas.microsoft.com/office/mac/drawingml/2011/main" xmlns="" val="1"/>
             </a:ext>
           </a:extLst>
         </p:spPr>
@@ -4843,7 +4843,7 @@
         </p:nvSpPr>
         <p:spPr>
           <a:xfrm>
-            <a:off x="34500505" y="10300960"/>
+            <a:off x="34500505" y="7433674"/>
             <a:ext cx="3276000" cy="2430000"/>
           </a:xfrm>
           <a:prstGeom prst="roundRect">
@@ -5493,15 +5493,7 @@
             </a:pPr>
             <a:r>
               <a:rPr lang="en-US" sz="2900" dirty="0"/>
-              <a:t>2: [</a:t>
-            </a:r>
-            <a:r>
-              <a:rPr lang="en-US" sz="2900" dirty="0" err="1"/>
-              <a:t>MScB&amp;CS</a:t>
-            </a:r>
-            <a:r>
-              <a:rPr lang="en-US" sz="2900" dirty="0"/>
-              <a:t>]  Cognition and Language Development (Schaeffer)</a:t>
+              <a:t>2: [MSc B&amp;CS]  Cognition and Language Development (Schaeffer)</a:t>
             </a:r>
           </a:p>
         </p:txBody>
@@ -6270,8 +6262,8 @@
         </p:nvSpPr>
         <p:spPr>
           <a:xfrm>
-            <a:off x="6118079" y="3878752"/>
-            <a:ext cx="3276000" cy="2430000"/>
+            <a:off x="5958559" y="3878752"/>
+            <a:ext cx="3579182" cy="2430000"/>
           </a:xfrm>
           <a:prstGeom prst="roundRect">
             <a:avLst>
@@ -6326,11 +6318,11 @@
             </a:r>
             <a:r>
               <a:rPr lang="en-US" sz="2900" dirty="0"/>
-              <a:t>-FGW]  Radical Interpretation, </a:t>
-            </a:r>
-            <a:r>
-              <a:rPr lang="en-US" sz="2900" dirty="0" err="1"/>
-              <a:t>Hemeneutics</a:t>
+              <a:t>-FGW]  Radical Interpretation</a:t>
+            </a:r>
+            <a:r>
+              <a:rPr lang="en-US" sz="2900"/>
+              <a:t>, Hermeneutics</a:t>
             </a:r>
             <a:r>
               <a:rPr lang="en-US" sz="2900" dirty="0"/>
@@ -7096,7 +7088,7 @@
             </a:ln>
             <a:extLst>
               <a:ext uri="{C572A759-6A51-4108-AA02-DFA0A04FC94B}">
-                <ma14:wrappingTextBoxFlag xmlns="" xmlns:ma14="http://schemas.microsoft.com/office/mac/drawingml/2011/main" val="1"/>
+                <ma14:wrappingTextBoxFlag xmlns:ma14="http://schemas.microsoft.com/office/mac/drawingml/2011/main" xmlns="" val="1"/>
               </a:ext>
             </a:extLst>
           </p:spPr>
@@ -7296,7 +7288,7 @@
             </a:ln>
             <a:extLst>
               <a:ext uri="{C572A759-6A51-4108-AA02-DFA0A04FC94B}">
-                <ma14:wrappingTextBoxFlag xmlns="" xmlns:ma14="http://schemas.microsoft.com/office/mac/drawingml/2011/main" val="1"/>
+                <ma14:wrappingTextBoxFlag xmlns:ma14="http://schemas.microsoft.com/office/mac/drawingml/2011/main" xmlns="" val="1"/>
               </a:ext>
             </a:extLst>
           </p:spPr>
@@ -7628,86 +7620,6 @@
                 <a:cs typeface="Calibri" charset="0"/>
               </a:rPr>
               <a:t>)</a:t>
-            </a:r>
-          </a:p>
-        </p:txBody>
-      </p:sp>
-      <p:sp>
-        <p:nvSpPr>
-          <p:cNvPr id="133" name="Shape 133"/>
-          <p:cNvSpPr/>
-          <p:nvPr/>
-        </p:nvSpPr>
-        <p:spPr>
-          <a:xfrm>
-            <a:off x="15266556" y="23300082"/>
-            <a:ext cx="3204000" cy="2430000"/>
-          </a:xfrm>
-          <a:prstGeom prst="roundRect">
-            <a:avLst>
-              <a:gd name="adj" fmla="val 16667"/>
-            </a:avLst>
-          </a:prstGeom>
-          <a:ln>
-            <a:noFill/>
-          </a:ln>
-        </p:spPr>
-        <p:style>
-          <a:lnRef idx="1">
-            <a:schemeClr val="dk1"/>
-          </a:lnRef>
-          <a:fillRef idx="2">
-            <a:schemeClr val="dk1"/>
-          </a:fillRef>
-          <a:effectRef idx="1">
-            <a:schemeClr val="dk1"/>
-          </a:effectRef>
-          <a:fontRef idx="minor">
-            <a:schemeClr val="dk1"/>
-          </a:fontRef>
-        </p:style>
-        <p:txBody>
-          <a:bodyPr wrap="square" lIns="0" tIns="0" rIns="0" bIns="0" numCol="1" anchor="ctr">
-            <a:noAutofit/>
-          </a:bodyPr>
-          <a:lstStyle/>
-          <a:p>
-            <a:pPr algn="ctr"/>
-            <a:r>
-              <a:rPr lang="en-US" sz="2900" dirty="0">
-                <a:solidFill>
-                  <a:schemeClr val="dk1">
-                    <a:alpha val="25000"/>
-                  </a:schemeClr>
-                </a:solidFill>
-                <a:latin typeface="Calibri" charset="0"/>
-                <a:cs typeface="Calibri" charset="0"/>
-              </a:rPr>
-              <a:t>[</a:t>
-            </a:r>
-            <a:r>
-              <a:rPr lang="en-US" sz="2900" dirty="0" err="1">
-                <a:solidFill>
-                  <a:schemeClr val="dk1">
-                    <a:alpha val="25000"/>
-                  </a:schemeClr>
-                </a:solidFill>
-                <a:latin typeface="Calibri" charset="0"/>
-                <a:cs typeface="Calibri" charset="0"/>
-              </a:rPr>
-              <a:t>MoL</a:t>
-            </a:r>
-            <a:r>
-              <a:rPr lang="en-US" sz="2900" dirty="0">
-                <a:solidFill>
-                  <a:schemeClr val="dk1">
-                    <a:alpha val="25000"/>
-                  </a:schemeClr>
-                </a:solidFill>
-                <a:latin typeface="Calibri" charset="0"/>
-                <a:cs typeface="Calibri" charset="0"/>
-              </a:rPr>
-              <a:t>-FNWI] Category Theory (van den Berg)</a:t>
             </a:r>
           </a:p>
         </p:txBody>
@@ -7983,7 +7895,7 @@
             </a:ln>
             <a:extLst>
               <a:ext uri="{C572A759-6A51-4108-AA02-DFA0A04FC94B}">
-                <ma14:wrappingTextBoxFlag xmlns="" xmlns:ma14="http://schemas.microsoft.com/office/mac/drawingml/2011/main" val="1"/>
+                <ma14:wrappingTextBoxFlag xmlns:ma14="http://schemas.microsoft.com/office/mac/drawingml/2011/main" xmlns="" val="1"/>
               </a:ext>
             </a:extLst>
           </p:spPr>
@@ -8149,7 +8061,7 @@
             </a:ln>
             <a:extLst>
               <a:ext uri="{C572A759-6A51-4108-AA02-DFA0A04FC94B}">
-                <ma14:wrappingTextBoxFlag xmlns="" xmlns:ma14="http://schemas.microsoft.com/office/mac/drawingml/2011/main" val="1"/>
+                <ma14:wrappingTextBoxFlag xmlns:ma14="http://schemas.microsoft.com/office/mac/drawingml/2011/main" xmlns="" val="1"/>
               </a:ext>
             </a:extLst>
           </p:spPr>
@@ -8188,7 +8100,7 @@
           </a:ln>
           <a:extLst>
             <a:ext uri="{C572A759-6A51-4108-AA02-DFA0A04FC94B}">
-              <ma14:wrappingTextBoxFlag xmlns="" xmlns:ma14="http://schemas.microsoft.com/office/mac/drawingml/2011/main" val="1"/>
+              <ma14:wrappingTextBoxFlag xmlns:ma14="http://schemas.microsoft.com/office/mac/drawingml/2011/main" xmlns="" val="1"/>
             </a:ext>
           </a:extLst>
         </p:spPr>
@@ -8454,23 +8366,7 @@
                   <a:srgbClr val="FFFFFF"/>
                 </a:solidFill>
               </a:rPr>
-              <a:t>Category Theory and </a:t>
-            </a:r>
-            <a:r>
-              <a:rPr lang="en-US" sz="2900" dirty="0" err="1">
-                <a:solidFill>
-                  <a:srgbClr val="FFFFFF"/>
-                </a:solidFill>
-              </a:rPr>
-              <a:t>Topos</a:t>
-            </a:r>
-            <a:r>
-              <a:rPr lang="en-US" sz="2900" dirty="0">
-                <a:solidFill>
-                  <a:srgbClr val="FFFFFF"/>
-                </a:solidFill>
-              </a:rPr>
-              <a:t> Theory </a:t>
+              <a:t>Category Theory</a:t>
             </a:r>
             <a:br>
               <a:rPr lang="en-US" sz="2900" dirty="0">
@@ -8717,7 +8613,7 @@
             </a:ln>
             <a:extLst>
               <a:ext uri="{C572A759-6A51-4108-AA02-DFA0A04FC94B}">
-                <ma14:wrappingTextBoxFlag xmlns="" xmlns:ma14="http://schemas.microsoft.com/office/mac/drawingml/2011/main" val="1"/>
+                <ma14:wrappingTextBoxFlag xmlns:ma14="http://schemas.microsoft.com/office/mac/drawingml/2011/main" xmlns="" val="1"/>
               </a:ext>
             </a:extLst>
           </p:spPr>
@@ -8962,10 +8858,9 @@
                 <a:defRPr sz="1800"/>
               </a:pPr>
               <a:r>
-                <a:rPr lang="en-US" sz="2900"/>
+                <a:rPr lang="en-US" sz="2900" dirty="0"/>
                 <a:t>(TBA)</a:t>
               </a:r>
-              <a:endParaRPr lang="en-US" sz="2900" dirty="0"/>
             </a:p>
           </p:txBody>
         </p:sp>
@@ -9085,7 +8980,7 @@
               </a:ln>
               <a:extLst>
                 <a:ext uri="{C572A759-6A51-4108-AA02-DFA0A04FC94B}">
-                  <ma14:wrappingTextBoxFlag xmlns="" xmlns:ma14="http://schemas.microsoft.com/office/mac/drawingml/2011/main" val="1"/>
+                  <ma14:wrappingTextBoxFlag xmlns:ma14="http://schemas.microsoft.com/office/mac/drawingml/2011/main" xmlns="" val="1"/>
                 </a:ext>
               </a:extLst>
             </p:spPr>
@@ -9271,7 +9166,7 @@
                   <a:schemeClr val="tx1"/>
                 </a:solidFill>
               </a:rPr>
-              <a:t>Syntax and Semantics 2</a:t>
+              <a:t>Syntax-Semantics Interface 2</a:t>
             </a:r>
             <a:br>
               <a:rPr lang="en-US" sz="2900" dirty="0">
@@ -9347,16 +9242,16 @@
           <a:p>
             <a:pPr algn="ctr"/>
             <a:r>
-              <a:rPr lang="en-US" sz="2900">
+              <a:rPr lang="en-US" sz="2900" dirty="0">
                 <a:solidFill>
                   <a:schemeClr val="lt1"/>
                 </a:solidFill>
                 <a:latin typeface="Calibri" charset="0"/>
                 <a:cs typeface="Calibri" charset="0"/>
               </a:rPr>
-              <a:t>1: </a:t>
-            </a:r>
-            <a:r>
+              <a:t>1: [RM-Ling]</a:t>
+            </a:r>
+            <a:br>
               <a:rPr lang="en-US" sz="2900" dirty="0">
                 <a:solidFill>
                   <a:schemeClr val="lt1"/>
@@ -9364,7 +9259,16 @@
                 <a:latin typeface="Calibri" charset="0"/>
                 <a:cs typeface="Calibri" charset="0"/>
               </a:rPr>
-              <a:t>[RM-Ling]</a:t>
+            </a:br>
+            <a:r>
+              <a:rPr lang="en-US" sz="2900" dirty="0">
+                <a:solidFill>
+                  <a:schemeClr val="lt1"/>
+                </a:solidFill>
+                <a:latin typeface="Calibri" charset="0"/>
+                <a:cs typeface="Calibri" charset="0"/>
+              </a:rPr>
+              <a:t>Syntax-Semantics Interface 1</a:t>
             </a:r>
             <a:br>
               <a:rPr lang="en-US" sz="2900" dirty="0">
@@ -9383,17 +9287,17 @@
                 <a:latin typeface="Calibri" charset="0"/>
                 <a:cs typeface="Calibri" charset="0"/>
               </a:rPr>
-              <a:t>Syntax </a:t>
-            </a:r>
-            <a:r>
-              <a:rPr lang="en-US" sz="2900">
+              <a:t>(</a:t>
+            </a:r>
+            <a:r>
+              <a:rPr lang="en-US" sz="2900" dirty="0" err="1">
                 <a:solidFill>
                   <a:schemeClr val="lt1"/>
                 </a:solidFill>
                 <a:latin typeface="Calibri" charset="0"/>
                 <a:cs typeface="Calibri" charset="0"/>
               </a:rPr>
-              <a:t>and Semantics </a:t>
+              <a:t>Hengeveld</a:t>
             </a:r>
             <a:r>
               <a:rPr lang="en-US" sz="2900" dirty="0">
@@ -9403,34 +9307,28 @@
                 <a:latin typeface="Calibri" charset="0"/>
                 <a:cs typeface="Calibri" charset="0"/>
               </a:rPr>
-              <a:t>1</a:t>
-            </a:r>
-            <a:br>
-              <a:rPr lang="en-US" sz="2900">
+              <a:t>, </a:t>
+            </a:r>
+            <a:r>
+              <a:rPr lang="en-US" sz="2900" dirty="0" err="1">
                 <a:solidFill>
                   <a:schemeClr val="lt1"/>
                 </a:solidFill>
                 <a:latin typeface="Calibri" charset="0"/>
                 <a:cs typeface="Calibri" charset="0"/>
               </a:rPr>
-            </a:br>
-            <a:r>
-              <a:rPr lang="en-US" sz="2900">
+              <a:t>Ruijgrok</a:t>
+            </a:r>
+            <a:r>
+              <a:rPr lang="en-US" sz="2900" dirty="0">
                 <a:solidFill>
                   <a:schemeClr val="lt1"/>
                 </a:solidFill>
                 <a:latin typeface="Calibri" charset="0"/>
                 <a:cs typeface="Calibri" charset="0"/>
               </a:rPr>
-              <a:t>(Hengeveld, TBC)</a:t>
-            </a:r>
-            <a:endParaRPr lang="en-US" sz="2900" dirty="0">
-              <a:solidFill>
-                <a:schemeClr val="lt1"/>
-              </a:solidFill>
-              <a:latin typeface="Calibri" charset="0"/>
-              <a:cs typeface="Calibri" charset="0"/>
-            </a:endParaRPr>
+              <a:t>)</a:t>
+            </a:r>
           </a:p>
         </p:txBody>
       </p:sp>
@@ -9453,7 +9351,7 @@
           </a:ln>
           <a:extLst>
             <a:ext uri="{C572A759-6A51-4108-AA02-DFA0A04FC94B}">
-              <ma14:wrappingTextBoxFlag xmlns="" xmlns:ma14="http://schemas.microsoft.com/office/mac/drawingml/2011/main" val="1"/>
+              <ma14:wrappingTextBoxFlag xmlns:ma14="http://schemas.microsoft.com/office/mac/drawingml/2011/main" xmlns="" val="1"/>
             </a:ext>
           </a:extLst>
         </p:spPr>
@@ -9547,7 +9445,7 @@
           </a:ln>
           <a:extLst>
             <a:ext uri="{C572A759-6A51-4108-AA02-DFA0A04FC94B}">
-              <ma14:wrappingTextBoxFlag xmlns="" xmlns:ma14="http://schemas.microsoft.com/office/mac/drawingml/2011/main" val="1"/>
+              <ma14:wrappingTextBoxFlag xmlns:ma14="http://schemas.microsoft.com/office/mac/drawingml/2011/main" xmlns="" val="1"/>
             </a:ext>
           </a:extLst>
         </p:spPr>
@@ -9933,7 +9831,7 @@
           </a:ln>
           <a:extLst>
             <a:ext uri="{C572A759-6A51-4108-AA02-DFA0A04FC94B}">
-              <ma14:wrappingTextBoxFlag xmlns="" xmlns:ma14="http://schemas.microsoft.com/office/mac/drawingml/2011/main" val="1"/>
+              <ma14:wrappingTextBoxFlag xmlns:ma14="http://schemas.microsoft.com/office/mac/drawingml/2011/main" xmlns="" val="1"/>
             </a:ext>
           </a:extLst>
         </p:spPr>
@@ -9985,7 +9883,7 @@
           </a:ln>
           <a:extLst>
             <a:ext uri="{C572A759-6A51-4108-AA02-DFA0A04FC94B}">
-              <ma14:wrappingTextBoxFlag xmlns="" xmlns:ma14="http://schemas.microsoft.com/office/mac/drawingml/2011/main" val="1"/>
+              <ma14:wrappingTextBoxFlag xmlns:ma14="http://schemas.microsoft.com/office/mac/drawingml/2011/main" xmlns="" val="1"/>
             </a:ext>
           </a:extLst>
         </p:spPr>
@@ -10099,115 +9997,6 @@
               </a:defRPr>
             </a:pPr>
             <a:endParaRPr/>
-          </a:p>
-        </p:txBody>
-      </p:sp>
-      <p:sp>
-        <p:nvSpPr>
-          <p:cNvPr id="131" name="Shape 121">
-            <a:extLst>
-              <a:ext uri="{FF2B5EF4-FFF2-40B4-BE49-F238E27FC236}">
-                <a16:creationId xmlns:a16="http://schemas.microsoft.com/office/drawing/2014/main" id="{F6F249D7-9912-DA41-BBB9-48C065B69484}"/>
-              </a:ext>
-            </a:extLst>
-          </p:cNvPr>
-          <p:cNvSpPr/>
-          <p:nvPr/>
-        </p:nvSpPr>
-        <p:spPr>
-          <a:xfrm>
-            <a:off x="10097966" y="1031926"/>
-            <a:ext cx="3435443" cy="2430000"/>
-          </a:xfrm>
-          <a:prstGeom prst="roundRect">
-            <a:avLst>
-              <a:gd name="adj" fmla="val 16667"/>
-            </a:avLst>
-          </a:prstGeom>
-          <a:ln>
-            <a:noFill/>
-          </a:ln>
-        </p:spPr>
-        <p:style>
-          <a:lnRef idx="1">
-            <a:schemeClr val="dk1"/>
-          </a:lnRef>
-          <a:fillRef idx="2">
-            <a:schemeClr val="dk1"/>
-          </a:fillRef>
-          <a:effectRef idx="1">
-            <a:schemeClr val="dk1"/>
-          </a:effectRef>
-          <a:fontRef idx="minor">
-            <a:schemeClr val="dk1"/>
-          </a:fontRef>
-        </p:style>
-        <p:txBody>
-          <a:bodyPr wrap="square" lIns="0" tIns="0" rIns="0" bIns="0" numCol="1" anchor="ctr">
-            <a:noAutofit/>
-          </a:bodyPr>
-          <a:lstStyle/>
-          <a:p>
-            <a:pPr algn="ctr"/>
-            <a:r>
-              <a:rPr lang="en-US" sz="2900" dirty="0">
-                <a:solidFill>
-                  <a:schemeClr val="dk1">
-                    <a:alpha val="25000"/>
-                  </a:schemeClr>
-                </a:solidFill>
-                <a:latin typeface="Calibri" charset="0"/>
-                <a:cs typeface="Calibri" charset="0"/>
-              </a:rPr>
-              <a:t>[</a:t>
-            </a:r>
-            <a:r>
-              <a:rPr lang="en-US" sz="2900" dirty="0" err="1">
-                <a:solidFill>
-                  <a:schemeClr val="dk1">
-                    <a:alpha val="25000"/>
-                  </a:schemeClr>
-                </a:solidFill>
-                <a:latin typeface="Calibri" charset="0"/>
-                <a:cs typeface="Calibri" charset="0"/>
-              </a:rPr>
-              <a:t>MoL</a:t>
-            </a:r>
-            <a:r>
-              <a:rPr lang="en-US" sz="2900" dirty="0">
-                <a:solidFill>
-                  <a:schemeClr val="dk1">
-                    <a:alpha val="25000"/>
-                  </a:schemeClr>
-                </a:solidFill>
-                <a:latin typeface="Calibri" charset="0"/>
-                <a:cs typeface="Calibri" charset="0"/>
-              </a:rPr>
-              <a:t>-FGW]</a:t>
-            </a:r>
-            <a:br>
-              <a:rPr lang="en-US" sz="2900" dirty="0">
-                <a:solidFill>
-                  <a:schemeClr val="dk1">
-                    <a:alpha val="25000"/>
-                  </a:schemeClr>
-                </a:solidFill>
-                <a:latin typeface="Calibri" charset="0"/>
-                <a:cs typeface="Calibri" charset="0"/>
-              </a:rPr>
-            </a:br>
-            <a:r>
-              <a:rPr lang="en-US" sz="2900" dirty="0">
-                <a:solidFill>
-                  <a:schemeClr val="dk1">
-                    <a:alpha val="25000"/>
-                  </a:schemeClr>
-                </a:solidFill>
-                <a:latin typeface="Calibri" charset="0"/>
-                <a:cs typeface="Calibri" charset="0"/>
-              </a:rPr>
-              <a:t>History of logic: Theories of Language in Early Modern Philosophy (Maat)</a:t>
-            </a:r>
           </a:p>
         </p:txBody>
       </p:sp>
@@ -10953,8 +10742,8 @@
         </p:nvSpPr>
         <p:spPr>
           <a:xfrm>
-            <a:off x="27310088" y="4989153"/>
-            <a:ext cx="8288449" cy="4454201"/>
+            <a:off x="26126129" y="4685258"/>
+            <a:ext cx="7975622" cy="4454201"/>
           </a:xfrm>
           <a:prstGeom prst="roundRect">
             <a:avLst>
@@ -10970,7 +10759,7 @@
           </a:ln>
           <a:extLst>
             <a:ext uri="{C572A759-6A51-4108-AA02-DFA0A04FC94B}">
-              <ma14:wrappingTextBoxFlag xmlns="" xmlns:ma14="http://schemas.microsoft.com/office/mac/drawingml/2011/main" val="1"/>
+              <ma14:wrappingTextBoxFlag xmlns:ma14="http://schemas.microsoft.com/office/mac/drawingml/2011/main" xmlns="" val="1"/>
             </a:ext>
           </a:extLst>
         </p:spPr>
@@ -11459,7 +11248,7 @@
           </a:ln>
           <a:extLst>
             <a:ext uri="{C572A759-6A51-4108-AA02-DFA0A04FC94B}">
-              <ma14:wrappingTextBoxFlag xmlns="" xmlns:ma14="http://schemas.microsoft.com/office/mac/drawingml/2011/main" val="1"/>
+              <ma14:wrappingTextBoxFlag xmlns:ma14="http://schemas.microsoft.com/office/mac/drawingml/2011/main" xmlns="" val="1"/>
             </a:ext>
           </a:extLst>
         </p:spPr>
@@ -11924,14 +11713,14 @@
             <a:pPr algn="ctr"/>
             <a:r>
               <a:rPr lang="en-US" sz="2900" dirty="0"/>
-              <a:t>6</a:t>
+              <a:t>6 (i</a:t>
             </a:r>
             <a:r>
               <a:rPr lang="en-US" sz="2900" dirty="0">
                 <a:latin typeface="Calibri"/>
                 <a:cs typeface="Calibri"/>
               </a:rPr>
-              <a:t>: </a:t>
+              <a:t>n June): </a:t>
             </a:r>
             <a:r>
               <a:rPr lang="en-US" sz="2900" dirty="0"/>
@@ -11956,17 +11745,34 @@
                 <a:latin typeface="Calibri"/>
                 <a:cs typeface="Calibri"/>
               </a:rPr>
-              <a:t>Symbolic Systems 1</a:t>
-            </a:r>
-          </a:p>
-          <a:p>
-            <a:pPr algn="ctr"/>
-            <a:r>
+              <a:t>Knowledge Representation and Reasoning </a:t>
+            </a:r>
+            <a:br>
               <a:rPr lang="en-US" sz="2900" dirty="0">
                 <a:latin typeface="Calibri"/>
                 <a:cs typeface="Calibri"/>
               </a:rPr>
-              <a:t>(TBA)</a:t>
+            </a:br>
+            <a:r>
+              <a:rPr lang="en-US" sz="2900" dirty="0">
+                <a:latin typeface="Calibri"/>
+                <a:cs typeface="Calibri"/>
+              </a:rPr>
+              <a:t>(de </a:t>
+            </a:r>
+            <a:r>
+              <a:rPr lang="en-US" sz="2900" dirty="0" err="1">
+                <a:latin typeface="Calibri"/>
+                <a:cs typeface="Calibri"/>
+              </a:rPr>
+              <a:t>Haan</a:t>
+            </a:r>
+            <a:r>
+              <a:rPr lang="en-US" sz="2900" dirty="0">
+                <a:latin typeface="Calibri"/>
+                <a:cs typeface="Calibri"/>
+              </a:rPr>
+              <a:t>)</a:t>
             </a:r>
           </a:p>
         </p:txBody>
@@ -12044,7 +11850,7 @@
           </a:ln>
           <a:extLst>
             <a:ext uri="{C572A759-6A51-4108-AA02-DFA0A04FC94B}">
-              <ma14:wrappingTextBoxFlag xmlns="" xmlns:ma14="http://schemas.microsoft.com/office/mac/drawingml/2011/main" val="1"/>
+              <ma14:wrappingTextBoxFlag xmlns:ma14="http://schemas.microsoft.com/office/mac/drawingml/2011/main" xmlns="" val="1"/>
             </a:ext>
           </a:extLst>
         </p:spPr>
@@ -12160,6 +11966,88 @@
             <a:r>
               <a:rPr lang="en-US" sz="2900" dirty="0" err="1"/>
               <a:t>Betti</a:t>
+            </a:r>
+            <a:r>
+              <a:rPr lang="en-US" sz="2900" dirty="0"/>
+              <a:t>)</a:t>
+            </a:r>
+          </a:p>
+        </p:txBody>
+      </p:sp>
+      <p:sp>
+        <p:nvSpPr>
+          <p:cNvPr id="133" name="Shape 127">
+            <a:extLst>
+              <a:ext uri="{FF2B5EF4-FFF2-40B4-BE49-F238E27FC236}">
+                <a16:creationId xmlns:a16="http://schemas.microsoft.com/office/drawing/2014/main" id="{FBE627B3-820D-DE43-99EF-CD55C81CEAA3}"/>
+              </a:ext>
+            </a:extLst>
+          </p:cNvPr>
+          <p:cNvSpPr/>
+          <p:nvPr/>
+        </p:nvSpPr>
+        <p:spPr>
+          <a:xfrm>
+            <a:off x="34563822" y="10435498"/>
+            <a:ext cx="3276000" cy="2430000"/>
+          </a:xfrm>
+          <a:prstGeom prst="roundRect">
+            <a:avLst>
+              <a:gd name="adj" fmla="val 16667"/>
+            </a:avLst>
+          </a:prstGeom>
+          <a:gradFill flip="none" rotWithShape="1">
+            <a:gsLst>
+              <a:gs pos="0">
+                <a:srgbClr val="DAFEA4"/>
+              </a:gs>
+              <a:gs pos="35000">
+                <a:srgbClr val="E4FDBF"/>
+              </a:gs>
+              <a:gs pos="100000">
+                <a:srgbClr val="F5FFE6"/>
+              </a:gs>
+            </a:gsLst>
+            <a:lin ang="16200000" scaled="0"/>
+          </a:gradFill>
+          <a:ln w="9525" cap="flat">
+            <a:solidFill>
+              <a:srgbClr val="98B955"/>
+            </a:solidFill>
+            <a:prstDash val="solid"/>
+            <a:bevel/>
+          </a:ln>
+          <a:effectLst>
+            <a:outerShdw blurRad="38100" dist="20000" dir="5400000" rotWithShape="0">
+              <a:srgbClr val="000000">
+                <a:alpha val="38000"/>
+              </a:srgbClr>
+            </a:outerShdw>
+          </a:effectLst>
+        </p:spPr>
+        <p:txBody>
+          <a:bodyPr wrap="square" lIns="0" tIns="0" rIns="0" bIns="0" numCol="1" anchor="ctr">
+            <a:noAutofit/>
+          </a:bodyPr>
+          <a:lstStyle/>
+          <a:p>
+            <a:pPr lvl="0" algn="ctr">
+              <a:defRPr sz="1800"/>
+            </a:pPr>
+            <a:r>
+              <a:rPr lang="en-US" sz="2900" dirty="0"/>
+              <a:t>2: [MSc B&amp;CS]  Advanced Neural and Cognitive Modelling</a:t>
+            </a:r>
+            <a:br>
+              <a:rPr lang="en-US" sz="2900" dirty="0"/>
+            </a:br>
+            <a:r>
+              <a:rPr lang="en-US" sz="2900" dirty="0"/>
+              <a:t>(</a:t>
+            </a:r>
+            <a:r>
+              <a:rPr lang="en-US" sz="2900" dirty="0" err="1"/>
+              <a:t>Zuidema</a:t>
             </a:r>
             <a:r>
               <a:rPr lang="en-US" sz="2900" dirty="0"/>

--- a/MoLOverviewPoster2020.pptx
+++ b/MoLOverviewPoster2020.pptx
@@ -193,7 +193,7 @@
           <a:p>
             <a:fld id="{B179243D-0E3E-4D4F-90E9-F9F1DBB34143}" type="datetimeFigureOut">
               <a:rPr lang="en-US" smtClean="0"/>
-              <a:t>6/12/20</a:t>
+              <a:t>6/15/20</a:t>
             </a:fld>
             <a:endParaRPr lang="en-US"/>
           </a:p>
@@ -2319,7 +2319,7 @@
           </a:ln>
           <a:extLst>
             <a:ext uri="{C572A759-6A51-4108-AA02-DFA0A04FC94B}">
-              <ma14:wrappingTextBoxFlag xmlns:ma14="http://schemas.microsoft.com/office/mac/drawingml/2011/main" xmlns="" val="1"/>
+              <ma14:wrappingTextBoxFlag xmlns="" xmlns:ma14="http://schemas.microsoft.com/office/mac/drawingml/2011/main" val="1"/>
             </a:ext>
           </a:extLst>
         </p:spPr>
@@ -2362,7 +2362,7 @@
           </a:ln>
           <a:extLst>
             <a:ext uri="{C572A759-6A51-4108-AA02-DFA0A04FC94B}">
-              <ma14:wrappingTextBoxFlag xmlns:ma14="http://schemas.microsoft.com/office/mac/drawingml/2011/main" xmlns="" val="1"/>
+              <ma14:wrappingTextBoxFlag xmlns="" xmlns:ma14="http://schemas.microsoft.com/office/mac/drawingml/2011/main" val="1"/>
             </a:ext>
           </a:extLst>
         </p:spPr>
@@ -2813,26 +2813,27 @@
         </p:nvGrpSpPr>
         <p:grpSpPr>
           <a:xfrm>
-            <a:off x="308802" y="364830"/>
-            <a:ext cx="42310995" cy="29676722"/>
-            <a:chOff x="1132722" y="281817"/>
-            <a:chExt cx="42310996" cy="29676721"/>
+            <a:off x="308802" y="179457"/>
+            <a:ext cx="42310995" cy="29862095"/>
+            <a:chOff x="1132722" y="96444"/>
+            <a:chExt cx="42310996" cy="29862094"/>
           </a:xfrm>
         </p:grpSpPr>
         <p:sp>
           <p:nvSpPr>
-            <p:cNvPr id="8" name="Rounded Rectangle 7"/>
+            <p:cNvPr id="8" name="L-shape 7"/>
             <p:cNvSpPr/>
             <p:nvPr/>
           </p:nvSpPr>
           <p:spPr>
             <a:xfrm rot="5400000">
-              <a:off x="10197787" y="-3600107"/>
-              <a:ext cx="13023273" cy="20787122"/>
+              <a:off x="16123453" y="-9525774"/>
+              <a:ext cx="13023273" cy="32638456"/>
             </a:xfrm>
-            <a:prstGeom prst="roundRect">
+            <a:prstGeom prst="corner">
               <a:avLst>
-                <a:gd name="adj" fmla="val 4137"/>
+                <a:gd name="adj1" fmla="val 159615"/>
+                <a:gd name="adj2" fmla="val 21330"/>
               </a:avLst>
             </a:prstGeom>
             <a:solidFill>
@@ -3115,8 +3116,8 @@
           </p:nvSpPr>
           <p:spPr>
             <a:xfrm rot="16200000">
-              <a:off x="25571817" y="3897090"/>
-              <a:ext cx="19712359" cy="15548980"/>
+              <a:off x="24712339" y="3037612"/>
+              <a:ext cx="21431315" cy="15548980"/>
             </a:xfrm>
             <a:prstGeom prst="corner">
               <a:avLst>
@@ -3586,7 +3587,7 @@
           </a:ln>
           <a:extLst>
             <a:ext uri="{C572A759-6A51-4108-AA02-DFA0A04FC94B}">
-              <ma14:wrappingTextBoxFlag xmlns:ma14="http://schemas.microsoft.com/office/mac/drawingml/2011/main" xmlns="" val="1"/>
+              <ma14:wrappingTextBoxFlag xmlns="" xmlns:ma14="http://schemas.microsoft.com/office/mac/drawingml/2011/main" val="1"/>
             </a:ext>
           </a:extLst>
         </p:spPr>
@@ -3701,7 +3702,7 @@
           </a:ln>
           <a:extLst>
             <a:ext uri="{C572A759-6A51-4108-AA02-DFA0A04FC94B}">
-              <ma14:wrappingTextBoxFlag xmlns:ma14="http://schemas.microsoft.com/office/mac/drawingml/2011/main" xmlns="" val="1"/>
+              <ma14:wrappingTextBoxFlag xmlns="" xmlns:ma14="http://schemas.microsoft.com/office/mac/drawingml/2011/main" val="1"/>
             </a:ext>
           </a:extLst>
         </p:spPr>
@@ -3796,7 +3797,7 @@
         </p:nvSpPr>
         <p:spPr>
           <a:xfrm>
-            <a:off x="38435170" y="1334973"/>
+            <a:off x="38541316" y="-547835"/>
             <a:ext cx="3866684" cy="2828082"/>
           </a:xfrm>
           <a:prstGeom prst="rect">
@@ -3807,7 +3808,7 @@
           </a:ln>
           <a:extLst>
             <a:ext uri="{C572A759-6A51-4108-AA02-DFA0A04FC94B}">
-              <ma14:wrappingTextBoxFlag xmlns:ma14="http://schemas.microsoft.com/office/mac/drawingml/2011/main" xmlns="" val="1"/>
+              <ma14:wrappingTextBoxFlag xmlns="" xmlns:ma14="http://schemas.microsoft.com/office/mac/drawingml/2011/main" val="1"/>
             </a:ext>
           </a:extLst>
         </p:spPr>
@@ -3867,7 +3868,7 @@
           </a:ln>
           <a:extLst>
             <a:ext uri="{C572A759-6A51-4108-AA02-DFA0A04FC94B}">
-              <ma14:wrappingTextBoxFlag xmlns:ma14="http://schemas.microsoft.com/office/mac/drawingml/2011/main" xmlns="" val="1"/>
+              <ma14:wrappingTextBoxFlag xmlns="" xmlns:ma14="http://schemas.microsoft.com/office/mac/drawingml/2011/main" val="1"/>
             </a:ext>
           </a:extLst>
         </p:spPr>
@@ -4200,7 +4201,7 @@
               </a:ln>
               <a:extLst>
                 <a:ext uri="{C572A759-6A51-4108-AA02-DFA0A04FC94B}">
-                  <ma14:wrappingTextBoxFlag xmlns:ma14="http://schemas.microsoft.com/office/mac/drawingml/2011/main" xmlns="" val="1"/>
+                  <ma14:wrappingTextBoxFlag xmlns="" xmlns:ma14="http://schemas.microsoft.com/office/mac/drawingml/2011/main" val="1"/>
                 </a:ext>
               </a:extLst>
             </p:spPr>
@@ -4296,7 +4297,7 @@
           </a:ln>
           <a:extLst>
             <a:ext uri="{C572A759-6A51-4108-AA02-DFA0A04FC94B}">
-              <ma14:wrappingTextBoxFlag xmlns:ma14="http://schemas.microsoft.com/office/mac/drawingml/2011/main" xmlns="" val="1"/>
+              <ma14:wrappingTextBoxFlag xmlns="" xmlns:ma14="http://schemas.microsoft.com/office/mac/drawingml/2011/main" val="1"/>
             </a:ext>
           </a:extLst>
         </p:spPr>
@@ -4340,7 +4341,7 @@
           </a:ln>
           <a:extLst>
             <a:ext uri="{C572A759-6A51-4108-AA02-DFA0A04FC94B}">
-              <ma14:wrappingTextBoxFlag xmlns:ma14="http://schemas.microsoft.com/office/mac/drawingml/2011/main" xmlns="" val="1"/>
+              <ma14:wrappingTextBoxFlag xmlns="" xmlns:ma14="http://schemas.microsoft.com/office/mac/drawingml/2011/main" val="1"/>
             </a:ext>
           </a:extLst>
         </p:spPr>
@@ -4496,7 +4497,7 @@
             </a:ln>
             <a:extLst>
               <a:ext uri="{C572A759-6A51-4108-AA02-DFA0A04FC94B}">
-                <ma14:wrappingTextBoxFlag xmlns:ma14="http://schemas.microsoft.com/office/mac/drawingml/2011/main" xmlns="" val="1"/>
+                <ma14:wrappingTextBoxFlag xmlns="" xmlns:ma14="http://schemas.microsoft.com/office/mac/drawingml/2011/main" val="1"/>
               </a:ext>
             </a:extLst>
           </p:spPr>
@@ -4549,7 +4550,7 @@
           </a:ln>
           <a:extLst>
             <a:ext uri="{C572A759-6A51-4108-AA02-DFA0A04FC94B}">
-              <ma14:wrappingTextBoxFlag xmlns:ma14="http://schemas.microsoft.com/office/mac/drawingml/2011/main" xmlns="" val="1"/>
+              <ma14:wrappingTextBoxFlag xmlns="" xmlns:ma14="http://schemas.microsoft.com/office/mac/drawingml/2011/main" val="1"/>
             </a:ext>
           </a:extLst>
         </p:spPr>
@@ -4582,7 +4583,7 @@
         </p:nvSpPr>
         <p:spPr>
           <a:xfrm>
-            <a:off x="26525199" y="1116511"/>
+            <a:off x="26916469" y="2097144"/>
             <a:ext cx="4110918" cy="2093607"/>
           </a:xfrm>
           <a:prstGeom prst="roundRect">
@@ -4674,8 +4675,8 @@
         </p:nvSpPr>
         <p:spPr>
           <a:xfrm>
-            <a:off x="38873052" y="3404083"/>
-            <a:ext cx="3240000" cy="3240000"/>
+            <a:off x="38434477" y="4456679"/>
+            <a:ext cx="3708000" cy="2520000"/>
           </a:xfrm>
           <a:prstGeom prst="ellipse">
             <a:avLst/>
@@ -4759,7 +4760,7 @@
         </p:nvSpPr>
         <p:spPr>
           <a:xfrm>
-            <a:off x="38835849" y="7004554"/>
+            <a:off x="38835849" y="7240530"/>
             <a:ext cx="3276000" cy="2430000"/>
           </a:xfrm>
           <a:prstGeom prst="roundRect">
@@ -6343,14 +6344,14 @@
         <p:nvSpPr>
           <p:cNvPr id="61" name="Shape 61"/>
           <p:cNvSpPr>
-            <a:spLocks noChangeAspect="1"/>
+            <a:spLocks/>
           </p:cNvSpPr>
           <p:nvPr/>
         </p:nvSpPr>
         <p:spPr>
           <a:xfrm>
-            <a:off x="30882254" y="222549"/>
-            <a:ext cx="3240000" cy="3129368"/>
+            <a:off x="38376604" y="1713280"/>
+            <a:ext cx="3708000" cy="2520000"/>
           </a:xfrm>
           <a:prstGeom prst="ellipse">
             <a:avLst/>
@@ -7088,7 +7089,7 @@
             </a:ln>
             <a:extLst>
               <a:ext uri="{C572A759-6A51-4108-AA02-DFA0A04FC94B}">
-                <ma14:wrappingTextBoxFlag xmlns:ma14="http://schemas.microsoft.com/office/mac/drawingml/2011/main" xmlns="" val="1"/>
+                <ma14:wrappingTextBoxFlag xmlns="" xmlns:ma14="http://schemas.microsoft.com/office/mac/drawingml/2011/main" val="1"/>
               </a:ext>
             </a:extLst>
           </p:spPr>
@@ -7288,7 +7289,7 @@
             </a:ln>
             <a:extLst>
               <a:ext uri="{C572A759-6A51-4108-AA02-DFA0A04FC94B}">
-                <ma14:wrappingTextBoxFlag xmlns:ma14="http://schemas.microsoft.com/office/mac/drawingml/2011/main" xmlns="" val="1"/>
+                <ma14:wrappingTextBoxFlag xmlns="" xmlns:ma14="http://schemas.microsoft.com/office/mac/drawingml/2011/main" val="1"/>
               </a:ext>
             </a:extLst>
           </p:spPr>
@@ -7895,7 +7896,7 @@
             </a:ln>
             <a:extLst>
               <a:ext uri="{C572A759-6A51-4108-AA02-DFA0A04FC94B}">
-                <ma14:wrappingTextBoxFlag xmlns:ma14="http://schemas.microsoft.com/office/mac/drawingml/2011/main" xmlns="" val="1"/>
+                <ma14:wrappingTextBoxFlag xmlns="" xmlns:ma14="http://schemas.microsoft.com/office/mac/drawingml/2011/main" val="1"/>
               </a:ext>
             </a:extLst>
           </p:spPr>
@@ -8061,7 +8062,7 @@
             </a:ln>
             <a:extLst>
               <a:ext uri="{C572A759-6A51-4108-AA02-DFA0A04FC94B}">
-                <ma14:wrappingTextBoxFlag xmlns:ma14="http://schemas.microsoft.com/office/mac/drawingml/2011/main" xmlns="" val="1"/>
+                <ma14:wrappingTextBoxFlag xmlns="" xmlns:ma14="http://schemas.microsoft.com/office/mac/drawingml/2011/main" val="1"/>
               </a:ext>
             </a:extLst>
           </p:spPr>
@@ -8100,7 +8101,7 @@
           </a:ln>
           <a:extLst>
             <a:ext uri="{C572A759-6A51-4108-AA02-DFA0A04FC94B}">
-              <ma14:wrappingTextBoxFlag xmlns:ma14="http://schemas.microsoft.com/office/mac/drawingml/2011/main" xmlns="" val="1"/>
+              <ma14:wrappingTextBoxFlag xmlns="" xmlns:ma14="http://schemas.microsoft.com/office/mac/drawingml/2011/main" val="1"/>
             </a:ext>
           </a:extLst>
         </p:spPr>
@@ -8406,16 +8407,16 @@
         </p:spPr>
         <p:style>
           <a:lnRef idx="1">
-            <a:schemeClr val="accent1"/>
+            <a:schemeClr val="accent3"/>
           </a:lnRef>
-          <a:fillRef idx="3">
-            <a:schemeClr val="accent1"/>
+          <a:fillRef idx="2">
+            <a:schemeClr val="accent3"/>
           </a:fillRef>
-          <a:effectRef idx="2">
-            <a:schemeClr val="accent1"/>
+          <a:effectRef idx="1">
+            <a:schemeClr val="accent3"/>
           </a:effectRef>
           <a:fontRef idx="minor">
-            <a:schemeClr val="lt1"/>
+            <a:schemeClr val="dk1"/>
           </a:fontRef>
         </p:style>
         <p:txBody>
@@ -8424,44 +8425,59 @@
           </a:bodyPr>
           <a:lstStyle/>
           <a:p>
-            <a:pPr lvl="0" algn="ctr">
-              <a:defRPr sz="1800"/>
-            </a:pPr>
+            <a:pPr algn="ctr"/>
             <a:r>
               <a:rPr lang="en-US" sz="2900" dirty="0">
                 <a:latin typeface="Calibri" charset="0"/>
-                <a:ea typeface="Calibri" charset="0"/>
                 <a:cs typeface="Calibri" charset="0"/>
               </a:rPr>
-              <a:t>1: [</a:t>
+              <a:t>2</a:t>
+            </a:r>
+            <a:r>
+              <a:rPr lang="en-US" sz="2900" dirty="0">
+                <a:solidFill>
+                  <a:schemeClr val="dk1"/>
+                </a:solidFill>
+                <a:latin typeface="Calibri" charset="0"/>
+                <a:cs typeface="Calibri" charset="0"/>
+              </a:rPr>
+              <a:t>: [</a:t>
             </a:r>
             <a:r>
               <a:rPr lang="en-US" sz="2900" dirty="0" err="1">
+                <a:solidFill>
+                  <a:schemeClr val="dk1"/>
+                </a:solidFill>
                 <a:latin typeface="Calibri" charset="0"/>
-                <a:ea typeface="Calibri" charset="0"/>
                 <a:cs typeface="Calibri" charset="0"/>
               </a:rPr>
               <a:t>MoL</a:t>
             </a:r>
             <a:r>
               <a:rPr lang="en-US" sz="2900" dirty="0">
+                <a:solidFill>
+                  <a:schemeClr val="dk1"/>
+                </a:solidFill>
                 <a:latin typeface="Calibri" charset="0"/>
-                <a:ea typeface="Calibri" charset="0"/>
                 <a:cs typeface="Calibri" charset="0"/>
               </a:rPr>
               <a:t>-FNWI] </a:t>
             </a:r>
             <a:br>
               <a:rPr lang="en-US" sz="2900" dirty="0">
+                <a:solidFill>
+                  <a:schemeClr val="dk1"/>
+                </a:solidFill>
                 <a:latin typeface="Calibri" charset="0"/>
-                <a:ea typeface="Calibri" charset="0"/>
                 <a:cs typeface="Calibri" charset="0"/>
               </a:rPr>
             </a:br>
             <a:r>
               <a:rPr lang="en-US" sz="2900" dirty="0">
+                <a:solidFill>
+                  <a:schemeClr val="dk1"/>
+                </a:solidFill>
                 <a:latin typeface="Calibri" charset="0"/>
-                <a:ea typeface="Calibri" charset="0"/>
                 <a:cs typeface="Calibri" charset="0"/>
               </a:rPr>
               <a:t>Logic and Conversation (Roelofsen)</a:t>
@@ -8613,7 +8629,7 @@
             </a:ln>
             <a:extLst>
               <a:ext uri="{C572A759-6A51-4108-AA02-DFA0A04FC94B}">
-                <ma14:wrappingTextBoxFlag xmlns:ma14="http://schemas.microsoft.com/office/mac/drawingml/2011/main" xmlns="" val="1"/>
+                <ma14:wrappingTextBoxFlag xmlns="" xmlns:ma14="http://schemas.microsoft.com/office/mac/drawingml/2011/main" val="1"/>
               </a:ext>
             </a:extLst>
           </p:spPr>
@@ -8980,7 +8996,7 @@
               </a:ln>
               <a:extLst>
                 <a:ext uri="{C572A759-6A51-4108-AA02-DFA0A04FC94B}">
-                  <ma14:wrappingTextBoxFlag xmlns:ma14="http://schemas.microsoft.com/office/mac/drawingml/2011/main" xmlns="" val="1"/>
+                  <ma14:wrappingTextBoxFlag xmlns="" xmlns:ma14="http://schemas.microsoft.com/office/mac/drawingml/2011/main" val="1"/>
                 </a:ext>
               </a:extLst>
             </p:spPr>
@@ -9351,7 +9367,7 @@
           </a:ln>
           <a:extLst>
             <a:ext uri="{C572A759-6A51-4108-AA02-DFA0A04FC94B}">
-              <ma14:wrappingTextBoxFlag xmlns:ma14="http://schemas.microsoft.com/office/mac/drawingml/2011/main" xmlns="" val="1"/>
+              <ma14:wrappingTextBoxFlag xmlns="" xmlns:ma14="http://schemas.microsoft.com/office/mac/drawingml/2011/main" val="1"/>
             </a:ext>
           </a:extLst>
         </p:spPr>
@@ -9392,7 +9408,7 @@
         </p:nvSpPr>
         <p:spPr>
           <a:xfrm flipH="1" flipV="1">
-            <a:off x="40592646" y="9531422"/>
+            <a:off x="40592646" y="9708404"/>
             <a:ext cx="1" cy="650266"/>
           </a:xfrm>
           <a:prstGeom prst="line">
@@ -9445,7 +9461,7 @@
           </a:ln>
           <a:extLst>
             <a:ext uri="{C572A759-6A51-4108-AA02-DFA0A04FC94B}">
-              <ma14:wrappingTextBoxFlag xmlns:ma14="http://schemas.microsoft.com/office/mac/drawingml/2011/main" xmlns="" val="1"/>
+              <ma14:wrappingTextBoxFlag xmlns="" xmlns:ma14="http://schemas.microsoft.com/office/mac/drawingml/2011/main" val="1"/>
             </a:ext>
           </a:extLst>
         </p:spPr>
@@ -9831,7 +9847,7 @@
           </a:ln>
           <a:extLst>
             <a:ext uri="{C572A759-6A51-4108-AA02-DFA0A04FC94B}">
-              <ma14:wrappingTextBoxFlag xmlns:ma14="http://schemas.microsoft.com/office/mac/drawingml/2011/main" xmlns="" val="1"/>
+              <ma14:wrappingTextBoxFlag xmlns="" xmlns:ma14="http://schemas.microsoft.com/office/mac/drawingml/2011/main" val="1"/>
             </a:ext>
           </a:extLst>
         </p:spPr>
@@ -9883,7 +9899,7 @@
           </a:ln>
           <a:extLst>
             <a:ext uri="{C572A759-6A51-4108-AA02-DFA0A04FC94B}">
-              <ma14:wrappingTextBoxFlag xmlns:ma14="http://schemas.microsoft.com/office/mac/drawingml/2011/main" xmlns="" val="1"/>
+              <ma14:wrappingTextBoxFlag xmlns="" xmlns:ma14="http://schemas.microsoft.com/office/mac/drawingml/2011/main" val="1"/>
             </a:ext>
           </a:extLst>
         </p:spPr>
@@ -10742,8 +10758,8 @@
         </p:nvSpPr>
         <p:spPr>
           <a:xfrm>
-            <a:off x="26126129" y="4685258"/>
-            <a:ext cx="7975622" cy="4454201"/>
+            <a:off x="26125556" y="5532219"/>
+            <a:ext cx="7975622" cy="4062889"/>
           </a:xfrm>
           <a:prstGeom prst="roundRect">
             <a:avLst>
@@ -10759,7 +10775,7 @@
           </a:ln>
           <a:extLst>
             <a:ext uri="{C572A759-6A51-4108-AA02-DFA0A04FC94B}">
-              <ma14:wrappingTextBoxFlag xmlns:ma14="http://schemas.microsoft.com/office/mac/drawingml/2011/main" xmlns="" val="1"/>
+              <ma14:wrappingTextBoxFlag xmlns="" xmlns:ma14="http://schemas.microsoft.com/office/mac/drawingml/2011/main" val="1"/>
             </a:ext>
           </a:extLst>
         </p:spPr>
@@ -10902,7 +10918,29 @@
                 <a:ea typeface="Calibri"/>
                 <a:cs typeface="Calibri"/>
               </a:rPr>
-              <a:t>version: 12 June 2020:</a:t>
+              <a:t>version</a:t>
+            </a:r>
+            <a:r>
+              <a:rPr lang="en-US" sz="2800">
+                <a:solidFill>
+                  <a:sysClr val="windowText" lastClr="000000"/>
+                </a:solidFill>
+                <a:latin typeface="Calibri"/>
+                <a:ea typeface="Calibri"/>
+                <a:cs typeface="Calibri"/>
+              </a:rPr>
+              <a:t>: 15 </a:t>
+            </a:r>
+            <a:r>
+              <a:rPr lang="en-US" sz="2800" dirty="0">
+                <a:solidFill>
+                  <a:sysClr val="windowText" lastClr="000000"/>
+                </a:solidFill>
+                <a:latin typeface="Calibri"/>
+                <a:ea typeface="Calibri"/>
+                <a:cs typeface="Calibri"/>
+              </a:rPr>
+              <a:t>June 2020:</a:t>
             </a:r>
             <a:br>
               <a:rPr lang="en-US" sz="2800" dirty="0">
@@ -11248,7 +11286,7 @@
           </a:ln>
           <a:extLst>
             <a:ext uri="{C572A759-6A51-4108-AA02-DFA0A04FC94B}">
-              <ma14:wrappingTextBoxFlag xmlns:ma14="http://schemas.microsoft.com/office/mac/drawingml/2011/main" xmlns="" val="1"/>
+              <ma14:wrappingTextBoxFlag xmlns="" xmlns:ma14="http://schemas.microsoft.com/office/mac/drawingml/2011/main" val="1"/>
             </a:ext>
           </a:extLst>
         </p:spPr>
@@ -11619,7 +11657,7 @@
         </p:nvSpPr>
         <p:spPr>
           <a:xfrm flipH="1" flipV="1">
-            <a:off x="41822916" y="9531421"/>
+            <a:off x="41822916" y="9708403"/>
             <a:ext cx="0" cy="3340707"/>
           </a:xfrm>
           <a:prstGeom prst="line">
@@ -11850,7 +11888,7 @@
           </a:ln>
           <a:extLst>
             <a:ext uri="{C572A759-6A51-4108-AA02-DFA0A04FC94B}">
-              <ma14:wrappingTextBoxFlag xmlns:ma14="http://schemas.microsoft.com/office/mac/drawingml/2011/main" xmlns="" val="1"/>
+              <ma14:wrappingTextBoxFlag xmlns="" xmlns:ma14="http://schemas.microsoft.com/office/mac/drawingml/2011/main" val="1"/>
             </a:ext>
           </a:extLst>
         </p:spPr>
@@ -11889,7 +11927,7 @@
         </p:nvSpPr>
         <p:spPr>
           <a:xfrm>
-            <a:off x="14069749" y="4011425"/>
+            <a:off x="34529325" y="549573"/>
             <a:ext cx="3276000" cy="2430000"/>
           </a:xfrm>
           <a:prstGeom prst="roundRect">
@@ -11897,78 +11935,117 @@
               <a:gd name="adj" fmla="val 16667"/>
             </a:avLst>
           </a:prstGeom>
-          <a:gradFill flip="none" rotWithShape="1">
-            <a:gsLst>
-              <a:gs pos="0">
-                <a:srgbClr val="C8B2E9"/>
-              </a:gs>
-              <a:gs pos="35000">
-                <a:srgbClr val="D8C9EE"/>
-              </a:gs>
-              <a:gs pos="100000">
-                <a:srgbClr val="F0EAF9"/>
-              </a:gs>
-            </a:gsLst>
-            <a:lin ang="16200000" scaled="0"/>
-          </a:gradFill>
-          <a:ln w="9525" cap="flat">
-            <a:solidFill>
-              <a:srgbClr val="7D60A0"/>
-            </a:solidFill>
-            <a:prstDash val="solid"/>
-            <a:bevel/>
-          </a:ln>
-          <a:effectLst>
-            <a:outerShdw blurRad="38100" dist="20000" dir="5400000" rotWithShape="0">
-              <a:srgbClr val="000000">
-                <a:alpha val="38000"/>
-              </a:srgbClr>
-            </a:outerShdw>
-          </a:effectLst>
+          <a:ln/>
         </p:spPr>
+        <p:style>
+          <a:lnRef idx="1">
+            <a:schemeClr val="accent3"/>
+          </a:lnRef>
+          <a:fillRef idx="2">
+            <a:schemeClr val="accent3"/>
+          </a:fillRef>
+          <a:effectRef idx="1">
+            <a:schemeClr val="accent3"/>
+          </a:effectRef>
+          <a:fontRef idx="minor">
+            <a:schemeClr val="dk1"/>
+          </a:fontRef>
+        </p:style>
         <p:txBody>
           <a:bodyPr wrap="square" lIns="0" tIns="0" rIns="0" bIns="0" numCol="1" anchor="ctr">
             <a:noAutofit/>
           </a:bodyPr>
           <a:lstStyle/>
           <a:p>
-            <a:pPr algn="ctr">
-              <a:defRPr sz="1800"/>
-            </a:pPr>
-            <a:r>
-              <a:rPr lang="en-US" sz="2900" dirty="0"/>
+            <a:pPr algn="ctr"/>
+            <a:r>
+              <a:rPr lang="en-US" sz="2900" dirty="0">
+                <a:solidFill>
+                  <a:schemeClr val="dk1"/>
+                </a:solidFill>
+                <a:latin typeface="Calibri" charset="0"/>
+                <a:ea typeface="+mn-ea"/>
+                <a:cs typeface="Calibri" charset="0"/>
+              </a:rPr>
               <a:t>2: [</a:t>
             </a:r>
             <a:r>
-              <a:rPr lang="en-US" sz="2900" dirty="0" err="1"/>
+              <a:rPr lang="en-US" sz="2900" dirty="0" err="1">
+                <a:solidFill>
+                  <a:schemeClr val="dk1"/>
+                </a:solidFill>
+                <a:latin typeface="Calibri" charset="0"/>
+                <a:ea typeface="+mn-ea"/>
+                <a:cs typeface="Calibri" charset="0"/>
+              </a:rPr>
               <a:t>MoL</a:t>
             </a:r>
             <a:r>
-              <a:rPr lang="en-US" sz="2900" dirty="0"/>
+              <a:rPr lang="en-US" sz="2900" dirty="0">
+                <a:solidFill>
+                  <a:schemeClr val="dk1"/>
+                </a:solidFill>
+                <a:latin typeface="Calibri" charset="0"/>
+                <a:ea typeface="+mn-ea"/>
+                <a:cs typeface="Calibri" charset="0"/>
+              </a:rPr>
               <a:t>-FGW] </a:t>
             </a:r>
             <a:br>
-              <a:rPr lang="en-US" sz="2900" dirty="0"/>
+              <a:rPr lang="en-US" sz="2900" dirty="0">
+                <a:solidFill>
+                  <a:schemeClr val="dk1"/>
+                </a:solidFill>
+                <a:latin typeface="Calibri" charset="0"/>
+                <a:ea typeface="+mn-ea"/>
+                <a:cs typeface="Calibri" charset="0"/>
+              </a:rPr>
             </a:br>
             <a:r>
-              <a:rPr lang="en-US" sz="2900" dirty="0"/>
+              <a:rPr lang="en-US" sz="2900" dirty="0">
+                <a:solidFill>
+                  <a:schemeClr val="dk1"/>
+                </a:solidFill>
+                <a:latin typeface="Calibri" charset="0"/>
+                <a:ea typeface="+mn-ea"/>
+                <a:cs typeface="Calibri" charset="0"/>
+              </a:rPr>
               <a:t>Data-driven History of Ideas</a:t>
             </a:r>
           </a:p>
           <a:p>
-            <a:pPr lvl="0" algn="ctr">
-              <a:defRPr sz="1800"/>
-            </a:pPr>
-            <a:r>
-              <a:rPr lang="en-US" sz="2900" dirty="0"/>
+            <a:pPr algn="ctr"/>
+            <a:r>
+              <a:rPr lang="en-US" sz="2900" dirty="0">
+                <a:solidFill>
+                  <a:schemeClr val="dk1"/>
+                </a:solidFill>
+                <a:latin typeface="Calibri" charset="0"/>
+                <a:ea typeface="+mn-ea"/>
+                <a:cs typeface="Calibri" charset="0"/>
+              </a:rPr>
               <a:t>(</a:t>
             </a:r>
             <a:r>
-              <a:rPr lang="en-US" sz="2900" dirty="0" err="1"/>
+              <a:rPr lang="en-US" sz="2900" dirty="0" err="1">
+                <a:solidFill>
+                  <a:schemeClr val="dk1"/>
+                </a:solidFill>
+                <a:latin typeface="Calibri" charset="0"/>
+                <a:ea typeface="+mn-ea"/>
+                <a:cs typeface="Calibri" charset="0"/>
+              </a:rPr>
               <a:t>Betti</a:t>
             </a:r>
             <a:r>
-              <a:rPr lang="en-US" sz="2900" dirty="0"/>
+              <a:rPr lang="en-US" sz="2900" dirty="0">
+                <a:solidFill>
+                  <a:schemeClr val="dk1"/>
+                </a:solidFill>
+                <a:latin typeface="Calibri" charset="0"/>
+                <a:ea typeface="+mn-ea"/>
+                <a:cs typeface="Calibri" charset="0"/>
+              </a:rPr>
               <a:t>)</a:t>
             </a:r>
           </a:p>

--- a/MoLOverviewPoster2020.pptx
+++ b/MoLOverviewPoster2020.pptx
@@ -193,7 +193,7 @@
           <a:p>
             <a:fld id="{B179243D-0E3E-4D4F-90E9-F9F1DBB34143}" type="datetimeFigureOut">
               <a:rPr lang="en-US" smtClean="0"/>
-              <a:t>6/15/20</a:t>
+              <a:t>6/19/20</a:t>
             </a:fld>
             <a:endParaRPr lang="en-US"/>
           </a:p>
@@ -2319,7 +2319,7 @@
           </a:ln>
           <a:extLst>
             <a:ext uri="{C572A759-6A51-4108-AA02-DFA0A04FC94B}">
-              <ma14:wrappingTextBoxFlag xmlns="" xmlns:ma14="http://schemas.microsoft.com/office/mac/drawingml/2011/main" val="1"/>
+              <ma14:wrappingTextBoxFlag xmlns:ma14="http://schemas.microsoft.com/office/mac/drawingml/2011/main" xmlns="" val="1"/>
             </a:ext>
           </a:extLst>
         </p:spPr>
@@ -2362,7 +2362,7 @@
           </a:ln>
           <a:extLst>
             <a:ext uri="{C572A759-6A51-4108-AA02-DFA0A04FC94B}">
-              <ma14:wrappingTextBoxFlag xmlns="" xmlns:ma14="http://schemas.microsoft.com/office/mac/drawingml/2011/main" val="1"/>
+              <ma14:wrappingTextBoxFlag xmlns:ma14="http://schemas.microsoft.com/office/mac/drawingml/2011/main" xmlns="" val="1"/>
             </a:ext>
           </a:extLst>
         </p:spPr>
@@ -3587,7 +3587,7 @@
           </a:ln>
           <a:extLst>
             <a:ext uri="{C572A759-6A51-4108-AA02-DFA0A04FC94B}">
-              <ma14:wrappingTextBoxFlag xmlns="" xmlns:ma14="http://schemas.microsoft.com/office/mac/drawingml/2011/main" val="1"/>
+              <ma14:wrappingTextBoxFlag xmlns:ma14="http://schemas.microsoft.com/office/mac/drawingml/2011/main" xmlns="" val="1"/>
             </a:ext>
           </a:extLst>
         </p:spPr>
@@ -3702,7 +3702,7 @@
           </a:ln>
           <a:extLst>
             <a:ext uri="{C572A759-6A51-4108-AA02-DFA0A04FC94B}">
-              <ma14:wrappingTextBoxFlag xmlns="" xmlns:ma14="http://schemas.microsoft.com/office/mac/drawingml/2011/main" val="1"/>
+              <ma14:wrappingTextBoxFlag xmlns:ma14="http://schemas.microsoft.com/office/mac/drawingml/2011/main" xmlns="" val="1"/>
             </a:ext>
           </a:extLst>
         </p:spPr>
@@ -3808,7 +3808,7 @@
           </a:ln>
           <a:extLst>
             <a:ext uri="{C572A759-6A51-4108-AA02-DFA0A04FC94B}">
-              <ma14:wrappingTextBoxFlag xmlns="" xmlns:ma14="http://schemas.microsoft.com/office/mac/drawingml/2011/main" val="1"/>
+              <ma14:wrappingTextBoxFlag xmlns:ma14="http://schemas.microsoft.com/office/mac/drawingml/2011/main" xmlns="" val="1"/>
             </a:ext>
           </a:extLst>
         </p:spPr>
@@ -3868,7 +3868,7 @@
           </a:ln>
           <a:extLst>
             <a:ext uri="{C572A759-6A51-4108-AA02-DFA0A04FC94B}">
-              <ma14:wrappingTextBoxFlag xmlns="" xmlns:ma14="http://schemas.microsoft.com/office/mac/drawingml/2011/main" val="1"/>
+              <ma14:wrappingTextBoxFlag xmlns:ma14="http://schemas.microsoft.com/office/mac/drawingml/2011/main" xmlns="" val="1"/>
             </a:ext>
           </a:extLst>
         </p:spPr>
@@ -3923,69 +3923,96 @@
                 <a:gd name="adj" fmla="val 16667"/>
               </a:avLst>
             </a:prstGeom>
-            <a:gradFill flip="none" rotWithShape="1">
-              <a:gsLst>
-                <a:gs pos="0">
-                  <a:srgbClr val="DAFEA4"/>
-                </a:gs>
-                <a:gs pos="35000">
-                  <a:srgbClr val="E4FDBF"/>
-                </a:gs>
-                <a:gs pos="100000">
-                  <a:srgbClr val="F5FFE6"/>
-                </a:gs>
-              </a:gsLst>
-              <a:lin ang="16200000" scaled="0"/>
-            </a:gradFill>
-            <a:ln w="9525" cap="flat">
-              <a:solidFill>
-                <a:srgbClr val="98B955"/>
-              </a:solidFill>
-              <a:prstDash val="solid"/>
-              <a:bevel/>
-            </a:ln>
-            <a:effectLst>
-              <a:outerShdw blurRad="38100" dist="20000" dir="5400000" rotWithShape="0">
-                <a:srgbClr val="000000">
-                  <a:alpha val="38000"/>
-                </a:srgbClr>
-              </a:outerShdw>
-            </a:effectLst>
+            <a:ln/>
           </p:spPr>
+          <p:style>
+            <a:lnRef idx="1">
+              <a:schemeClr val="accent4"/>
+            </a:lnRef>
+            <a:fillRef idx="2">
+              <a:schemeClr val="accent4"/>
+            </a:fillRef>
+            <a:effectRef idx="1">
+              <a:schemeClr val="accent4"/>
+            </a:effectRef>
+            <a:fontRef idx="minor">
+              <a:schemeClr val="dk1"/>
+            </a:fontRef>
+          </p:style>
           <p:txBody>
             <a:bodyPr wrap="square" lIns="0" tIns="0" rIns="0" bIns="0" numCol="1" anchor="ctr">
               <a:noAutofit/>
             </a:bodyPr>
             <a:lstStyle/>
             <a:p>
-              <a:pPr lvl="0" algn="ctr">
-                <a:defRPr sz="1800"/>
-              </a:pPr>
+              <a:pPr algn="ctr"/>
               <a:r>
-                <a:rPr lang="en-US" sz="2900" dirty="0"/>
-                <a:t>2: [</a:t>
+                <a:rPr lang="en-US" sz="2900" dirty="0">
+                  <a:solidFill>
+                    <a:schemeClr val="dk1"/>
+                  </a:solidFill>
+                  <a:latin typeface="Calibri" charset="0"/>
+                  <a:cs typeface="Calibri" charset="0"/>
+                </a:rPr>
+                <a:t>4: [</a:t>
               </a:r>
               <a:r>
-                <a:rPr lang="en-US" sz="2900" dirty="0" err="1"/>
+                <a:rPr lang="en-US" sz="2900" dirty="0" err="1">
+                  <a:solidFill>
+                    <a:schemeClr val="dk1"/>
+                  </a:solidFill>
+                  <a:latin typeface="Calibri" charset="0"/>
+                  <a:cs typeface="Calibri" charset="0"/>
+                </a:rPr>
                 <a:t>MoL</a:t>
               </a:r>
               <a:r>
-                <a:rPr lang="en-US" sz="2900" dirty="0"/>
+                <a:rPr lang="en-US" sz="2900" dirty="0">
+                  <a:solidFill>
+                    <a:schemeClr val="dk1"/>
+                  </a:solidFill>
+                  <a:latin typeface="Calibri" charset="0"/>
+                  <a:cs typeface="Calibri" charset="0"/>
+                </a:rPr>
                 <a:t>-FNWI] Dynamic Epistemic Logic </a:t>
               </a:r>
               <a:br>
-                <a:rPr lang="en-US" sz="2900" dirty="0"/>
+                <a:rPr lang="en-US" sz="2900" dirty="0">
+                  <a:solidFill>
+                    <a:schemeClr val="dk1"/>
+                  </a:solidFill>
+                  <a:latin typeface="Calibri" charset="0"/>
+                  <a:cs typeface="Calibri" charset="0"/>
+                </a:rPr>
               </a:br>
               <a:r>
-                <a:rPr lang="en-US" sz="2900" dirty="0"/>
+                <a:rPr lang="en-US" sz="2900" dirty="0">
+                  <a:solidFill>
+                    <a:schemeClr val="dk1"/>
+                  </a:solidFill>
+                  <a:latin typeface="Calibri" charset="0"/>
+                  <a:cs typeface="Calibri" charset="0"/>
+                </a:rPr>
                 <a:t>(</a:t>
               </a:r>
               <a:r>
-                <a:rPr lang="en-US" sz="2900" dirty="0" err="1"/>
+                <a:rPr lang="en-US" sz="2900" dirty="0" err="1">
+                  <a:solidFill>
+                    <a:schemeClr val="dk1"/>
+                  </a:solidFill>
+                  <a:latin typeface="Calibri" charset="0"/>
+                  <a:cs typeface="Calibri" charset="0"/>
+                </a:rPr>
                 <a:t>Baltag</a:t>
               </a:r>
               <a:r>
-                <a:rPr lang="en-US" sz="2900" dirty="0"/>
+                <a:rPr lang="en-US" sz="2900" dirty="0">
+                  <a:solidFill>
+                    <a:schemeClr val="dk1"/>
+                  </a:solidFill>
+                  <a:latin typeface="Calibri" charset="0"/>
+                  <a:cs typeface="Calibri" charset="0"/>
+                </a:rPr>
                 <a:t>)</a:t>
               </a:r>
             </a:p>
@@ -4201,7 +4228,7 @@
               </a:ln>
               <a:extLst>
                 <a:ext uri="{C572A759-6A51-4108-AA02-DFA0A04FC94B}">
-                  <ma14:wrappingTextBoxFlag xmlns="" xmlns:ma14="http://schemas.microsoft.com/office/mac/drawingml/2011/main" val="1"/>
+                  <ma14:wrappingTextBoxFlag xmlns:ma14="http://schemas.microsoft.com/office/mac/drawingml/2011/main" xmlns="" val="1"/>
                 </a:ext>
               </a:extLst>
             </p:spPr>
@@ -4297,7 +4324,7 @@
           </a:ln>
           <a:extLst>
             <a:ext uri="{C572A759-6A51-4108-AA02-DFA0A04FC94B}">
-              <ma14:wrappingTextBoxFlag xmlns="" xmlns:ma14="http://schemas.microsoft.com/office/mac/drawingml/2011/main" val="1"/>
+              <ma14:wrappingTextBoxFlag xmlns:ma14="http://schemas.microsoft.com/office/mac/drawingml/2011/main" xmlns="" val="1"/>
             </a:ext>
           </a:extLst>
         </p:spPr>
@@ -4341,7 +4368,7 @@
           </a:ln>
           <a:extLst>
             <a:ext uri="{C572A759-6A51-4108-AA02-DFA0A04FC94B}">
-              <ma14:wrappingTextBoxFlag xmlns="" xmlns:ma14="http://schemas.microsoft.com/office/mac/drawingml/2011/main" val="1"/>
+              <ma14:wrappingTextBoxFlag xmlns:ma14="http://schemas.microsoft.com/office/mac/drawingml/2011/main" xmlns="" val="1"/>
             </a:ext>
           </a:extLst>
         </p:spPr>
@@ -4497,7 +4524,7 @@
             </a:ln>
             <a:extLst>
               <a:ext uri="{C572A759-6A51-4108-AA02-DFA0A04FC94B}">
-                <ma14:wrappingTextBoxFlag xmlns="" xmlns:ma14="http://schemas.microsoft.com/office/mac/drawingml/2011/main" val="1"/>
+                <ma14:wrappingTextBoxFlag xmlns:ma14="http://schemas.microsoft.com/office/mac/drawingml/2011/main" xmlns="" val="1"/>
               </a:ext>
             </a:extLst>
           </p:spPr>
@@ -4550,7 +4577,7 @@
           </a:ln>
           <a:extLst>
             <a:ext uri="{C572A759-6A51-4108-AA02-DFA0A04FC94B}">
-              <ma14:wrappingTextBoxFlag xmlns="" xmlns:ma14="http://schemas.microsoft.com/office/mac/drawingml/2011/main" val="1"/>
+              <ma14:wrappingTextBoxFlag xmlns:ma14="http://schemas.microsoft.com/office/mac/drawingml/2011/main" xmlns="" val="1"/>
             </a:ext>
           </a:extLst>
         </p:spPr>
@@ -5769,22 +5796,35 @@
               <a:gd name="adj" fmla="val 16667"/>
             </a:avLst>
           </a:prstGeom>
-          <a:ln/>
+          <a:gradFill flip="none" rotWithShape="1">
+            <a:gsLst>
+              <a:gs pos="0">
+                <a:srgbClr val="C8B2E9"/>
+              </a:gs>
+              <a:gs pos="35000">
+                <a:srgbClr val="D8C9EE"/>
+              </a:gs>
+              <a:gs pos="100000">
+                <a:srgbClr val="F0EAF9"/>
+              </a:gs>
+            </a:gsLst>
+            <a:lin ang="16200000" scaled="0"/>
+          </a:gradFill>
+          <a:ln w="9525" cap="flat">
+            <a:solidFill>
+              <a:srgbClr val="7D60A0"/>
+            </a:solidFill>
+            <a:prstDash val="solid"/>
+            <a:bevel/>
+          </a:ln>
+          <a:effectLst>
+            <a:outerShdw blurRad="38100" dist="20000" dir="5400000" rotWithShape="0">
+              <a:srgbClr val="000000">
+                <a:alpha val="38000"/>
+              </a:srgbClr>
+            </a:outerShdw>
+          </a:effectLst>
         </p:spPr>
-        <p:style>
-          <a:lnRef idx="1">
-            <a:schemeClr val="accent1"/>
-          </a:lnRef>
-          <a:fillRef idx="3">
-            <a:schemeClr val="accent1"/>
-          </a:fillRef>
-          <a:effectRef idx="2">
-            <a:schemeClr val="accent1"/>
-          </a:effectRef>
-          <a:fontRef idx="minor">
-            <a:schemeClr val="lt1"/>
-          </a:fontRef>
-        </p:style>
         <p:txBody>
           <a:bodyPr wrap="square" lIns="0" tIns="0" rIns="0" bIns="0" numCol="1" anchor="ctr">
             <a:noAutofit/>
@@ -5794,69 +5834,48 @@
             <a:pPr algn="ctr"/>
             <a:r>
               <a:rPr lang="en-US" sz="2900" dirty="0">
-                <a:solidFill>
-                  <a:schemeClr val="lt1"/>
-                </a:solidFill>
-                <a:latin typeface="Calibri" charset="0"/>
-                <a:cs typeface="Calibri" charset="0"/>
-              </a:rPr>
-              <a:t>1: [</a:t>
+                <a:latin typeface="Calibri"/>
+                <a:cs typeface="Calibri"/>
+              </a:rPr>
+              <a:t>4: [</a:t>
             </a:r>
             <a:r>
               <a:rPr lang="en-US" sz="2900" dirty="0" err="1">
-                <a:solidFill>
-                  <a:schemeClr val="lt1"/>
-                </a:solidFill>
-                <a:latin typeface="Calibri" charset="0"/>
-                <a:cs typeface="Calibri" charset="0"/>
+                <a:latin typeface="Calibri"/>
+                <a:cs typeface="Calibri"/>
               </a:rPr>
               <a:t>MoL</a:t>
             </a:r>
             <a:r>
               <a:rPr lang="en-US" sz="2900" dirty="0">
-                <a:solidFill>
-                  <a:schemeClr val="lt1"/>
-                </a:solidFill>
-                <a:latin typeface="Calibri" charset="0"/>
-                <a:cs typeface="Calibri" charset="0"/>
+                <a:latin typeface="Calibri"/>
+                <a:cs typeface="Calibri"/>
               </a:rPr>
               <a:t>-FNWI] </a:t>
             </a:r>
             <a:br>
               <a:rPr lang="en-US" sz="2900" dirty="0">
-                <a:solidFill>
-                  <a:schemeClr val="lt1"/>
-                </a:solidFill>
-                <a:latin typeface="Calibri" charset="0"/>
-                <a:cs typeface="Calibri" charset="0"/>
+                <a:latin typeface="Calibri"/>
+                <a:cs typeface="Calibri"/>
               </a:rPr>
             </a:br>
             <a:r>
               <a:rPr lang="en-US" sz="2900" dirty="0">
-                <a:solidFill>
-                  <a:schemeClr val="lt1"/>
-                </a:solidFill>
-                <a:latin typeface="Calibri" charset="0"/>
-                <a:cs typeface="Calibri" charset="0"/>
+                <a:latin typeface="Calibri"/>
+                <a:cs typeface="Calibri"/>
               </a:rPr>
               <a:t>Epistemic Paradoxes and Philosophical Puzzles </a:t>
             </a:r>
             <a:br>
               <a:rPr lang="en-US" sz="2900" dirty="0">
-                <a:solidFill>
-                  <a:schemeClr val="lt1"/>
-                </a:solidFill>
-                <a:latin typeface="Calibri" charset="0"/>
-                <a:cs typeface="Calibri" charset="0"/>
+                <a:latin typeface="Calibri"/>
+                <a:cs typeface="Calibri"/>
               </a:rPr>
             </a:br>
             <a:r>
               <a:rPr lang="en-US" sz="2900" dirty="0">
-                <a:solidFill>
-                  <a:schemeClr val="lt1"/>
-                </a:solidFill>
-                <a:latin typeface="Calibri" charset="0"/>
-                <a:cs typeface="Calibri" charset="0"/>
+                <a:latin typeface="Calibri"/>
+                <a:cs typeface="Calibri"/>
               </a:rPr>
               <a:t>(Smets)</a:t>
             </a:r>
@@ -7089,7 +7108,7 @@
             </a:ln>
             <a:extLst>
               <a:ext uri="{C572A759-6A51-4108-AA02-DFA0A04FC94B}">
-                <ma14:wrappingTextBoxFlag xmlns="" xmlns:ma14="http://schemas.microsoft.com/office/mac/drawingml/2011/main" val="1"/>
+                <ma14:wrappingTextBoxFlag xmlns:ma14="http://schemas.microsoft.com/office/mac/drawingml/2011/main" xmlns="" val="1"/>
               </a:ext>
             </a:extLst>
           </p:spPr>
@@ -7289,7 +7308,7 @@
             </a:ln>
             <a:extLst>
               <a:ext uri="{C572A759-6A51-4108-AA02-DFA0A04FC94B}">
-                <ma14:wrappingTextBoxFlag xmlns="" xmlns:ma14="http://schemas.microsoft.com/office/mac/drawingml/2011/main" val="1"/>
+                <ma14:wrappingTextBoxFlag xmlns:ma14="http://schemas.microsoft.com/office/mac/drawingml/2011/main" xmlns="" val="1"/>
               </a:ext>
             </a:extLst>
           </p:spPr>
@@ -7633,8 +7652,8 @@
         </p:nvSpPr>
         <p:spPr>
           <a:xfrm>
-            <a:off x="11552039" y="26653948"/>
-            <a:ext cx="3203234" cy="2430000"/>
+            <a:off x="11552074" y="26617755"/>
+            <a:ext cx="3276000" cy="2430000"/>
           </a:xfrm>
           <a:prstGeom prst="roundRect">
             <a:avLst>
@@ -7872,7 +7891,15 @@
               </a:br>
               <a:r>
                 <a:rPr lang="en-US" sz="2900" dirty="0"/>
-                <a:t>(van den Berg)</a:t>
+                <a:t>(</a:t>
+              </a:r>
+              <a:r>
+                <a:rPr lang="en-US" sz="2900" dirty="0" err="1"/>
+                <a:t>Pulcini</a:t>
+              </a:r>
+              <a:r>
+                <a:rPr lang="en-US" sz="2900" dirty="0"/>
+                <a:t>)</a:t>
               </a:r>
             </a:p>
           </p:txBody>
@@ -7896,7 +7923,7 @@
             </a:ln>
             <a:extLst>
               <a:ext uri="{C572A759-6A51-4108-AA02-DFA0A04FC94B}">
-                <ma14:wrappingTextBoxFlag xmlns="" xmlns:ma14="http://schemas.microsoft.com/office/mac/drawingml/2011/main" val="1"/>
+                <ma14:wrappingTextBoxFlag xmlns:ma14="http://schemas.microsoft.com/office/mac/drawingml/2011/main" xmlns="" val="1"/>
               </a:ext>
             </a:extLst>
           </p:spPr>
@@ -8062,7 +8089,7 @@
             </a:ln>
             <a:extLst>
               <a:ext uri="{C572A759-6A51-4108-AA02-DFA0A04FC94B}">
-                <ma14:wrappingTextBoxFlag xmlns="" xmlns:ma14="http://schemas.microsoft.com/office/mac/drawingml/2011/main" val="1"/>
+                <ma14:wrappingTextBoxFlag xmlns:ma14="http://schemas.microsoft.com/office/mac/drawingml/2011/main" xmlns="" val="1"/>
               </a:ext>
             </a:extLst>
           </p:spPr>
@@ -8101,7 +8128,7 @@
           </a:ln>
           <a:extLst>
             <a:ext uri="{C572A759-6A51-4108-AA02-DFA0A04FC94B}">
-              <ma14:wrappingTextBoxFlag xmlns="" xmlns:ma14="http://schemas.microsoft.com/office/mac/drawingml/2011/main" val="1"/>
+              <ma14:wrappingTextBoxFlag xmlns:ma14="http://schemas.microsoft.com/office/mac/drawingml/2011/main" xmlns="" val="1"/>
             </a:ext>
           </a:extLst>
         </p:spPr>
@@ -8288,7 +8315,7 @@
         <p:spPr>
           <a:xfrm>
             <a:off x="4137653" y="23327368"/>
-            <a:ext cx="3410273" cy="2430000"/>
+            <a:ext cx="3276000" cy="2430000"/>
           </a:xfrm>
           <a:prstGeom prst="roundRect">
             <a:avLst>
@@ -8629,7 +8656,7 @@
             </a:ln>
             <a:extLst>
               <a:ext uri="{C572A759-6A51-4108-AA02-DFA0A04FC94B}">
-                <ma14:wrappingTextBoxFlag xmlns="" xmlns:ma14="http://schemas.microsoft.com/office/mac/drawingml/2011/main" val="1"/>
+                <ma14:wrappingTextBoxFlag xmlns:ma14="http://schemas.microsoft.com/office/mac/drawingml/2011/main" xmlns="" val="1"/>
               </a:ext>
             </a:extLst>
           </p:spPr>
@@ -8875,7 +8902,15 @@
               </a:pPr>
               <a:r>
                 <a:rPr lang="en-US" sz="2900" dirty="0"/>
-                <a:t>(TBA)</a:t>
+                <a:t>(</a:t>
+              </a:r>
+              <a:r>
+                <a:rPr lang="en-US" sz="2900" dirty="0" err="1"/>
+                <a:t>Betti</a:t>
+              </a:r>
+              <a:r>
+                <a:rPr lang="en-US" sz="2900" dirty="0"/>
+                <a:t>)</a:t>
               </a:r>
             </a:p>
           </p:txBody>
@@ -8996,7 +9031,7 @@
               </a:ln>
               <a:extLst>
                 <a:ext uri="{C572A759-6A51-4108-AA02-DFA0A04FC94B}">
-                  <ma14:wrappingTextBoxFlag xmlns="" xmlns:ma14="http://schemas.microsoft.com/office/mac/drawingml/2011/main" val="1"/>
+                  <ma14:wrappingTextBoxFlag xmlns:ma14="http://schemas.microsoft.com/office/mac/drawingml/2011/main" xmlns="" val="1"/>
                 </a:ext>
               </a:extLst>
             </p:spPr>
@@ -9367,7 +9402,7 @@
           </a:ln>
           <a:extLst>
             <a:ext uri="{C572A759-6A51-4108-AA02-DFA0A04FC94B}">
-              <ma14:wrappingTextBoxFlag xmlns="" xmlns:ma14="http://schemas.microsoft.com/office/mac/drawingml/2011/main" val="1"/>
+              <ma14:wrappingTextBoxFlag xmlns:ma14="http://schemas.microsoft.com/office/mac/drawingml/2011/main" xmlns="" val="1"/>
             </a:ext>
           </a:extLst>
         </p:spPr>
@@ -9461,7 +9496,7 @@
           </a:ln>
           <a:extLst>
             <a:ext uri="{C572A759-6A51-4108-AA02-DFA0A04FC94B}">
-              <ma14:wrappingTextBoxFlag xmlns="" xmlns:ma14="http://schemas.microsoft.com/office/mac/drawingml/2011/main" val="1"/>
+              <ma14:wrappingTextBoxFlag xmlns:ma14="http://schemas.microsoft.com/office/mac/drawingml/2011/main" xmlns="" val="1"/>
             </a:ext>
           </a:extLst>
         </p:spPr>
@@ -9847,7 +9882,7 @@
           </a:ln>
           <a:extLst>
             <a:ext uri="{C572A759-6A51-4108-AA02-DFA0A04FC94B}">
-              <ma14:wrappingTextBoxFlag xmlns="" xmlns:ma14="http://schemas.microsoft.com/office/mac/drawingml/2011/main" val="1"/>
+              <ma14:wrappingTextBoxFlag xmlns:ma14="http://schemas.microsoft.com/office/mac/drawingml/2011/main" xmlns="" val="1"/>
             </a:ext>
           </a:extLst>
         </p:spPr>
@@ -9899,7 +9934,7 @@
           </a:ln>
           <a:extLst>
             <a:ext uri="{C572A759-6A51-4108-AA02-DFA0A04FC94B}">
-              <ma14:wrappingTextBoxFlag xmlns="" xmlns:ma14="http://schemas.microsoft.com/office/mac/drawingml/2011/main" val="1"/>
+              <ma14:wrappingTextBoxFlag xmlns:ma14="http://schemas.microsoft.com/office/mac/drawingml/2011/main" xmlns="" val="1"/>
             </a:ext>
           </a:extLst>
         </p:spPr>
@@ -10775,7 +10810,7 @@
           </a:ln>
           <a:extLst>
             <a:ext uri="{C572A759-6A51-4108-AA02-DFA0A04FC94B}">
-              <ma14:wrappingTextBoxFlag xmlns="" xmlns:ma14="http://schemas.microsoft.com/office/mac/drawingml/2011/main" val="1"/>
+              <ma14:wrappingTextBoxFlag xmlns:ma14="http://schemas.microsoft.com/office/mac/drawingml/2011/main" xmlns="" val="1"/>
             </a:ext>
           </a:extLst>
         </p:spPr>
@@ -10929,7 +10964,7 @@
                 <a:ea typeface="Calibri"/>
                 <a:cs typeface="Calibri"/>
               </a:rPr>
-              <a:t>: 15 </a:t>
+              <a:t>: 19 </a:t>
             </a:r>
             <a:r>
               <a:rPr lang="en-US" sz="2800" dirty="0">
@@ -11286,7 +11321,7 @@
           </a:ln>
           <a:extLst>
             <a:ext uri="{C572A759-6A51-4108-AA02-DFA0A04FC94B}">
-              <ma14:wrappingTextBoxFlag xmlns="" xmlns:ma14="http://schemas.microsoft.com/office/mac/drawingml/2011/main" val="1"/>
+              <ma14:wrappingTextBoxFlag xmlns:ma14="http://schemas.microsoft.com/office/mac/drawingml/2011/main" xmlns="" val="1"/>
             </a:ext>
           </a:extLst>
         </p:spPr>
@@ -11333,7 +11368,7 @@
         </p:nvSpPr>
         <p:spPr>
           <a:xfrm>
-            <a:off x="7965529" y="26626154"/>
+            <a:off x="15239032" y="23266708"/>
             <a:ext cx="3276000" cy="2430000"/>
           </a:xfrm>
           <a:prstGeom prst="roundRect">
@@ -11888,7 +11923,7 @@
           </a:ln>
           <a:extLst>
             <a:ext uri="{C572A759-6A51-4108-AA02-DFA0A04FC94B}">
-              <ma14:wrappingTextBoxFlag xmlns="" xmlns:ma14="http://schemas.microsoft.com/office/mac/drawingml/2011/main" val="1"/>
+              <ma14:wrappingTextBoxFlag xmlns:ma14="http://schemas.microsoft.com/office/mac/drawingml/2011/main" xmlns="" val="1"/>
             </a:ext>
           </a:extLst>
         </p:spPr>
@@ -12130,6 +12165,131 @@
               <a:rPr lang="en-US" sz="2900" dirty="0"/>
               <a:t>)</a:t>
             </a:r>
+          </a:p>
+        </p:txBody>
+      </p:sp>
+      <p:sp>
+        <p:nvSpPr>
+          <p:cNvPr id="131" name="Shape 154">
+            <a:extLst>
+              <a:ext uri="{FF2B5EF4-FFF2-40B4-BE49-F238E27FC236}">
+                <a16:creationId xmlns:a16="http://schemas.microsoft.com/office/drawing/2014/main" id="{CD89B9B4-6051-BF48-A6AC-A39B192A24C9}"/>
+              </a:ext>
+            </a:extLst>
+          </p:cNvPr>
+          <p:cNvSpPr/>
+          <p:nvPr/>
+        </p:nvSpPr>
+        <p:spPr>
+          <a:xfrm>
+            <a:off x="7909987" y="26574248"/>
+            <a:ext cx="3276000" cy="2430000"/>
+          </a:xfrm>
+          <a:prstGeom prst="roundRect">
+            <a:avLst>
+              <a:gd name="adj" fmla="val 16667"/>
+            </a:avLst>
+          </a:prstGeom>
+          <a:ln/>
+        </p:spPr>
+        <p:style>
+          <a:lnRef idx="1">
+            <a:schemeClr val="accent1"/>
+          </a:lnRef>
+          <a:fillRef idx="3">
+            <a:schemeClr val="accent1"/>
+          </a:fillRef>
+          <a:effectRef idx="2">
+            <a:schemeClr val="accent1"/>
+          </a:effectRef>
+          <a:fontRef idx="minor">
+            <a:schemeClr val="lt1"/>
+          </a:fontRef>
+        </p:style>
+        <p:txBody>
+          <a:bodyPr wrap="square" lIns="0" tIns="0" rIns="0" bIns="0" numCol="1" anchor="ctr">
+            <a:noAutofit/>
+          </a:bodyPr>
+          <a:lstStyle/>
+          <a:p>
+            <a:pPr algn="ctr"/>
+            <a:r>
+              <a:rPr lang="en-US" sz="2900" dirty="0">
+                <a:solidFill>
+                  <a:schemeClr val="lt1"/>
+                </a:solidFill>
+                <a:latin typeface="+mn-lt"/>
+                <a:ea typeface="+mn-ea"/>
+                <a:cs typeface="+mn-cs"/>
+              </a:rPr>
+              <a:t>1: [</a:t>
+            </a:r>
+            <a:r>
+              <a:rPr lang="en-US" sz="2900" dirty="0" err="1">
+                <a:solidFill>
+                  <a:schemeClr val="lt1"/>
+                </a:solidFill>
+                <a:latin typeface="+mn-lt"/>
+                <a:ea typeface="+mn-ea"/>
+                <a:cs typeface="+mn-cs"/>
+              </a:rPr>
+              <a:t>MoL</a:t>
+            </a:r>
+            <a:r>
+              <a:rPr lang="en-US" sz="2900" dirty="0">
+                <a:solidFill>
+                  <a:schemeClr val="lt1"/>
+                </a:solidFill>
+                <a:latin typeface="+mn-lt"/>
+                <a:ea typeface="+mn-ea"/>
+                <a:cs typeface="+mn-cs"/>
+              </a:rPr>
+              <a:t>-FNWI] </a:t>
+            </a:r>
+            <a:br>
+              <a:rPr lang="en-US" sz="2900" dirty="0">
+                <a:solidFill>
+                  <a:schemeClr val="lt1"/>
+                </a:solidFill>
+                <a:latin typeface="+mn-lt"/>
+                <a:ea typeface="+mn-ea"/>
+                <a:cs typeface="+mn-cs"/>
+              </a:rPr>
+            </a:br>
+            <a:r>
+              <a:rPr lang="en-US" sz="2900" dirty="0"/>
+              <a:t>Capita Selecta: </a:t>
+            </a:r>
+            <a:br>
+              <a:rPr lang="en-US" sz="2900" dirty="0"/>
+            </a:br>
+            <a:r>
+              <a:rPr lang="en-US" sz="2900" dirty="0"/>
+              <a:t>Set Theory </a:t>
+            </a:r>
+            <a:br>
+              <a:rPr lang="en-US" sz="2900" dirty="0"/>
+            </a:br>
+            <a:r>
+              <a:rPr lang="en-US" sz="2900" dirty="0"/>
+              <a:t>(</a:t>
+            </a:r>
+            <a:r>
+              <a:rPr lang="en-US" sz="2900" dirty="0" err="1"/>
+              <a:t>Löwe</a:t>
+            </a:r>
+            <a:r>
+              <a:rPr lang="en-US" sz="2900" dirty="0"/>
+              <a:t>)</a:t>
+            </a:r>
+            <a:endParaRPr lang="en-US" sz="2900" dirty="0">
+              <a:solidFill>
+                <a:schemeClr val="lt1"/>
+              </a:solidFill>
+              <a:latin typeface="+mn-lt"/>
+              <a:ea typeface="+mn-ea"/>
+              <a:cs typeface="+mn-cs"/>
+            </a:endParaRPr>
           </a:p>
         </p:txBody>
       </p:sp>

--- a/MoLOverviewPoster2020.pptx
+++ b/MoLOverviewPoster2020.pptx
@@ -193,7 +193,7 @@
           <a:p>
             <a:fld id="{B179243D-0E3E-4D4F-90E9-F9F1DBB34143}" type="datetimeFigureOut">
               <a:rPr lang="en-US" smtClean="0"/>
-              <a:t>6/19/20</a:t>
+              <a:t>8/3/20</a:t>
             </a:fld>
             <a:endParaRPr lang="en-US"/>
           </a:p>
@@ -2827,8 +2827,8 @@
           </p:nvSpPr>
           <p:spPr>
             <a:xfrm rot="5400000">
-              <a:off x="16123453" y="-9525774"/>
-              <a:ext cx="13023273" cy="32638456"/>
+              <a:off x="18100553" y="-11502876"/>
+              <a:ext cx="13023273" cy="36592660"/>
             </a:xfrm>
             <a:prstGeom prst="corner">
               <a:avLst>
@@ -3797,7 +3797,7 @@
         </p:nvSpPr>
         <p:spPr>
           <a:xfrm>
-            <a:off x="38541316" y="-547835"/>
+            <a:off x="38117188" y="2338703"/>
             <a:ext cx="3866684" cy="2828082"/>
           </a:xfrm>
           <a:prstGeom prst="rect">
@@ -3927,13 +3927,13 @@
           </p:spPr>
           <p:style>
             <a:lnRef idx="1">
-              <a:schemeClr val="accent4"/>
+              <a:schemeClr val="accent3"/>
             </a:lnRef>
             <a:fillRef idx="2">
-              <a:schemeClr val="accent4"/>
+              <a:schemeClr val="accent3"/>
             </a:fillRef>
             <a:effectRef idx="1">
-              <a:schemeClr val="accent4"/>
+              <a:schemeClr val="accent3"/>
             </a:effectRef>
             <a:fontRef idx="minor">
               <a:schemeClr val="dk1"/>
@@ -3948,19 +3948,13 @@
               <a:pPr algn="ctr"/>
               <a:r>
                 <a:rPr lang="en-US" sz="2900" dirty="0">
-                  <a:solidFill>
-                    <a:schemeClr val="dk1"/>
-                  </a:solidFill>
                   <a:latin typeface="Calibri" charset="0"/>
                   <a:cs typeface="Calibri" charset="0"/>
                 </a:rPr>
-                <a:t>4: [</a:t>
+                <a:t>2: [</a:t>
               </a:r>
               <a:r>
                 <a:rPr lang="en-US" sz="2900" dirty="0" err="1">
-                  <a:solidFill>
-                    <a:schemeClr val="dk1"/>
-                  </a:solidFill>
                   <a:latin typeface="Calibri" charset="0"/>
                   <a:cs typeface="Calibri" charset="0"/>
                 </a:rPr>
@@ -3968,9 +3962,6 @@
               </a:r>
               <a:r>
                 <a:rPr lang="en-US" sz="2900" dirty="0">
-                  <a:solidFill>
-                    <a:schemeClr val="dk1"/>
-                  </a:solidFill>
                   <a:latin typeface="Calibri" charset="0"/>
                   <a:cs typeface="Calibri" charset="0"/>
                 </a:rPr>
@@ -3978,18 +3969,12 @@
               </a:r>
               <a:br>
                 <a:rPr lang="en-US" sz="2900" dirty="0">
-                  <a:solidFill>
-                    <a:schemeClr val="dk1"/>
-                  </a:solidFill>
                   <a:latin typeface="Calibri" charset="0"/>
                   <a:cs typeface="Calibri" charset="0"/>
                 </a:rPr>
               </a:br>
               <a:r>
                 <a:rPr lang="en-US" sz="2900" dirty="0">
-                  <a:solidFill>
-                    <a:schemeClr val="dk1"/>
-                  </a:solidFill>
                   <a:latin typeface="Calibri" charset="0"/>
                   <a:cs typeface="Calibri" charset="0"/>
                 </a:rPr>
@@ -3997,9 +3982,6 @@
               </a:r>
               <a:r>
                 <a:rPr lang="en-US" sz="2900" dirty="0" err="1">
-                  <a:solidFill>
-                    <a:schemeClr val="dk1"/>
-                  </a:solidFill>
                   <a:latin typeface="Calibri" charset="0"/>
                   <a:cs typeface="Calibri" charset="0"/>
                 </a:rPr>
@@ -4007,9 +3989,6 @@
               </a:r>
               <a:r>
                 <a:rPr lang="en-US" sz="2900" dirty="0">
-                  <a:solidFill>
-                    <a:schemeClr val="dk1"/>
-                  </a:solidFill>
                   <a:latin typeface="Calibri" charset="0"/>
                   <a:cs typeface="Calibri" charset="0"/>
                 </a:rPr>
@@ -4610,7 +4589,7 @@
         </p:nvSpPr>
         <p:spPr>
           <a:xfrm>
-            <a:off x="26916469" y="2097144"/>
+            <a:off x="26668630" y="2695848"/>
             <a:ext cx="4110918" cy="2093607"/>
           </a:xfrm>
           <a:prstGeom prst="roundRect">
@@ -4702,7 +4681,7 @@
         </p:nvSpPr>
         <p:spPr>
           <a:xfrm>
-            <a:off x="38434477" y="4456679"/>
+            <a:off x="38434477" y="7102531"/>
             <a:ext cx="3708000" cy="2520000"/>
           </a:xfrm>
           <a:prstGeom prst="ellipse">
@@ -4787,7 +4766,7 @@
         </p:nvSpPr>
         <p:spPr>
           <a:xfrm>
-            <a:off x="38835849" y="7240530"/>
+            <a:off x="38835849" y="9886382"/>
             <a:ext cx="3276000" cy="2430000"/>
           </a:xfrm>
           <a:prstGeom prst="roundRect">
@@ -5250,7 +5229,7 @@
         </p:nvSpPr>
         <p:spPr>
           <a:xfrm>
-            <a:off x="38653123" y="15919297"/>
+            <a:off x="34604076" y="15998809"/>
             <a:ext cx="3276000" cy="2430000"/>
           </a:xfrm>
           <a:prstGeom prst="roundRect">
@@ -5389,7 +5368,7 @@
         </p:nvSpPr>
         <p:spPr>
           <a:xfrm>
-            <a:off x="38478950" y="10441594"/>
+            <a:off x="38478950" y="13087446"/>
             <a:ext cx="3118829" cy="2430000"/>
           </a:xfrm>
           <a:prstGeom prst="roundRect">
@@ -6369,7 +6348,7 @@
         </p:nvSpPr>
         <p:spPr>
           <a:xfrm>
-            <a:off x="38376604" y="1713280"/>
+            <a:off x="38376604" y="4359132"/>
             <a:ext cx="3708000" cy="2520000"/>
           </a:xfrm>
           <a:prstGeom prst="ellipse">
@@ -8690,10 +8669,10 @@
         </p:nvGrpSpPr>
         <p:grpSpPr>
           <a:xfrm>
-            <a:off x="11301787" y="10279647"/>
-            <a:ext cx="14349731" cy="2559636"/>
-            <a:chOff x="11452230" y="10441683"/>
-            <a:chExt cx="14349731" cy="2559636"/>
+            <a:off x="11301787" y="525411"/>
+            <a:ext cx="30453163" cy="12313872"/>
+            <a:chOff x="11452230" y="687447"/>
+            <a:chExt cx="30453163" cy="12313872"/>
           </a:xfrm>
         </p:grpSpPr>
         <p:sp>
@@ -8837,7 +8816,7 @@
           </p:nvSpPr>
           <p:spPr>
             <a:xfrm>
-              <a:off x="15143474" y="10571319"/>
+              <a:off x="38629393" y="687447"/>
               <a:ext cx="3276000" cy="2430000"/>
             </a:xfrm>
             <a:prstGeom prst="roundRect">
@@ -9443,7 +9422,7 @@
         </p:nvSpPr>
         <p:spPr>
           <a:xfrm flipH="1" flipV="1">
-            <a:off x="40592646" y="9708404"/>
+            <a:off x="40592646" y="12354256"/>
             <a:ext cx="1" cy="650266"/>
           </a:xfrm>
           <a:prstGeom prst="line">
@@ -10964,7 +10943,7 @@
                 <a:ea typeface="Calibri"/>
                 <a:cs typeface="Calibri"/>
               </a:rPr>
-              <a:t>: 19 </a:t>
+              <a:t>: 3 August </a:t>
             </a:r>
             <a:r>
               <a:rPr lang="en-US" sz="2800" dirty="0">
@@ -10975,7 +10954,7 @@
                 <a:ea typeface="Calibri"/>
                 <a:cs typeface="Calibri"/>
               </a:rPr>
-              <a:t>June 2020:</a:t>
+              <a:t>2020:</a:t>
             </a:r>
             <a:br>
               <a:rPr lang="en-US" sz="2800" dirty="0">
@@ -11460,7 +11439,7 @@
         </p:nvSpPr>
         <p:spPr>
           <a:xfrm>
-            <a:off x="38656399" y="13207577"/>
+            <a:off x="38656399" y="15932941"/>
             <a:ext cx="3276000" cy="2430000"/>
           </a:xfrm>
           <a:prstGeom prst="roundRect">
@@ -11692,7 +11671,7 @@
         </p:nvSpPr>
         <p:spPr>
           <a:xfrm flipH="1" flipV="1">
-            <a:off x="41822916" y="9708403"/>
+            <a:off x="41822916" y="12354255"/>
             <a:ext cx="0" cy="3340707"/>
           </a:xfrm>
           <a:prstGeom prst="line">

--- a/MoLOverviewPoster2020.pptx
+++ b/MoLOverviewPoster2020.pptx
@@ -2319,7 +2319,7 @@
           </a:ln>
           <a:extLst>
             <a:ext uri="{C572A759-6A51-4108-AA02-DFA0A04FC94B}">
-              <ma14:wrappingTextBoxFlag xmlns:ma14="http://schemas.microsoft.com/office/mac/drawingml/2011/main" xmlns="" val="1"/>
+              <ma14:wrappingTextBoxFlag xmlns="" xmlns:ma14="http://schemas.microsoft.com/office/mac/drawingml/2011/main" val="1"/>
             </a:ext>
           </a:extLst>
         </p:spPr>
@@ -2362,7 +2362,7 @@
           </a:ln>
           <a:extLst>
             <a:ext uri="{C572A759-6A51-4108-AA02-DFA0A04FC94B}">
-              <ma14:wrappingTextBoxFlag xmlns:ma14="http://schemas.microsoft.com/office/mac/drawingml/2011/main" xmlns="" val="1"/>
+              <ma14:wrappingTextBoxFlag xmlns="" xmlns:ma14="http://schemas.microsoft.com/office/mac/drawingml/2011/main" val="1"/>
             </a:ext>
           </a:extLst>
         </p:spPr>
@@ -3587,7 +3587,7 @@
           </a:ln>
           <a:extLst>
             <a:ext uri="{C572A759-6A51-4108-AA02-DFA0A04FC94B}">
-              <ma14:wrappingTextBoxFlag xmlns:ma14="http://schemas.microsoft.com/office/mac/drawingml/2011/main" xmlns="" val="1"/>
+              <ma14:wrappingTextBoxFlag xmlns="" xmlns:ma14="http://schemas.microsoft.com/office/mac/drawingml/2011/main" val="1"/>
             </a:ext>
           </a:extLst>
         </p:spPr>
@@ -3702,7 +3702,7 @@
           </a:ln>
           <a:extLst>
             <a:ext uri="{C572A759-6A51-4108-AA02-DFA0A04FC94B}">
-              <ma14:wrappingTextBoxFlag xmlns:ma14="http://schemas.microsoft.com/office/mac/drawingml/2011/main" xmlns="" val="1"/>
+              <ma14:wrappingTextBoxFlag xmlns="" xmlns:ma14="http://schemas.microsoft.com/office/mac/drawingml/2011/main" val="1"/>
             </a:ext>
           </a:extLst>
         </p:spPr>
@@ -3808,7 +3808,7 @@
           </a:ln>
           <a:extLst>
             <a:ext uri="{C572A759-6A51-4108-AA02-DFA0A04FC94B}">
-              <ma14:wrappingTextBoxFlag xmlns:ma14="http://schemas.microsoft.com/office/mac/drawingml/2011/main" xmlns="" val="1"/>
+              <ma14:wrappingTextBoxFlag xmlns="" xmlns:ma14="http://schemas.microsoft.com/office/mac/drawingml/2011/main" val="1"/>
             </a:ext>
           </a:extLst>
         </p:spPr>
@@ -3868,7 +3868,7 @@
           </a:ln>
           <a:extLst>
             <a:ext uri="{C572A759-6A51-4108-AA02-DFA0A04FC94B}">
-              <ma14:wrappingTextBoxFlag xmlns:ma14="http://schemas.microsoft.com/office/mac/drawingml/2011/main" xmlns="" val="1"/>
+              <ma14:wrappingTextBoxFlag xmlns="" xmlns:ma14="http://schemas.microsoft.com/office/mac/drawingml/2011/main" val="1"/>
             </a:ext>
           </a:extLst>
         </p:spPr>
@@ -4207,7 +4207,7 @@
               </a:ln>
               <a:extLst>
                 <a:ext uri="{C572A759-6A51-4108-AA02-DFA0A04FC94B}">
-                  <ma14:wrappingTextBoxFlag xmlns:ma14="http://schemas.microsoft.com/office/mac/drawingml/2011/main" xmlns="" val="1"/>
+                  <ma14:wrappingTextBoxFlag xmlns="" xmlns:ma14="http://schemas.microsoft.com/office/mac/drawingml/2011/main" val="1"/>
                 </a:ext>
               </a:extLst>
             </p:spPr>
@@ -4303,7 +4303,7 @@
           </a:ln>
           <a:extLst>
             <a:ext uri="{C572A759-6A51-4108-AA02-DFA0A04FC94B}">
-              <ma14:wrappingTextBoxFlag xmlns:ma14="http://schemas.microsoft.com/office/mac/drawingml/2011/main" xmlns="" val="1"/>
+              <ma14:wrappingTextBoxFlag xmlns="" xmlns:ma14="http://schemas.microsoft.com/office/mac/drawingml/2011/main" val="1"/>
             </a:ext>
           </a:extLst>
         </p:spPr>
@@ -4347,7 +4347,7 @@
           </a:ln>
           <a:extLst>
             <a:ext uri="{C572A759-6A51-4108-AA02-DFA0A04FC94B}">
-              <ma14:wrappingTextBoxFlag xmlns:ma14="http://schemas.microsoft.com/office/mac/drawingml/2011/main" xmlns="" val="1"/>
+              <ma14:wrappingTextBoxFlag xmlns="" xmlns:ma14="http://schemas.microsoft.com/office/mac/drawingml/2011/main" val="1"/>
             </a:ext>
           </a:extLst>
         </p:spPr>
@@ -4503,7 +4503,7 @@
             </a:ln>
             <a:extLst>
               <a:ext uri="{C572A759-6A51-4108-AA02-DFA0A04FC94B}">
-                <ma14:wrappingTextBoxFlag xmlns:ma14="http://schemas.microsoft.com/office/mac/drawingml/2011/main" xmlns="" val="1"/>
+                <ma14:wrappingTextBoxFlag xmlns="" xmlns:ma14="http://schemas.microsoft.com/office/mac/drawingml/2011/main" val="1"/>
               </a:ext>
             </a:extLst>
           </p:spPr>
@@ -4556,7 +4556,7 @@
           </a:ln>
           <a:extLst>
             <a:ext uri="{C572A759-6A51-4108-AA02-DFA0A04FC94B}">
-              <ma14:wrappingTextBoxFlag xmlns:ma14="http://schemas.microsoft.com/office/mac/drawingml/2011/main" xmlns="" val="1"/>
+              <ma14:wrappingTextBoxFlag xmlns="" xmlns:ma14="http://schemas.microsoft.com/office/mac/drawingml/2011/main" val="1"/>
             </a:ext>
           </a:extLst>
         </p:spPr>
@@ -7087,7 +7087,7 @@
             </a:ln>
             <a:extLst>
               <a:ext uri="{C572A759-6A51-4108-AA02-DFA0A04FC94B}">
-                <ma14:wrappingTextBoxFlag xmlns:ma14="http://schemas.microsoft.com/office/mac/drawingml/2011/main" xmlns="" val="1"/>
+                <ma14:wrappingTextBoxFlag xmlns="" xmlns:ma14="http://schemas.microsoft.com/office/mac/drawingml/2011/main" val="1"/>
               </a:ext>
             </a:extLst>
           </p:spPr>
@@ -7287,7 +7287,7 @@
             </a:ln>
             <a:extLst>
               <a:ext uri="{C572A759-6A51-4108-AA02-DFA0A04FC94B}">
-                <ma14:wrappingTextBoxFlag xmlns:ma14="http://schemas.microsoft.com/office/mac/drawingml/2011/main" xmlns="" val="1"/>
+                <ma14:wrappingTextBoxFlag xmlns="" xmlns:ma14="http://schemas.microsoft.com/office/mac/drawingml/2011/main" val="1"/>
               </a:ext>
             </a:extLst>
           </p:spPr>
@@ -7902,7 +7902,7 @@
             </a:ln>
             <a:extLst>
               <a:ext uri="{C572A759-6A51-4108-AA02-DFA0A04FC94B}">
-                <ma14:wrappingTextBoxFlag xmlns:ma14="http://schemas.microsoft.com/office/mac/drawingml/2011/main" xmlns="" val="1"/>
+                <ma14:wrappingTextBoxFlag xmlns="" xmlns:ma14="http://schemas.microsoft.com/office/mac/drawingml/2011/main" val="1"/>
               </a:ext>
             </a:extLst>
           </p:spPr>
@@ -8068,7 +8068,7 @@
             </a:ln>
             <a:extLst>
               <a:ext uri="{C572A759-6A51-4108-AA02-DFA0A04FC94B}">
-                <ma14:wrappingTextBoxFlag xmlns:ma14="http://schemas.microsoft.com/office/mac/drawingml/2011/main" xmlns="" val="1"/>
+                <ma14:wrappingTextBoxFlag xmlns="" xmlns:ma14="http://schemas.microsoft.com/office/mac/drawingml/2011/main" val="1"/>
               </a:ext>
             </a:extLst>
           </p:spPr>
@@ -8107,7 +8107,7 @@
           </a:ln>
           <a:extLst>
             <a:ext uri="{C572A759-6A51-4108-AA02-DFA0A04FC94B}">
-              <ma14:wrappingTextBoxFlag xmlns:ma14="http://schemas.microsoft.com/office/mac/drawingml/2011/main" xmlns="" val="1"/>
+              <ma14:wrappingTextBoxFlag xmlns="" xmlns:ma14="http://schemas.microsoft.com/office/mac/drawingml/2011/main" val="1"/>
             </a:ext>
           </a:extLst>
         </p:spPr>
@@ -8635,7 +8635,7 @@
             </a:ln>
             <a:extLst>
               <a:ext uri="{C572A759-6A51-4108-AA02-DFA0A04FC94B}">
-                <ma14:wrappingTextBoxFlag xmlns:ma14="http://schemas.microsoft.com/office/mac/drawingml/2011/main" xmlns="" val="1"/>
+                <ma14:wrappingTextBoxFlag xmlns="" xmlns:ma14="http://schemas.microsoft.com/office/mac/drawingml/2011/main" val="1"/>
               </a:ext>
             </a:extLst>
           </p:spPr>
@@ -8661,18 +8661,1057 @@
           </p:txBody>
         </p:sp>
       </p:grpSp>
+      <p:sp>
+        <p:nvSpPr>
+          <p:cNvPr id="178" name="Shape 178"/>
+          <p:cNvSpPr/>
+          <p:nvPr/>
+        </p:nvSpPr>
+        <p:spPr>
+          <a:xfrm>
+            <a:off x="38478950" y="525411"/>
+            <a:ext cx="3276000" cy="2430000"/>
+          </a:xfrm>
+          <a:prstGeom prst="roundRect">
+            <a:avLst>
+              <a:gd name="adj" fmla="val 16667"/>
+            </a:avLst>
+          </a:prstGeom>
+          <a:gradFill flip="none" rotWithShape="1">
+            <a:gsLst>
+              <a:gs pos="0">
+                <a:srgbClr val="FFD1BB"/>
+              </a:gs>
+              <a:gs pos="35000">
+                <a:srgbClr val="FFDECF"/>
+              </a:gs>
+              <a:gs pos="100000">
+                <a:srgbClr val="FFF2ED"/>
+              </a:gs>
+            </a:gsLst>
+            <a:lin ang="16200000" scaled="0"/>
+          </a:gradFill>
+          <a:ln w="9525" cap="flat">
+            <a:solidFill>
+              <a:srgbClr val="F69240"/>
+            </a:solidFill>
+            <a:prstDash val="solid"/>
+            <a:bevel/>
+          </a:ln>
+          <a:effectLst>
+            <a:outerShdw blurRad="38100" dist="20000" dir="5400000" rotWithShape="0">
+              <a:srgbClr val="000000">
+                <a:alpha val="38000"/>
+              </a:srgbClr>
+            </a:outerShdw>
+          </a:effectLst>
+        </p:spPr>
+        <p:txBody>
+          <a:bodyPr wrap="square" lIns="0" tIns="0" rIns="0" bIns="0" numCol="1" anchor="ctr">
+            <a:noAutofit/>
+          </a:bodyPr>
+          <a:lstStyle/>
+          <a:p>
+            <a:pPr lvl="0" algn="ctr">
+              <a:defRPr sz="1800"/>
+            </a:pPr>
+            <a:r>
+              <a:rPr lang="en-US" sz="2900" dirty="0"/>
+              <a:t>5: [</a:t>
+            </a:r>
+            <a:r>
+              <a:rPr lang="en-US" sz="2900" dirty="0" err="1"/>
+              <a:t>MoL</a:t>
+            </a:r>
+            <a:r>
+              <a:rPr lang="en-US" sz="2900" dirty="0"/>
+              <a:t>-FGW] Advanced topics in Philosophy of Language </a:t>
+            </a:r>
+          </a:p>
+          <a:p>
+            <a:pPr lvl="0" algn="ctr">
+              <a:defRPr sz="1800"/>
+            </a:pPr>
+            <a:r>
+              <a:rPr lang="en-US" sz="2900" dirty="0"/>
+              <a:t>(</a:t>
+            </a:r>
+            <a:r>
+              <a:rPr lang="en-US" sz="2900" dirty="0" err="1"/>
+              <a:t>Betti</a:t>
+            </a:r>
+            <a:r>
+              <a:rPr lang="en-US" sz="2900" dirty="0"/>
+              <a:t>)</a:t>
+            </a:r>
+          </a:p>
+        </p:txBody>
+      </p:sp>
       <p:grpSp>
         <p:nvGrpSpPr>
-          <p:cNvPr id="30" name="Group 29"/>
+          <p:cNvPr id="23" name="Group 22"/>
           <p:cNvGrpSpPr/>
           <p:nvPr/>
         </p:nvGrpSpPr>
         <p:grpSpPr>
           <a:xfrm>
-            <a:off x="11301787" y="525411"/>
-            <a:ext cx="30453163" cy="12313872"/>
-            <a:chOff x="11452230" y="687447"/>
-            <a:chExt cx="30453163" cy="12313872"/>
+            <a:off x="13234094" y="10527037"/>
+            <a:ext cx="3276000" cy="2559634"/>
+            <a:chOff x="3148278" y="4924171"/>
+            <a:chExt cx="3276000" cy="2682428"/>
+          </a:xfrm>
+        </p:grpSpPr>
+        <p:sp>
+          <p:nvSpPr>
+            <p:cNvPr id="91" name="Shape 91"/>
+            <p:cNvSpPr/>
+            <p:nvPr/>
+          </p:nvSpPr>
+          <p:spPr>
+            <a:xfrm>
+              <a:off x="3148278" y="5060024"/>
+              <a:ext cx="3276000" cy="2546575"/>
+            </a:xfrm>
+            <a:prstGeom prst="roundRect">
+              <a:avLst>
+                <a:gd name="adj" fmla="val 16667"/>
+              </a:avLst>
+            </a:prstGeom>
+            <a:gradFill flip="none" rotWithShape="1">
+              <a:gsLst>
+                <a:gs pos="0">
+                  <a:srgbClr val="DAFEA4"/>
+                </a:gs>
+                <a:gs pos="35000">
+                  <a:srgbClr val="E4FDBF"/>
+                </a:gs>
+                <a:gs pos="100000">
+                  <a:srgbClr val="F5FFE6"/>
+                </a:gs>
+              </a:gsLst>
+              <a:lin ang="16200000" scaled="0"/>
+            </a:gradFill>
+            <a:ln w="76200" cap="flat">
+              <a:solidFill>
+                <a:srgbClr val="000000"/>
+              </a:solidFill>
+              <a:prstDash val="solid"/>
+              <a:bevel/>
+            </a:ln>
+            <a:effectLst>
+              <a:outerShdw blurRad="38100" dist="20000" dir="5400000" rotWithShape="0">
+                <a:srgbClr val="000000">
+                  <a:alpha val="38000"/>
+                </a:srgbClr>
+              </a:outerShdw>
+            </a:effectLst>
+          </p:spPr>
+          <p:txBody>
+            <a:bodyPr wrap="square" lIns="0" tIns="0" rIns="0" bIns="0" numCol="1" anchor="ctr">
+              <a:noAutofit/>
+            </a:bodyPr>
+            <a:lstStyle/>
+            <a:p>
+              <a:pPr lvl="0" algn="ctr">
+                <a:defRPr sz="1800"/>
+              </a:pPr>
+              <a:endParaRPr lang="en-US" sz="2900" dirty="0"/>
+            </a:p>
+            <a:p>
+              <a:pPr lvl="0" algn="ctr">
+                <a:defRPr sz="1800"/>
+              </a:pPr>
+              <a:r>
+                <a:rPr lang="en-US" sz="2900" dirty="0"/>
+                <a:t>2: [</a:t>
+              </a:r>
+              <a:r>
+                <a:rPr lang="en-US" sz="2900" dirty="0" err="1"/>
+                <a:t>MoL</a:t>
+              </a:r>
+              <a:r>
+                <a:rPr lang="en-US" sz="2900" dirty="0"/>
+                <a:t>-FNWI] Philosophical Logic (van </a:t>
+              </a:r>
+              <a:r>
+                <a:rPr lang="en-US" sz="2900" dirty="0" err="1"/>
+                <a:t>Rooij</a:t>
+              </a:r>
+              <a:r>
+                <a:rPr lang="en-US" sz="2900" dirty="0"/>
+                <a:t>)</a:t>
+              </a:r>
+            </a:p>
+          </p:txBody>
+        </p:sp>
+        <p:sp>
+          <p:nvSpPr>
+            <p:cNvPr id="155" name="Shape 230"/>
+            <p:cNvSpPr/>
+            <p:nvPr/>
+          </p:nvSpPr>
+          <p:spPr>
+            <a:xfrm>
+              <a:off x="4098705" y="4924171"/>
+              <a:ext cx="1497972" cy="1204325"/>
+            </a:xfrm>
+            <a:prstGeom prst="rect">
+              <a:avLst/>
+            </a:prstGeom>
+            <a:ln w="12700">
+              <a:miter lim="400000"/>
+            </a:ln>
+            <a:extLst>
+              <a:ext uri="{C572A759-6A51-4108-AA02-DFA0A04FC94B}">
+                <ma14:wrappingTextBoxFlag xmlns="" xmlns:ma14="http://schemas.microsoft.com/office/mac/drawingml/2011/main" val="1"/>
+              </a:ext>
+            </a:extLst>
+          </p:spPr>
+          <p:txBody>
+            <a:bodyPr lIns="208805" tIns="208805" rIns="208805" bIns="208805" anchor="ctr">
+              <a:normAutofit/>
+            </a:bodyPr>
+            <a:lstStyle>
+              <a:lvl1pPr>
+                <a:defRPr sz="4000"/>
+              </a:lvl1pPr>
+            </a:lstStyle>
+            <a:p>
+              <a:pPr algn="ctr">
+                <a:defRPr sz="1800"/>
+              </a:pPr>
+              <a:r>
+                <a:rPr lang="en-US" sz="3300" b="1" dirty="0"/>
+                <a:t>L&amp;P</a:t>
+              </a:r>
+              <a:endParaRPr sz="3300" b="1" dirty="0"/>
+            </a:p>
+          </p:txBody>
+        </p:sp>
+      </p:grpSp>
+      <p:sp>
+        <p:nvSpPr>
+          <p:cNvPr id="169" name="Shape 169"/>
+          <p:cNvSpPr/>
+          <p:nvPr/>
+        </p:nvSpPr>
+        <p:spPr>
+          <a:xfrm>
+            <a:off x="22375518" y="10409283"/>
+            <a:ext cx="3276000" cy="2430000"/>
+          </a:xfrm>
+          <a:prstGeom prst="roundRect">
+            <a:avLst>
+              <a:gd name="adj" fmla="val 16667"/>
+            </a:avLst>
+          </a:prstGeom>
+          <a:gradFill flip="none" rotWithShape="1">
+            <a:gsLst>
+              <a:gs pos="0">
+                <a:srgbClr val="C8B2E9"/>
+              </a:gs>
+              <a:gs pos="35000">
+                <a:srgbClr val="D8C9EE"/>
+              </a:gs>
+              <a:gs pos="100000">
+                <a:srgbClr val="F0EAF9"/>
+              </a:gs>
+            </a:gsLst>
+            <a:lin ang="16200000" scaled="0"/>
+          </a:gradFill>
+          <a:ln w="9525" cap="flat">
+            <a:solidFill>
+              <a:srgbClr val="7D60A0"/>
+            </a:solidFill>
+            <a:prstDash val="solid"/>
+            <a:bevel/>
+          </a:ln>
+          <a:effectLst>
+            <a:outerShdw blurRad="38100" dist="20000" dir="5400000" rotWithShape="0">
+              <a:srgbClr val="000000">
+                <a:alpha val="38000"/>
+              </a:srgbClr>
+            </a:outerShdw>
+          </a:effectLst>
+        </p:spPr>
+        <p:txBody>
+          <a:bodyPr wrap="square" lIns="0" tIns="0" rIns="0" bIns="0" numCol="1" anchor="ctr">
+            <a:noAutofit/>
+          </a:bodyPr>
+          <a:lstStyle/>
+          <a:p>
+            <a:pPr lvl="0" algn="ctr">
+              <a:defRPr sz="1800"/>
+            </a:pPr>
+            <a:r>
+              <a:rPr lang="en-US" sz="2900" dirty="0"/>
+              <a:t>4: [</a:t>
+            </a:r>
+            <a:r>
+              <a:rPr lang="en-US" sz="2900" dirty="0" err="1"/>
+              <a:t>MoL</a:t>
+            </a:r>
+            <a:r>
+              <a:rPr lang="en-US" sz="2900" dirty="0"/>
+              <a:t>-FGW] </a:t>
+            </a:r>
+          </a:p>
+          <a:p>
+            <a:pPr lvl="0" algn="ctr">
+              <a:defRPr sz="1800"/>
+            </a:pPr>
+            <a:r>
+              <a:rPr lang="en-US" sz="2900" dirty="0"/>
+              <a:t>Time </a:t>
+            </a:r>
+            <a:br>
+              <a:rPr lang="en-US" sz="2900" dirty="0"/>
+            </a:br>
+            <a:r>
+              <a:rPr lang="en-US" sz="2900" dirty="0"/>
+              <a:t>(van </a:t>
+            </a:r>
+            <a:r>
+              <a:rPr lang="en-US" sz="2900" dirty="0" err="1"/>
+              <a:t>Lambalgen</a:t>
+            </a:r>
+            <a:r>
+              <a:rPr lang="en-US" sz="2900" dirty="0"/>
+              <a:t>)</a:t>
+            </a:r>
+          </a:p>
+        </p:txBody>
+      </p:sp>
+      <p:sp>
+        <p:nvSpPr>
+          <p:cNvPr id="201" name="Shape 82"/>
+          <p:cNvSpPr/>
+          <p:nvPr/>
+        </p:nvSpPr>
+        <p:spPr>
+          <a:xfrm>
+            <a:off x="18651142" y="17712983"/>
+            <a:ext cx="3276000" cy="2430000"/>
+          </a:xfrm>
+          <a:prstGeom prst="roundRect">
+            <a:avLst>
+              <a:gd name="adj" fmla="val 16667"/>
+            </a:avLst>
+          </a:prstGeom>
+          <a:ln/>
+        </p:spPr>
+        <p:style>
+          <a:lnRef idx="1">
+            <a:schemeClr val="accent4"/>
+          </a:lnRef>
+          <a:fillRef idx="2">
+            <a:schemeClr val="accent4"/>
+          </a:fillRef>
+          <a:effectRef idx="1">
+            <a:schemeClr val="accent4"/>
+          </a:effectRef>
+          <a:fontRef idx="minor">
+            <a:schemeClr val="dk1"/>
+          </a:fontRef>
+        </p:style>
+        <p:txBody>
+          <a:bodyPr wrap="square" lIns="0" tIns="0" rIns="0" bIns="0" numCol="1" anchor="ctr">
+            <a:noAutofit/>
+          </a:bodyPr>
+          <a:lstStyle/>
+          <a:p>
+            <a:pPr lvl="0" algn="ctr">
+              <a:defRPr sz="1800">
+                <a:solidFill>
+                  <a:srgbClr val="000000"/>
+                </a:solidFill>
+              </a:defRPr>
+            </a:pPr>
+            <a:r>
+              <a:rPr lang="en-US" sz="2900" dirty="0">
+                <a:solidFill>
+                  <a:schemeClr val="tx1"/>
+                </a:solidFill>
+              </a:rPr>
+              <a:t>4: [RM-Ling] </a:t>
+            </a:r>
+            <a:br>
+              <a:rPr lang="en-US" sz="2900" dirty="0">
+                <a:solidFill>
+                  <a:schemeClr val="tx1"/>
+                </a:solidFill>
+              </a:rPr>
+            </a:br>
+            <a:r>
+              <a:rPr lang="en-US" sz="2900" dirty="0">
+                <a:solidFill>
+                  <a:schemeClr val="tx1"/>
+                </a:solidFill>
+              </a:rPr>
+              <a:t>Syntax-Semantics Interface 2</a:t>
+            </a:r>
+            <a:br>
+              <a:rPr lang="en-US" sz="2900" dirty="0">
+                <a:solidFill>
+                  <a:schemeClr val="tx1"/>
+                </a:solidFill>
+              </a:rPr>
+            </a:br>
+            <a:r>
+              <a:rPr lang="en-US" sz="2900" dirty="0">
+                <a:solidFill>
+                  <a:schemeClr val="tx1"/>
+                </a:solidFill>
+              </a:rPr>
+              <a:t>(</a:t>
+            </a:r>
+            <a:r>
+              <a:rPr lang="en-US" sz="2900" dirty="0" err="1">
+                <a:solidFill>
+                  <a:schemeClr val="tx1"/>
+                </a:solidFill>
+              </a:rPr>
+              <a:t>Ruijgrok</a:t>
+            </a:r>
+            <a:r>
+              <a:rPr lang="en-US" sz="2900" dirty="0">
+                <a:solidFill>
+                  <a:schemeClr val="tx1"/>
+                </a:solidFill>
+              </a:rPr>
+              <a:t>)</a:t>
+            </a:r>
+          </a:p>
+        </p:txBody>
+      </p:sp>
+      <p:sp>
+        <p:nvSpPr>
+          <p:cNvPr id="129" name="Shape 112"/>
+          <p:cNvSpPr/>
+          <p:nvPr/>
+        </p:nvSpPr>
+        <p:spPr>
+          <a:xfrm>
+            <a:off x="13979580" y="17712983"/>
+            <a:ext cx="3276000" cy="2430000"/>
+          </a:xfrm>
+          <a:prstGeom prst="roundRect">
+            <a:avLst>
+              <a:gd name="adj" fmla="val 16667"/>
+            </a:avLst>
+          </a:prstGeom>
+          <a:ln/>
+        </p:spPr>
+        <p:style>
+          <a:lnRef idx="1">
+            <a:schemeClr val="accent1"/>
+          </a:lnRef>
+          <a:fillRef idx="3">
+            <a:schemeClr val="accent1"/>
+          </a:fillRef>
+          <a:effectRef idx="2">
+            <a:schemeClr val="accent1"/>
+          </a:effectRef>
+          <a:fontRef idx="minor">
+            <a:schemeClr val="lt1"/>
+          </a:fontRef>
+        </p:style>
+        <p:txBody>
+          <a:bodyPr wrap="square" lIns="0" tIns="0" rIns="0" bIns="0" numCol="1" anchor="ctr">
+            <a:noAutofit/>
+          </a:bodyPr>
+          <a:lstStyle/>
+          <a:p>
+            <a:pPr algn="ctr"/>
+            <a:r>
+              <a:rPr lang="en-US" sz="2900" dirty="0">
+                <a:solidFill>
+                  <a:schemeClr val="lt1"/>
+                </a:solidFill>
+                <a:latin typeface="Calibri" charset="0"/>
+                <a:cs typeface="Calibri" charset="0"/>
+              </a:rPr>
+              <a:t>1: [RM-Ling]</a:t>
+            </a:r>
+            <a:br>
+              <a:rPr lang="en-US" sz="2900" dirty="0">
+                <a:solidFill>
+                  <a:schemeClr val="lt1"/>
+                </a:solidFill>
+                <a:latin typeface="Calibri" charset="0"/>
+                <a:cs typeface="Calibri" charset="0"/>
+              </a:rPr>
+            </a:br>
+            <a:r>
+              <a:rPr lang="en-US" sz="2900" dirty="0">
+                <a:solidFill>
+                  <a:schemeClr val="lt1"/>
+                </a:solidFill>
+                <a:latin typeface="Calibri" charset="0"/>
+                <a:cs typeface="Calibri" charset="0"/>
+              </a:rPr>
+              <a:t>Syntax-Semantics Interface 1</a:t>
+            </a:r>
+            <a:br>
+              <a:rPr lang="en-US" sz="2900" dirty="0">
+                <a:solidFill>
+                  <a:schemeClr val="lt1"/>
+                </a:solidFill>
+                <a:latin typeface="Calibri" charset="0"/>
+                <a:cs typeface="Calibri" charset="0"/>
+              </a:rPr>
+            </a:br>
+            <a:r>
+              <a:rPr lang="en-US" sz="2900" dirty="0">
+                <a:solidFill>
+                  <a:schemeClr val="lt1"/>
+                </a:solidFill>
+                <a:latin typeface="Calibri" charset="0"/>
+                <a:cs typeface="Calibri" charset="0"/>
+              </a:rPr>
+              <a:t>(</a:t>
+            </a:r>
+            <a:r>
+              <a:rPr lang="en-US" sz="2900" dirty="0" err="1">
+                <a:solidFill>
+                  <a:schemeClr val="lt1"/>
+                </a:solidFill>
+                <a:latin typeface="Calibri" charset="0"/>
+                <a:cs typeface="Calibri" charset="0"/>
+              </a:rPr>
+              <a:t>Hengeveld</a:t>
+            </a:r>
+            <a:r>
+              <a:rPr lang="en-US" sz="2900" dirty="0">
+                <a:solidFill>
+                  <a:schemeClr val="lt1"/>
+                </a:solidFill>
+                <a:latin typeface="Calibri" charset="0"/>
+                <a:cs typeface="Calibri" charset="0"/>
+              </a:rPr>
+              <a:t>, </a:t>
+            </a:r>
+            <a:r>
+              <a:rPr lang="en-US" sz="2900" dirty="0" err="1">
+                <a:solidFill>
+                  <a:schemeClr val="lt1"/>
+                </a:solidFill>
+                <a:latin typeface="Calibri" charset="0"/>
+                <a:cs typeface="Calibri" charset="0"/>
+              </a:rPr>
+              <a:t>Ruijgrok</a:t>
+            </a:r>
+            <a:r>
+              <a:rPr lang="en-US" sz="2900" dirty="0">
+                <a:solidFill>
+                  <a:schemeClr val="lt1"/>
+                </a:solidFill>
+                <a:latin typeface="Calibri" charset="0"/>
+                <a:cs typeface="Calibri" charset="0"/>
+              </a:rPr>
+              <a:t>)</a:t>
+            </a:r>
+          </a:p>
+        </p:txBody>
+      </p:sp>
+      <p:sp>
+        <p:nvSpPr>
+          <p:cNvPr id="126" name="Shape 230"/>
+          <p:cNvSpPr/>
+          <p:nvPr/>
+        </p:nvSpPr>
+        <p:spPr>
+          <a:xfrm>
+            <a:off x="1828738" y="17999302"/>
+            <a:ext cx="2170871" cy="1204326"/>
+          </a:xfrm>
+          <a:prstGeom prst="rect">
+            <a:avLst/>
+          </a:prstGeom>
+          <a:ln w="12700">
+            <a:miter lim="400000"/>
+          </a:ln>
+          <a:extLst>
+            <a:ext uri="{C572A759-6A51-4108-AA02-DFA0A04FC94B}">
+              <ma14:wrappingTextBoxFlag xmlns="" xmlns:ma14="http://schemas.microsoft.com/office/mac/drawingml/2011/main" val="1"/>
+            </a:ext>
+          </a:extLst>
+        </p:spPr>
+        <p:txBody>
+          <a:bodyPr lIns="208758" tIns="208758" rIns="208758" bIns="208758" anchor="ctr">
+            <a:noAutofit/>
+          </a:bodyPr>
+          <a:lstStyle>
+            <a:lvl1pPr>
+              <a:defRPr sz="4000"/>
+            </a:lvl1pPr>
+          </a:lstStyle>
+          <a:p>
+            <a:pPr algn="ctr">
+              <a:defRPr sz="1800"/>
+            </a:pPr>
+            <a:r>
+              <a:rPr lang="en-US" sz="3300" b="1" dirty="0">
+                <a:solidFill>
+                  <a:schemeClr val="bg1"/>
+                </a:solidFill>
+              </a:rPr>
+              <a:t>L&amp;M, L&amp;C</a:t>
+            </a:r>
+            <a:endParaRPr sz="3300" b="1" dirty="0">
+              <a:solidFill>
+                <a:schemeClr val="bg1"/>
+              </a:solidFill>
+            </a:endParaRPr>
+          </a:p>
+        </p:txBody>
+      </p:sp>
+      <p:sp>
+        <p:nvSpPr>
+          <p:cNvPr id="132" name="Shape 248"/>
+          <p:cNvSpPr/>
+          <p:nvPr/>
+        </p:nvSpPr>
+        <p:spPr>
+          <a:xfrm flipH="1" flipV="1">
+            <a:off x="40592646" y="12354256"/>
+            <a:ext cx="1" cy="650266"/>
+          </a:xfrm>
+          <a:prstGeom prst="line">
+            <a:avLst/>
+          </a:prstGeom>
+          <a:ln w="76200">
+            <a:solidFill/>
+            <a:headEnd type="triangle"/>
+          </a:ln>
+          <a:effectLst>
+            <a:outerShdw blurRad="38100" dist="20000" dir="5400000" rotWithShape="0">
+              <a:srgbClr val="000000">
+                <a:alpha val="38000"/>
+              </a:srgbClr>
+            </a:outerShdw>
+          </a:effectLst>
+        </p:spPr>
+        <p:txBody>
+          <a:bodyPr lIns="0" tIns="0" rIns="0" bIns="0"/>
+          <a:lstStyle/>
+          <a:p>
+            <a:pPr algn="ctr" defTabSz="457097">
+              <a:defRPr sz="1200">
+                <a:latin typeface="+mn-lt"/>
+                <a:ea typeface="+mn-ea"/>
+                <a:cs typeface="+mn-cs"/>
+                <a:sym typeface="Helvetica"/>
+              </a:defRPr>
+            </a:pPr>
+            <a:endParaRPr/>
+          </a:p>
+        </p:txBody>
+      </p:sp>
+      <p:sp>
+        <p:nvSpPr>
+          <p:cNvPr id="177" name="Shape 228"/>
+          <p:cNvSpPr/>
+          <p:nvPr/>
+        </p:nvSpPr>
+        <p:spPr>
+          <a:xfrm>
+            <a:off x="22977327" y="18522752"/>
+            <a:ext cx="4486811" cy="3131190"/>
+          </a:xfrm>
+          <a:prstGeom prst="rect">
+            <a:avLst/>
+          </a:prstGeom>
+          <a:ln w="12700">
+            <a:miter lim="400000"/>
+          </a:ln>
+          <a:extLst>
+            <a:ext uri="{C572A759-6A51-4108-AA02-DFA0A04FC94B}">
+              <ma14:wrappingTextBoxFlag xmlns="" xmlns:ma14="http://schemas.microsoft.com/office/mac/drawingml/2011/main" val="1"/>
+            </a:ext>
+          </a:extLst>
+        </p:spPr>
+        <p:txBody>
+          <a:bodyPr lIns="208758" tIns="208758" rIns="208758" bIns="208758" anchor="t">
+            <a:normAutofit/>
+          </a:bodyPr>
+          <a:lstStyle>
+            <a:lvl1pPr>
+              <a:defRPr sz="4000"/>
+            </a:lvl1pPr>
+          </a:lstStyle>
+          <a:p>
+            <a:pPr lvl="0" algn="l">
+              <a:defRPr sz="1800"/>
+            </a:pPr>
+            <a:r>
+              <a:rPr lang="en-US" sz="3900" b="1" dirty="0"/>
+              <a:t>Game Theory </a:t>
+            </a:r>
+            <a:br>
+              <a:rPr lang="en-US" sz="3900" b="1" dirty="0"/>
+            </a:br>
+            <a:r>
+              <a:rPr lang="en-US" sz="3900" b="1" dirty="0"/>
+              <a:t>&amp; </a:t>
+            </a:r>
+            <a:br>
+              <a:rPr lang="en-US" sz="3900" b="1" dirty="0"/>
+            </a:br>
+            <a:r>
+              <a:rPr lang="en-US" sz="3900" b="1" dirty="0"/>
+              <a:t>Social Choice</a:t>
+            </a:r>
+            <a:endParaRPr sz="3900" b="1" dirty="0"/>
+          </a:p>
+        </p:txBody>
+      </p:sp>
+      <p:sp>
+        <p:nvSpPr>
+          <p:cNvPr id="158" name="Shape 193"/>
+          <p:cNvSpPr/>
+          <p:nvPr/>
+        </p:nvSpPr>
+        <p:spPr>
+          <a:xfrm>
+            <a:off x="27064299" y="18726962"/>
+            <a:ext cx="3276000" cy="2430000"/>
+          </a:xfrm>
+          <a:prstGeom prst="roundRect">
+            <a:avLst>
+              <a:gd name="adj" fmla="val 16667"/>
+            </a:avLst>
+          </a:prstGeom>
+          <a:ln/>
+        </p:spPr>
+        <p:style>
+          <a:lnRef idx="1">
+            <a:schemeClr val="accent4"/>
+          </a:lnRef>
+          <a:fillRef idx="2">
+            <a:schemeClr val="accent4"/>
+          </a:fillRef>
+          <a:effectRef idx="1">
+            <a:schemeClr val="accent4"/>
+          </a:effectRef>
+          <a:fontRef idx="minor">
+            <a:schemeClr val="dk1"/>
+          </a:fontRef>
+        </p:style>
+        <p:txBody>
+          <a:bodyPr wrap="square" lIns="0" tIns="0" rIns="0" bIns="0" numCol="1" anchor="ctr">
+            <a:noAutofit/>
+          </a:bodyPr>
+          <a:lstStyle/>
+          <a:p>
+            <a:pPr algn="ctr"/>
+            <a:r>
+              <a:rPr lang="en-US" sz="2900" dirty="0">
+                <a:solidFill>
+                  <a:schemeClr val="dk1"/>
+                </a:solidFill>
+                <a:latin typeface="+mn-lt"/>
+                <a:ea typeface="+mn-ea"/>
+                <a:cs typeface="+mn-cs"/>
+              </a:rPr>
+              <a:t>4: [</a:t>
+            </a:r>
+            <a:r>
+              <a:rPr lang="en-US" sz="2900" dirty="0" err="1">
+                <a:solidFill>
+                  <a:schemeClr val="dk1"/>
+                </a:solidFill>
+                <a:latin typeface="+mn-lt"/>
+                <a:ea typeface="+mn-ea"/>
+                <a:cs typeface="+mn-cs"/>
+              </a:rPr>
+              <a:t>MoL</a:t>
+            </a:r>
+            <a:r>
+              <a:rPr lang="en-US" sz="2900" dirty="0">
+                <a:solidFill>
+                  <a:schemeClr val="dk1"/>
+                </a:solidFill>
+                <a:latin typeface="+mn-lt"/>
+                <a:ea typeface="+mn-ea"/>
+                <a:cs typeface="+mn-cs"/>
+              </a:rPr>
+              <a:t>-FNWI] </a:t>
+            </a:r>
+            <a:br>
+              <a:rPr lang="en-US" sz="2900" dirty="0">
+                <a:solidFill>
+                  <a:schemeClr val="dk1"/>
+                </a:solidFill>
+                <a:latin typeface="+mn-lt"/>
+                <a:ea typeface="+mn-ea"/>
+                <a:cs typeface="+mn-cs"/>
+              </a:rPr>
+            </a:br>
+            <a:r>
+              <a:rPr lang="en-US" sz="2900" dirty="0">
+                <a:solidFill>
+                  <a:schemeClr val="dk1"/>
+                </a:solidFill>
+                <a:latin typeface="+mn-lt"/>
+                <a:ea typeface="+mn-ea"/>
+                <a:cs typeface="+mn-cs"/>
+              </a:rPr>
+              <a:t>Game Theory </a:t>
+            </a:r>
+            <a:br>
+              <a:rPr lang="en-US" sz="2900" dirty="0">
+                <a:solidFill>
+                  <a:schemeClr val="dk1"/>
+                </a:solidFill>
+                <a:latin typeface="+mn-lt"/>
+                <a:ea typeface="+mn-ea"/>
+                <a:cs typeface="+mn-cs"/>
+              </a:rPr>
+            </a:br>
+            <a:r>
+              <a:rPr lang="en-US" sz="2900" dirty="0">
+                <a:solidFill>
+                  <a:schemeClr val="dk1"/>
+                </a:solidFill>
+                <a:latin typeface="+mn-lt"/>
+                <a:ea typeface="+mn-ea"/>
+                <a:cs typeface="+mn-cs"/>
+              </a:rPr>
+              <a:t>(</a:t>
+            </a:r>
+            <a:r>
+              <a:rPr lang="en-US" sz="2900" dirty="0" err="1">
+                <a:solidFill>
+                  <a:schemeClr val="dk1"/>
+                </a:solidFill>
+                <a:latin typeface="+mn-lt"/>
+                <a:ea typeface="+mn-ea"/>
+                <a:cs typeface="+mn-cs"/>
+              </a:rPr>
+              <a:t>Endriss</a:t>
+            </a:r>
+            <a:r>
+              <a:rPr lang="en-US" sz="2900" dirty="0">
+                <a:solidFill>
+                  <a:schemeClr val="dk1"/>
+                </a:solidFill>
+                <a:latin typeface="+mn-lt"/>
+                <a:ea typeface="+mn-ea"/>
+                <a:cs typeface="+mn-cs"/>
+              </a:rPr>
+              <a:t>)</a:t>
+            </a:r>
+          </a:p>
+        </p:txBody>
+      </p:sp>
+      <p:sp>
+        <p:nvSpPr>
+          <p:cNvPr id="159" name="Shape 211"/>
+          <p:cNvSpPr/>
+          <p:nvPr/>
+        </p:nvSpPr>
+        <p:spPr>
+          <a:xfrm>
+            <a:off x="30825751" y="18726962"/>
+            <a:ext cx="3276000" cy="2430000"/>
+          </a:xfrm>
+          <a:prstGeom prst="roundRect">
+            <a:avLst>
+              <a:gd name="adj" fmla="val 16667"/>
+            </a:avLst>
+          </a:prstGeom>
+          <a:gradFill flip="none" rotWithShape="1">
+            <a:gsLst>
+              <a:gs pos="0">
+                <a:srgbClr val="FFD1BB"/>
+              </a:gs>
+              <a:gs pos="35000">
+                <a:srgbClr val="FFDECF"/>
+              </a:gs>
+              <a:gs pos="100000">
+                <a:srgbClr val="FFF2ED"/>
+              </a:gs>
+            </a:gsLst>
+            <a:lin ang="16200000" scaled="0"/>
+          </a:gradFill>
+          <a:ln w="9525" cap="flat">
+            <a:solidFill>
+              <a:srgbClr val="F69240"/>
+            </a:solidFill>
+            <a:prstDash val="solid"/>
+            <a:bevel/>
+          </a:ln>
+          <a:effectLst>
+            <a:outerShdw blurRad="38100" dist="20000" dir="5400000" rotWithShape="0">
+              <a:srgbClr val="000000">
+                <a:alpha val="38000"/>
+              </a:srgbClr>
+            </a:outerShdw>
+          </a:effectLst>
+        </p:spPr>
+        <p:txBody>
+          <a:bodyPr wrap="square" lIns="0" tIns="0" rIns="0" bIns="0" numCol="1" anchor="ctr">
+            <a:noAutofit/>
+          </a:bodyPr>
+          <a:lstStyle/>
+          <a:p>
+            <a:pPr algn="ctr"/>
+            <a:r>
+              <a:rPr lang="en-US" sz="2900" dirty="0">
+                <a:latin typeface="Calibri"/>
+                <a:cs typeface="Calibri"/>
+              </a:rPr>
+              <a:t>5: [</a:t>
+            </a:r>
+            <a:r>
+              <a:rPr lang="en-US" sz="2900" dirty="0" err="1">
+                <a:latin typeface="Calibri"/>
+                <a:cs typeface="Calibri"/>
+              </a:rPr>
+              <a:t>MoL</a:t>
+            </a:r>
+            <a:r>
+              <a:rPr lang="en-US" sz="2900" dirty="0">
+                <a:latin typeface="Calibri"/>
+                <a:cs typeface="Calibri"/>
+              </a:rPr>
+              <a:t>-FNWI] Computational Social Choice (</a:t>
+            </a:r>
+            <a:r>
+              <a:rPr lang="en-US" sz="2900" dirty="0" err="1">
+                <a:latin typeface="Calibri"/>
+                <a:cs typeface="Calibri"/>
+              </a:rPr>
+              <a:t>Endriss</a:t>
+            </a:r>
+            <a:r>
+              <a:rPr lang="en-US" sz="2900" dirty="0">
+                <a:latin typeface="Calibri"/>
+                <a:cs typeface="Calibri"/>
+              </a:rPr>
+              <a:t>)</a:t>
+            </a:r>
+          </a:p>
+        </p:txBody>
+      </p:sp>
+      <p:sp>
+        <p:nvSpPr>
+          <p:cNvPr id="167" name="Shape 136"/>
+          <p:cNvSpPr/>
+          <p:nvPr/>
+        </p:nvSpPr>
+        <p:spPr>
+          <a:xfrm>
+            <a:off x="38653123" y="18795672"/>
+            <a:ext cx="3276000" cy="2430000"/>
+          </a:xfrm>
+          <a:prstGeom prst="roundRect">
+            <a:avLst>
+              <a:gd name="adj" fmla="val 16667"/>
+            </a:avLst>
+          </a:prstGeom>
+          <a:gradFill flip="none" rotWithShape="1">
+            <a:gsLst>
+              <a:gs pos="0">
+                <a:srgbClr val="C8B2E9"/>
+              </a:gs>
+              <a:gs pos="35000">
+                <a:srgbClr val="D8C9EE"/>
+              </a:gs>
+              <a:gs pos="100000">
+                <a:srgbClr val="FFD1BB"/>
+              </a:gs>
+            </a:gsLst>
+            <a:lin ang="5400000" scaled="0"/>
+          </a:gradFill>
+          <a:ln w="9525" cap="flat">
+            <a:solidFill>
+              <a:schemeClr val="accent4">
+                <a:lumMod val="75000"/>
+              </a:schemeClr>
+            </a:solidFill>
+            <a:prstDash val="solid"/>
+            <a:bevel/>
+          </a:ln>
+          <a:effectLst>
+            <a:outerShdw blurRad="38100" dist="20000" dir="5400000" rotWithShape="0">
+              <a:srgbClr val="000000">
+                <a:alpha val="38000"/>
+              </a:srgbClr>
+            </a:outerShdw>
+          </a:effectLst>
+        </p:spPr>
+        <p:txBody>
+          <a:bodyPr wrap="square" lIns="0" tIns="0" rIns="0" bIns="0" numCol="1" anchor="ctr">
+            <a:noAutofit/>
+          </a:bodyPr>
+          <a:lstStyle/>
+          <a:p>
+            <a:pPr algn="ctr"/>
+            <a:r>
+              <a:rPr lang="en-US" sz="2900" dirty="0"/>
+              <a:t>4+5: [</a:t>
+            </a:r>
+            <a:r>
+              <a:rPr lang="en-US" sz="2900" dirty="0" err="1"/>
+              <a:t>MastMath</a:t>
+            </a:r>
+            <a:r>
+              <a:rPr lang="en-US" sz="2900" dirty="0"/>
+              <a:t>] </a:t>
+            </a:r>
+            <a:br>
+              <a:rPr lang="en-US" sz="2900" dirty="0"/>
+            </a:br>
+            <a:r>
+              <a:rPr lang="en-US" sz="2900" dirty="0"/>
+              <a:t>Machine Learning Theory</a:t>
+            </a:r>
+            <a:br>
+              <a:rPr lang="en-US" sz="2900" dirty="0"/>
+            </a:br>
+            <a:r>
+              <a:rPr lang="en-US" sz="2900" dirty="0"/>
+              <a:t>(</a:t>
+            </a:r>
+            <a:r>
+              <a:rPr lang="en-US" sz="2900" dirty="0" err="1"/>
+              <a:t>Koolen</a:t>
+            </a:r>
+            <a:r>
+              <a:rPr lang="en-US" sz="2900" dirty="0"/>
+              <a:t>, </a:t>
+            </a:r>
+            <a:r>
+              <a:rPr lang="en-US" sz="2900" dirty="0" err="1"/>
+              <a:t>Grünwald</a:t>
+            </a:r>
+            <a:r>
+              <a:rPr lang="en-US" sz="2900" dirty="0"/>
+              <a:t>, de Heide) [8EC]</a:t>
+            </a:r>
+          </a:p>
+        </p:txBody>
+      </p:sp>
+      <p:grpSp>
+        <p:nvGrpSpPr>
+          <p:cNvPr id="3" name="Group 2">
+            <a:extLst>
+              <a:ext uri="{FF2B5EF4-FFF2-40B4-BE49-F238E27FC236}">
+                <a16:creationId xmlns:a16="http://schemas.microsoft.com/office/drawing/2014/main" id="{AA634441-4034-314E-BC6F-81DA896AC685}"/>
+              </a:ext>
+            </a:extLst>
+          </p:cNvPr>
+          <p:cNvGrpSpPr/>
+          <p:nvPr/>
+        </p:nvGrpSpPr>
+        <p:grpSpPr>
+          <a:xfrm>
+            <a:off x="17394657" y="10393856"/>
+            <a:ext cx="3597036" cy="2688556"/>
+            <a:chOff x="18527425" y="10256108"/>
+            <a:chExt cx="3597036" cy="2688556"/>
           </a:xfrm>
         </p:grpSpPr>
         <p:sp>
@@ -8683,7 +9722,7 @@
           </p:nvSpPr>
           <p:spPr>
             <a:xfrm>
-              <a:off x="18834718" y="10571319"/>
+              <a:off x="18647741" y="10514664"/>
               <a:ext cx="3276000" cy="2430000"/>
             </a:xfrm>
             <a:prstGeom prst="roundRect">
@@ -8810,1142 +9849,109 @@
         </p:sp>
         <p:sp>
           <p:nvSpPr>
-            <p:cNvPr id="178" name="Shape 178"/>
+            <p:cNvPr id="147" name="Shape 230"/>
             <p:cNvSpPr/>
             <p:nvPr/>
           </p:nvSpPr>
           <p:spPr>
             <a:xfrm>
-              <a:off x="38629393" y="687447"/>
-              <a:ext cx="3276000" cy="2430000"/>
+              <a:off x="18527425" y="10264452"/>
+              <a:ext cx="1497972" cy="1094808"/>
             </a:xfrm>
-            <a:prstGeom prst="roundRect">
-              <a:avLst>
-                <a:gd name="adj" fmla="val 16667"/>
-              </a:avLst>
+            <a:prstGeom prst="rect">
+              <a:avLst/>
             </a:prstGeom>
-            <a:gradFill flip="none" rotWithShape="1">
-              <a:gsLst>
-                <a:gs pos="0">
-                  <a:srgbClr val="FFD1BB"/>
-                </a:gs>
-                <a:gs pos="35000">
-                  <a:srgbClr val="FFDECF"/>
-                </a:gs>
-                <a:gs pos="100000">
-                  <a:srgbClr val="FFF2ED"/>
-                </a:gs>
-              </a:gsLst>
-              <a:lin ang="16200000" scaled="0"/>
-            </a:gradFill>
-            <a:ln w="9525" cap="flat">
-              <a:solidFill>
-                <a:srgbClr val="F69240"/>
-              </a:solidFill>
-              <a:prstDash val="solid"/>
-              <a:bevel/>
+            <a:ln w="12700">
+              <a:miter lim="400000"/>
             </a:ln>
-            <a:effectLst>
-              <a:outerShdw blurRad="38100" dist="20000" dir="5400000" rotWithShape="0">
-                <a:srgbClr val="000000">
-                  <a:alpha val="38000"/>
-                </a:srgbClr>
-              </a:outerShdw>
-            </a:effectLst>
+            <a:extLst>
+              <a:ext uri="{C572A759-6A51-4108-AA02-DFA0A04FC94B}">
+                <ma14:wrappingTextBoxFlag xmlns="" xmlns:ma14="http://schemas.microsoft.com/office/mac/drawingml/2011/main" val="1"/>
+              </a:ext>
+            </a:extLst>
           </p:spPr>
           <p:txBody>
-            <a:bodyPr wrap="square" lIns="0" tIns="0" rIns="0" bIns="0" numCol="1" anchor="ctr">
-              <a:noAutofit/>
+            <a:bodyPr lIns="208805" tIns="208805" rIns="208805" bIns="208805" anchor="ctr">
+              <a:normAutofit/>
             </a:bodyPr>
-            <a:lstStyle/>
+            <a:lstStyle>
+              <a:lvl1pPr>
+                <a:defRPr sz="4000"/>
+              </a:lvl1pPr>
+            </a:lstStyle>
             <a:p>
-              <a:pPr lvl="0" algn="ctr">
+              <a:pPr algn="ctr">
                 <a:defRPr sz="1800"/>
               </a:pPr>
               <a:r>
-                <a:rPr lang="en-US" sz="2900" dirty="0"/>
-                <a:t>5: [</a:t>
+                <a:rPr lang="en-US" sz="3300" b="1" dirty="0">
+                  <a:solidFill>
+                    <a:schemeClr val="bg1"/>
+                  </a:solidFill>
+                </a:rPr>
+                <a:t>L&amp;P</a:t>
               </a:r>
-              <a:r>
-                <a:rPr lang="en-US" sz="2900" dirty="0" err="1"/>
-                <a:t>MoL</a:t>
-              </a:r>
-              <a:r>
-                <a:rPr lang="en-US" sz="2900" dirty="0"/>
-                <a:t>-FGW] Advanced topics in Philosophy of Language </a:t>
-              </a:r>
-            </a:p>
-            <a:p>
-              <a:pPr lvl="0" algn="ctr">
-                <a:defRPr sz="1800"/>
-              </a:pPr>
-              <a:r>
-                <a:rPr lang="en-US" sz="2900" dirty="0"/>
-                <a:t>(</a:t>
-              </a:r>
-              <a:r>
-                <a:rPr lang="en-US" sz="2900" dirty="0" err="1"/>
-                <a:t>Betti</a:t>
-              </a:r>
-              <a:r>
-                <a:rPr lang="en-US" sz="2900" dirty="0"/>
-                <a:t>)</a:t>
-              </a:r>
+              <a:endParaRPr sz="3300" b="1" dirty="0">
+                <a:solidFill>
+                  <a:schemeClr val="bg1"/>
+                </a:solidFill>
+              </a:endParaRPr>
             </a:p>
           </p:txBody>
         </p:sp>
-        <p:grpSp>
-          <p:nvGrpSpPr>
-            <p:cNvPr id="23" name="Group 22"/>
-            <p:cNvGrpSpPr/>
-            <p:nvPr/>
-          </p:nvGrpSpPr>
-          <p:grpSpPr>
-            <a:xfrm>
-              <a:off x="11452230" y="10441683"/>
-              <a:ext cx="3276000" cy="2559634"/>
-              <a:chOff x="3148278" y="4924171"/>
-              <a:chExt cx="3276000" cy="2682428"/>
-            </a:xfrm>
-          </p:grpSpPr>
-          <p:sp>
-            <p:nvSpPr>
-              <p:cNvPr id="91" name="Shape 91"/>
-              <p:cNvSpPr/>
-              <p:nvPr/>
-            </p:nvSpPr>
-            <p:spPr>
-              <a:xfrm>
-                <a:off x="3148278" y="5060024"/>
-                <a:ext cx="3276000" cy="2546575"/>
-              </a:xfrm>
-              <a:prstGeom prst="roundRect">
-                <a:avLst>
-                  <a:gd name="adj" fmla="val 16667"/>
-                </a:avLst>
-              </a:prstGeom>
-              <a:gradFill flip="none" rotWithShape="1">
-                <a:gsLst>
-                  <a:gs pos="0">
-                    <a:srgbClr val="DAFEA4"/>
-                  </a:gs>
-                  <a:gs pos="35000">
-                    <a:srgbClr val="E4FDBF"/>
-                  </a:gs>
-                  <a:gs pos="100000">
-                    <a:srgbClr val="F5FFE6"/>
-                  </a:gs>
-                </a:gsLst>
-                <a:lin ang="16200000" scaled="0"/>
-              </a:gradFill>
-              <a:ln w="76200" cap="flat">
-                <a:solidFill>
-                  <a:srgbClr val="000000"/>
-                </a:solidFill>
-                <a:prstDash val="solid"/>
-                <a:bevel/>
-              </a:ln>
-              <a:effectLst>
-                <a:outerShdw blurRad="38100" dist="20000" dir="5400000" rotWithShape="0">
-                  <a:srgbClr val="000000">
-                    <a:alpha val="38000"/>
-                  </a:srgbClr>
-                </a:outerShdw>
-              </a:effectLst>
-            </p:spPr>
-            <p:txBody>
-              <a:bodyPr wrap="square" lIns="0" tIns="0" rIns="0" bIns="0" numCol="1" anchor="ctr">
-                <a:noAutofit/>
-              </a:bodyPr>
-              <a:lstStyle/>
-              <a:p>
-                <a:pPr lvl="0" algn="ctr">
-                  <a:defRPr sz="1800"/>
-                </a:pPr>
-                <a:endParaRPr lang="en-US" sz="2900" dirty="0"/>
-              </a:p>
-              <a:p>
-                <a:pPr lvl="0" algn="ctr">
-                  <a:defRPr sz="1800"/>
-                </a:pPr>
-                <a:r>
-                  <a:rPr lang="en-US" sz="2900" dirty="0"/>
-                  <a:t>2: [</a:t>
-                </a:r>
-                <a:r>
-                  <a:rPr lang="en-US" sz="2900" dirty="0" err="1"/>
-                  <a:t>MoL</a:t>
-                </a:r>
-                <a:r>
-                  <a:rPr lang="en-US" sz="2900" dirty="0"/>
-                  <a:t>-FNWI] Philosophical Logic (van </a:t>
-                </a:r>
-                <a:r>
-                  <a:rPr lang="en-US" sz="2900" dirty="0" err="1"/>
-                  <a:t>Rooij</a:t>
-                </a:r>
-                <a:r>
-                  <a:rPr lang="en-US" sz="2900" dirty="0"/>
-                  <a:t>)</a:t>
-                </a:r>
-              </a:p>
-            </p:txBody>
-          </p:sp>
-          <p:sp>
-            <p:nvSpPr>
-              <p:cNvPr id="155" name="Shape 230"/>
-              <p:cNvSpPr/>
-              <p:nvPr/>
-            </p:nvSpPr>
-            <p:spPr>
-              <a:xfrm>
-                <a:off x="4098705" y="4924171"/>
-                <a:ext cx="1497972" cy="1204325"/>
-              </a:xfrm>
-              <a:prstGeom prst="rect">
-                <a:avLst/>
-              </a:prstGeom>
-              <a:ln w="12700">
-                <a:miter lim="400000"/>
-              </a:ln>
-              <a:extLst>
-                <a:ext uri="{C572A759-6A51-4108-AA02-DFA0A04FC94B}">
-                  <ma14:wrappingTextBoxFlag xmlns:ma14="http://schemas.microsoft.com/office/mac/drawingml/2011/main" xmlns="" val="1"/>
-                </a:ext>
-              </a:extLst>
-            </p:spPr>
-            <p:txBody>
-              <a:bodyPr lIns="208805" tIns="208805" rIns="208805" bIns="208805" anchor="ctr">
-                <a:normAutofit/>
-              </a:bodyPr>
-              <a:lstStyle>
-                <a:lvl1pPr>
-                  <a:defRPr sz="4000"/>
-                </a:lvl1pPr>
-              </a:lstStyle>
-              <a:p>
-                <a:pPr algn="ctr">
-                  <a:defRPr sz="1800"/>
-                </a:pPr>
-                <a:r>
-                  <a:rPr lang="en-US" sz="3300" b="1" dirty="0"/>
-                  <a:t>L&amp;P</a:t>
-                </a:r>
-                <a:endParaRPr sz="3300" b="1" dirty="0"/>
-              </a:p>
-            </p:txBody>
-          </p:sp>
-        </p:grpSp>
         <p:sp>
           <p:nvSpPr>
-            <p:cNvPr id="169" name="Shape 169"/>
+            <p:cNvPr id="146" name="Shape 230"/>
             <p:cNvSpPr/>
             <p:nvPr/>
           </p:nvSpPr>
           <p:spPr>
             <a:xfrm>
-              <a:off x="22525961" y="10571319"/>
-              <a:ext cx="3276000" cy="2430000"/>
+              <a:off x="20626489" y="10256108"/>
+              <a:ext cx="1497972" cy="1094807"/>
             </a:xfrm>
-            <a:prstGeom prst="roundRect">
-              <a:avLst>
-                <a:gd name="adj" fmla="val 16667"/>
-              </a:avLst>
+            <a:prstGeom prst="rect">
+              <a:avLst/>
             </a:prstGeom>
-            <a:gradFill flip="none" rotWithShape="1">
-              <a:gsLst>
-                <a:gs pos="0">
-                  <a:srgbClr val="C8B2E9"/>
-                </a:gs>
-                <a:gs pos="35000">
-                  <a:srgbClr val="D8C9EE"/>
-                </a:gs>
-                <a:gs pos="100000">
-                  <a:srgbClr val="F0EAF9"/>
-                </a:gs>
-              </a:gsLst>
-              <a:lin ang="16200000" scaled="0"/>
-            </a:gradFill>
-            <a:ln w="9525" cap="flat">
-              <a:solidFill>
-                <a:srgbClr val="7D60A0"/>
-              </a:solidFill>
-              <a:prstDash val="solid"/>
-              <a:bevel/>
+            <a:ln w="12700">
+              <a:miter lim="400000"/>
             </a:ln>
-            <a:effectLst>
-              <a:outerShdw blurRad="38100" dist="20000" dir="5400000" rotWithShape="0">
-                <a:srgbClr val="000000">
-                  <a:alpha val="38000"/>
-                </a:srgbClr>
-              </a:outerShdw>
-            </a:effectLst>
+            <a:extLst>
+              <a:ext uri="{C572A759-6A51-4108-AA02-DFA0A04FC94B}">
+                <ma14:wrappingTextBoxFlag xmlns="" xmlns:ma14="http://schemas.microsoft.com/office/mac/drawingml/2011/main" val="1"/>
+              </a:ext>
+            </a:extLst>
           </p:spPr>
           <p:txBody>
-            <a:bodyPr wrap="square" lIns="0" tIns="0" rIns="0" bIns="0" numCol="1" anchor="ctr">
-              <a:noAutofit/>
+            <a:bodyPr lIns="208805" tIns="208805" rIns="208805" bIns="208805" anchor="ctr">
+              <a:normAutofit/>
             </a:bodyPr>
-            <a:lstStyle/>
+            <a:lstStyle>
+              <a:lvl1pPr>
+                <a:defRPr sz="4000"/>
+              </a:lvl1pPr>
+            </a:lstStyle>
             <a:p>
-              <a:pPr lvl="0" algn="ctr">
+              <a:pPr algn="ctr">
                 <a:defRPr sz="1800"/>
               </a:pPr>
               <a:r>
-                <a:rPr lang="en-US" sz="2900" dirty="0"/>
-                <a:t>4: [</a:t>
+                <a:rPr lang="en-US" sz="3300" b="1" dirty="0">
+                  <a:solidFill>
+                    <a:schemeClr val="bg1"/>
+                  </a:solidFill>
+                </a:rPr>
+                <a:t>L&amp;L</a:t>
               </a:r>
-              <a:r>
-                <a:rPr lang="en-US" sz="2900" dirty="0" err="1"/>
-                <a:t>MoL</a:t>
-              </a:r>
-              <a:r>
-                <a:rPr lang="en-US" sz="2900" dirty="0"/>
-                <a:t>-FGW] </a:t>
-              </a:r>
-            </a:p>
-            <a:p>
-              <a:pPr lvl="0" algn="ctr">
-                <a:defRPr sz="1800"/>
-              </a:pPr>
-              <a:r>
-                <a:rPr lang="en-US" sz="2900" dirty="0"/>
-                <a:t>Time </a:t>
-              </a:r>
-              <a:br>
-                <a:rPr lang="en-US" sz="2900" dirty="0"/>
-              </a:br>
-              <a:r>
-                <a:rPr lang="en-US" sz="2900" dirty="0"/>
-                <a:t>(van </a:t>
-              </a:r>
-              <a:r>
-                <a:rPr lang="en-US" sz="2900" dirty="0" err="1"/>
-                <a:t>Lambalgen</a:t>
-              </a:r>
-              <a:r>
-                <a:rPr lang="en-US" sz="2900" dirty="0"/>
-                <a:t>)</a:t>
-              </a:r>
+              <a:endParaRPr sz="3300" b="1" dirty="0">
+                <a:solidFill>
+                  <a:schemeClr val="bg1"/>
+                </a:solidFill>
+              </a:endParaRPr>
             </a:p>
           </p:txBody>
         </p:sp>
       </p:grpSp>
-      <p:sp>
-        <p:nvSpPr>
-          <p:cNvPr id="201" name="Shape 82"/>
-          <p:cNvSpPr/>
-          <p:nvPr/>
-        </p:nvSpPr>
-        <p:spPr>
-          <a:xfrm>
-            <a:off x="18651142" y="17712983"/>
-            <a:ext cx="3276000" cy="2430000"/>
-          </a:xfrm>
-          <a:prstGeom prst="roundRect">
-            <a:avLst>
-              <a:gd name="adj" fmla="val 16667"/>
-            </a:avLst>
-          </a:prstGeom>
-          <a:ln/>
-        </p:spPr>
-        <p:style>
-          <a:lnRef idx="1">
-            <a:schemeClr val="accent4"/>
-          </a:lnRef>
-          <a:fillRef idx="2">
-            <a:schemeClr val="accent4"/>
-          </a:fillRef>
-          <a:effectRef idx="1">
-            <a:schemeClr val="accent4"/>
-          </a:effectRef>
-          <a:fontRef idx="minor">
-            <a:schemeClr val="dk1"/>
-          </a:fontRef>
-        </p:style>
-        <p:txBody>
-          <a:bodyPr wrap="square" lIns="0" tIns="0" rIns="0" bIns="0" numCol="1" anchor="ctr">
-            <a:noAutofit/>
-          </a:bodyPr>
-          <a:lstStyle/>
-          <a:p>
-            <a:pPr lvl="0" algn="ctr">
-              <a:defRPr sz="1800">
-                <a:solidFill>
-                  <a:srgbClr val="000000"/>
-                </a:solidFill>
-              </a:defRPr>
-            </a:pPr>
-            <a:r>
-              <a:rPr lang="en-US" sz="2900" dirty="0">
-                <a:solidFill>
-                  <a:schemeClr val="tx1"/>
-                </a:solidFill>
-              </a:rPr>
-              <a:t>4: [RM-Ling] </a:t>
-            </a:r>
-            <a:br>
-              <a:rPr lang="en-US" sz="2900" dirty="0">
-                <a:solidFill>
-                  <a:schemeClr val="tx1"/>
-                </a:solidFill>
-              </a:rPr>
-            </a:br>
-            <a:r>
-              <a:rPr lang="en-US" sz="2900" dirty="0">
-                <a:solidFill>
-                  <a:schemeClr val="tx1"/>
-                </a:solidFill>
-              </a:rPr>
-              <a:t>Syntax-Semantics Interface 2</a:t>
-            </a:r>
-            <a:br>
-              <a:rPr lang="en-US" sz="2900" dirty="0">
-                <a:solidFill>
-                  <a:schemeClr val="tx1"/>
-                </a:solidFill>
-              </a:rPr>
-            </a:br>
-            <a:r>
-              <a:rPr lang="en-US" sz="2900" dirty="0">
-                <a:solidFill>
-                  <a:schemeClr val="tx1"/>
-                </a:solidFill>
-              </a:rPr>
-              <a:t>(</a:t>
-            </a:r>
-            <a:r>
-              <a:rPr lang="en-US" sz="2900" dirty="0" err="1">
-                <a:solidFill>
-                  <a:schemeClr val="tx1"/>
-                </a:solidFill>
-              </a:rPr>
-              <a:t>Ruijgrok</a:t>
-            </a:r>
-            <a:r>
-              <a:rPr lang="en-US" sz="2900" dirty="0">
-                <a:solidFill>
-                  <a:schemeClr val="tx1"/>
-                </a:solidFill>
-              </a:rPr>
-              <a:t>)</a:t>
-            </a:r>
-          </a:p>
-        </p:txBody>
-      </p:sp>
-      <p:sp>
-        <p:nvSpPr>
-          <p:cNvPr id="129" name="Shape 112"/>
-          <p:cNvSpPr/>
-          <p:nvPr/>
-        </p:nvSpPr>
-        <p:spPr>
-          <a:xfrm>
-            <a:off x="13979580" y="17712983"/>
-            <a:ext cx="3276000" cy="2430000"/>
-          </a:xfrm>
-          <a:prstGeom prst="roundRect">
-            <a:avLst>
-              <a:gd name="adj" fmla="val 16667"/>
-            </a:avLst>
-          </a:prstGeom>
-          <a:ln/>
-        </p:spPr>
-        <p:style>
-          <a:lnRef idx="1">
-            <a:schemeClr val="accent1"/>
-          </a:lnRef>
-          <a:fillRef idx="3">
-            <a:schemeClr val="accent1"/>
-          </a:fillRef>
-          <a:effectRef idx="2">
-            <a:schemeClr val="accent1"/>
-          </a:effectRef>
-          <a:fontRef idx="minor">
-            <a:schemeClr val="lt1"/>
-          </a:fontRef>
-        </p:style>
-        <p:txBody>
-          <a:bodyPr wrap="square" lIns="0" tIns="0" rIns="0" bIns="0" numCol="1" anchor="ctr">
-            <a:noAutofit/>
-          </a:bodyPr>
-          <a:lstStyle/>
-          <a:p>
-            <a:pPr algn="ctr"/>
-            <a:r>
-              <a:rPr lang="en-US" sz="2900" dirty="0">
-                <a:solidFill>
-                  <a:schemeClr val="lt1"/>
-                </a:solidFill>
-                <a:latin typeface="Calibri" charset="0"/>
-                <a:cs typeface="Calibri" charset="0"/>
-              </a:rPr>
-              <a:t>1: [RM-Ling]</a:t>
-            </a:r>
-            <a:br>
-              <a:rPr lang="en-US" sz="2900" dirty="0">
-                <a:solidFill>
-                  <a:schemeClr val="lt1"/>
-                </a:solidFill>
-                <a:latin typeface="Calibri" charset="0"/>
-                <a:cs typeface="Calibri" charset="0"/>
-              </a:rPr>
-            </a:br>
-            <a:r>
-              <a:rPr lang="en-US" sz="2900" dirty="0">
-                <a:solidFill>
-                  <a:schemeClr val="lt1"/>
-                </a:solidFill>
-                <a:latin typeface="Calibri" charset="0"/>
-                <a:cs typeface="Calibri" charset="0"/>
-              </a:rPr>
-              <a:t>Syntax-Semantics Interface 1</a:t>
-            </a:r>
-            <a:br>
-              <a:rPr lang="en-US" sz="2900" dirty="0">
-                <a:solidFill>
-                  <a:schemeClr val="lt1"/>
-                </a:solidFill>
-                <a:latin typeface="Calibri" charset="0"/>
-                <a:cs typeface="Calibri" charset="0"/>
-              </a:rPr>
-            </a:br>
-            <a:r>
-              <a:rPr lang="en-US" sz="2900" dirty="0">
-                <a:solidFill>
-                  <a:schemeClr val="lt1"/>
-                </a:solidFill>
-                <a:latin typeface="Calibri" charset="0"/>
-                <a:cs typeface="Calibri" charset="0"/>
-              </a:rPr>
-              <a:t>(</a:t>
-            </a:r>
-            <a:r>
-              <a:rPr lang="en-US" sz="2900" dirty="0" err="1">
-                <a:solidFill>
-                  <a:schemeClr val="lt1"/>
-                </a:solidFill>
-                <a:latin typeface="Calibri" charset="0"/>
-                <a:cs typeface="Calibri" charset="0"/>
-              </a:rPr>
-              <a:t>Hengeveld</a:t>
-            </a:r>
-            <a:r>
-              <a:rPr lang="en-US" sz="2900" dirty="0">
-                <a:solidFill>
-                  <a:schemeClr val="lt1"/>
-                </a:solidFill>
-                <a:latin typeface="Calibri" charset="0"/>
-                <a:cs typeface="Calibri" charset="0"/>
-              </a:rPr>
-              <a:t>, </a:t>
-            </a:r>
-            <a:r>
-              <a:rPr lang="en-US" sz="2900" dirty="0" err="1">
-                <a:solidFill>
-                  <a:schemeClr val="lt1"/>
-                </a:solidFill>
-                <a:latin typeface="Calibri" charset="0"/>
-                <a:cs typeface="Calibri" charset="0"/>
-              </a:rPr>
-              <a:t>Ruijgrok</a:t>
-            </a:r>
-            <a:r>
-              <a:rPr lang="en-US" sz="2900" dirty="0">
-                <a:solidFill>
-                  <a:schemeClr val="lt1"/>
-                </a:solidFill>
-                <a:latin typeface="Calibri" charset="0"/>
-                <a:cs typeface="Calibri" charset="0"/>
-              </a:rPr>
-              <a:t>)</a:t>
-            </a:r>
-          </a:p>
-        </p:txBody>
-      </p:sp>
-      <p:sp>
-        <p:nvSpPr>
-          <p:cNvPr id="126" name="Shape 230"/>
-          <p:cNvSpPr/>
-          <p:nvPr/>
-        </p:nvSpPr>
-        <p:spPr>
-          <a:xfrm>
-            <a:off x="1828738" y="17999302"/>
-            <a:ext cx="2170871" cy="1204326"/>
-          </a:xfrm>
-          <a:prstGeom prst="rect">
-            <a:avLst/>
-          </a:prstGeom>
-          <a:ln w="12700">
-            <a:miter lim="400000"/>
-          </a:ln>
-          <a:extLst>
-            <a:ext uri="{C572A759-6A51-4108-AA02-DFA0A04FC94B}">
-              <ma14:wrappingTextBoxFlag xmlns:ma14="http://schemas.microsoft.com/office/mac/drawingml/2011/main" xmlns="" val="1"/>
-            </a:ext>
-          </a:extLst>
-        </p:spPr>
-        <p:txBody>
-          <a:bodyPr lIns="208758" tIns="208758" rIns="208758" bIns="208758" anchor="ctr">
-            <a:noAutofit/>
-          </a:bodyPr>
-          <a:lstStyle>
-            <a:lvl1pPr>
-              <a:defRPr sz="4000"/>
-            </a:lvl1pPr>
-          </a:lstStyle>
-          <a:p>
-            <a:pPr algn="ctr">
-              <a:defRPr sz="1800"/>
-            </a:pPr>
-            <a:r>
-              <a:rPr lang="en-US" sz="3300" b="1" dirty="0">
-                <a:solidFill>
-                  <a:schemeClr val="bg1"/>
-                </a:solidFill>
-              </a:rPr>
-              <a:t>L&amp;M, L&amp;C</a:t>
-            </a:r>
-            <a:endParaRPr sz="3300" b="1" dirty="0">
-              <a:solidFill>
-                <a:schemeClr val="bg1"/>
-              </a:solidFill>
-            </a:endParaRPr>
-          </a:p>
-        </p:txBody>
-      </p:sp>
-      <p:sp>
-        <p:nvSpPr>
-          <p:cNvPr id="132" name="Shape 248"/>
-          <p:cNvSpPr/>
-          <p:nvPr/>
-        </p:nvSpPr>
-        <p:spPr>
-          <a:xfrm flipH="1" flipV="1">
-            <a:off x="40592646" y="12354256"/>
-            <a:ext cx="1" cy="650266"/>
-          </a:xfrm>
-          <a:prstGeom prst="line">
-            <a:avLst/>
-          </a:prstGeom>
-          <a:ln w="76200">
-            <a:solidFill/>
-            <a:headEnd type="triangle"/>
-          </a:ln>
-          <a:effectLst>
-            <a:outerShdw blurRad="38100" dist="20000" dir="5400000" rotWithShape="0">
-              <a:srgbClr val="000000">
-                <a:alpha val="38000"/>
-              </a:srgbClr>
-            </a:outerShdw>
-          </a:effectLst>
-        </p:spPr>
-        <p:txBody>
-          <a:bodyPr lIns="0" tIns="0" rIns="0" bIns="0"/>
-          <a:lstStyle/>
-          <a:p>
-            <a:pPr algn="ctr" defTabSz="457097">
-              <a:defRPr sz="1200">
-                <a:latin typeface="+mn-lt"/>
-                <a:ea typeface="+mn-ea"/>
-                <a:cs typeface="+mn-cs"/>
-                <a:sym typeface="Helvetica"/>
-              </a:defRPr>
-            </a:pPr>
-            <a:endParaRPr/>
-          </a:p>
-        </p:txBody>
-      </p:sp>
-      <p:sp>
-        <p:nvSpPr>
-          <p:cNvPr id="177" name="Shape 228"/>
-          <p:cNvSpPr/>
-          <p:nvPr/>
-        </p:nvSpPr>
-        <p:spPr>
-          <a:xfrm>
-            <a:off x="22977327" y="18522752"/>
-            <a:ext cx="4486811" cy="3131190"/>
-          </a:xfrm>
-          <a:prstGeom prst="rect">
-            <a:avLst/>
-          </a:prstGeom>
-          <a:ln w="12700">
-            <a:miter lim="400000"/>
-          </a:ln>
-          <a:extLst>
-            <a:ext uri="{C572A759-6A51-4108-AA02-DFA0A04FC94B}">
-              <ma14:wrappingTextBoxFlag xmlns:ma14="http://schemas.microsoft.com/office/mac/drawingml/2011/main" xmlns="" val="1"/>
-            </a:ext>
-          </a:extLst>
-        </p:spPr>
-        <p:txBody>
-          <a:bodyPr lIns="208758" tIns="208758" rIns="208758" bIns="208758" anchor="t">
-            <a:normAutofit/>
-          </a:bodyPr>
-          <a:lstStyle>
-            <a:lvl1pPr>
-              <a:defRPr sz="4000"/>
-            </a:lvl1pPr>
-          </a:lstStyle>
-          <a:p>
-            <a:pPr lvl="0" algn="l">
-              <a:defRPr sz="1800"/>
-            </a:pPr>
-            <a:r>
-              <a:rPr lang="en-US" sz="3900" b="1" dirty="0"/>
-              <a:t>Game Theory </a:t>
-            </a:r>
-            <a:br>
-              <a:rPr lang="en-US" sz="3900" b="1" dirty="0"/>
-            </a:br>
-            <a:r>
-              <a:rPr lang="en-US" sz="3900" b="1" dirty="0"/>
-              <a:t>&amp; </a:t>
-            </a:r>
-            <a:br>
-              <a:rPr lang="en-US" sz="3900" b="1" dirty="0"/>
-            </a:br>
-            <a:r>
-              <a:rPr lang="en-US" sz="3900" b="1" dirty="0"/>
-              <a:t>Social Choice</a:t>
-            </a:r>
-            <a:endParaRPr sz="3900" b="1" dirty="0"/>
-          </a:p>
-        </p:txBody>
-      </p:sp>
-      <p:sp>
-        <p:nvSpPr>
-          <p:cNvPr id="158" name="Shape 193"/>
-          <p:cNvSpPr/>
-          <p:nvPr/>
-        </p:nvSpPr>
-        <p:spPr>
-          <a:xfrm>
-            <a:off x="27064299" y="18726962"/>
-            <a:ext cx="3276000" cy="2430000"/>
-          </a:xfrm>
-          <a:prstGeom prst="roundRect">
-            <a:avLst>
-              <a:gd name="adj" fmla="val 16667"/>
-            </a:avLst>
-          </a:prstGeom>
-          <a:ln/>
-        </p:spPr>
-        <p:style>
-          <a:lnRef idx="1">
-            <a:schemeClr val="accent4"/>
-          </a:lnRef>
-          <a:fillRef idx="2">
-            <a:schemeClr val="accent4"/>
-          </a:fillRef>
-          <a:effectRef idx="1">
-            <a:schemeClr val="accent4"/>
-          </a:effectRef>
-          <a:fontRef idx="minor">
-            <a:schemeClr val="dk1"/>
-          </a:fontRef>
-        </p:style>
-        <p:txBody>
-          <a:bodyPr wrap="square" lIns="0" tIns="0" rIns="0" bIns="0" numCol="1" anchor="ctr">
-            <a:noAutofit/>
-          </a:bodyPr>
-          <a:lstStyle/>
-          <a:p>
-            <a:pPr algn="ctr"/>
-            <a:r>
-              <a:rPr lang="en-US" sz="2900" dirty="0">
-                <a:solidFill>
-                  <a:schemeClr val="dk1"/>
-                </a:solidFill>
-                <a:latin typeface="+mn-lt"/>
-                <a:ea typeface="+mn-ea"/>
-                <a:cs typeface="+mn-cs"/>
-              </a:rPr>
-              <a:t>4: [</a:t>
-            </a:r>
-            <a:r>
-              <a:rPr lang="en-US" sz="2900" dirty="0" err="1">
-                <a:solidFill>
-                  <a:schemeClr val="dk1"/>
-                </a:solidFill>
-                <a:latin typeface="+mn-lt"/>
-                <a:ea typeface="+mn-ea"/>
-                <a:cs typeface="+mn-cs"/>
-              </a:rPr>
-              <a:t>MoL</a:t>
-            </a:r>
-            <a:r>
-              <a:rPr lang="en-US" sz="2900" dirty="0">
-                <a:solidFill>
-                  <a:schemeClr val="dk1"/>
-                </a:solidFill>
-                <a:latin typeface="+mn-lt"/>
-                <a:ea typeface="+mn-ea"/>
-                <a:cs typeface="+mn-cs"/>
-              </a:rPr>
-              <a:t>-FNWI] </a:t>
-            </a:r>
-            <a:br>
-              <a:rPr lang="en-US" sz="2900" dirty="0">
-                <a:solidFill>
-                  <a:schemeClr val="dk1"/>
-                </a:solidFill>
-                <a:latin typeface="+mn-lt"/>
-                <a:ea typeface="+mn-ea"/>
-                <a:cs typeface="+mn-cs"/>
-              </a:rPr>
-            </a:br>
-            <a:r>
-              <a:rPr lang="en-US" sz="2900" dirty="0">
-                <a:solidFill>
-                  <a:schemeClr val="dk1"/>
-                </a:solidFill>
-                <a:latin typeface="+mn-lt"/>
-                <a:ea typeface="+mn-ea"/>
-                <a:cs typeface="+mn-cs"/>
-              </a:rPr>
-              <a:t>Game Theory </a:t>
-            </a:r>
-            <a:br>
-              <a:rPr lang="en-US" sz="2900" dirty="0">
-                <a:solidFill>
-                  <a:schemeClr val="dk1"/>
-                </a:solidFill>
-                <a:latin typeface="+mn-lt"/>
-                <a:ea typeface="+mn-ea"/>
-                <a:cs typeface="+mn-cs"/>
-              </a:rPr>
-            </a:br>
-            <a:r>
-              <a:rPr lang="en-US" sz="2900" dirty="0">
-                <a:solidFill>
-                  <a:schemeClr val="dk1"/>
-                </a:solidFill>
-                <a:latin typeface="+mn-lt"/>
-                <a:ea typeface="+mn-ea"/>
-                <a:cs typeface="+mn-cs"/>
-              </a:rPr>
-              <a:t>(</a:t>
-            </a:r>
-            <a:r>
-              <a:rPr lang="en-US" sz="2900" dirty="0" err="1">
-                <a:solidFill>
-                  <a:schemeClr val="dk1"/>
-                </a:solidFill>
-                <a:latin typeface="+mn-lt"/>
-                <a:ea typeface="+mn-ea"/>
-                <a:cs typeface="+mn-cs"/>
-              </a:rPr>
-              <a:t>Endriss</a:t>
-            </a:r>
-            <a:r>
-              <a:rPr lang="en-US" sz="2900" dirty="0">
-                <a:solidFill>
-                  <a:schemeClr val="dk1"/>
-                </a:solidFill>
-                <a:latin typeface="+mn-lt"/>
-                <a:ea typeface="+mn-ea"/>
-                <a:cs typeface="+mn-cs"/>
-              </a:rPr>
-              <a:t>)</a:t>
-            </a:r>
-          </a:p>
-        </p:txBody>
-      </p:sp>
-      <p:sp>
-        <p:nvSpPr>
-          <p:cNvPr id="159" name="Shape 211"/>
-          <p:cNvSpPr/>
-          <p:nvPr/>
-        </p:nvSpPr>
-        <p:spPr>
-          <a:xfrm>
-            <a:off x="30825751" y="18726962"/>
-            <a:ext cx="3276000" cy="2430000"/>
-          </a:xfrm>
-          <a:prstGeom prst="roundRect">
-            <a:avLst>
-              <a:gd name="adj" fmla="val 16667"/>
-            </a:avLst>
-          </a:prstGeom>
-          <a:gradFill flip="none" rotWithShape="1">
-            <a:gsLst>
-              <a:gs pos="0">
-                <a:srgbClr val="FFD1BB"/>
-              </a:gs>
-              <a:gs pos="35000">
-                <a:srgbClr val="FFDECF"/>
-              </a:gs>
-              <a:gs pos="100000">
-                <a:srgbClr val="FFF2ED"/>
-              </a:gs>
-            </a:gsLst>
-            <a:lin ang="16200000" scaled="0"/>
-          </a:gradFill>
-          <a:ln w="9525" cap="flat">
-            <a:solidFill>
-              <a:srgbClr val="F69240"/>
-            </a:solidFill>
-            <a:prstDash val="solid"/>
-            <a:bevel/>
-          </a:ln>
-          <a:effectLst>
-            <a:outerShdw blurRad="38100" dist="20000" dir="5400000" rotWithShape="0">
-              <a:srgbClr val="000000">
-                <a:alpha val="38000"/>
-              </a:srgbClr>
-            </a:outerShdw>
-          </a:effectLst>
-        </p:spPr>
-        <p:txBody>
-          <a:bodyPr wrap="square" lIns="0" tIns="0" rIns="0" bIns="0" numCol="1" anchor="ctr">
-            <a:noAutofit/>
-          </a:bodyPr>
-          <a:lstStyle/>
-          <a:p>
-            <a:pPr algn="ctr"/>
-            <a:r>
-              <a:rPr lang="en-US" sz="2900" dirty="0">
-                <a:latin typeface="Calibri"/>
-                <a:cs typeface="Calibri"/>
-              </a:rPr>
-              <a:t>5: [</a:t>
-            </a:r>
-            <a:r>
-              <a:rPr lang="en-US" sz="2900" dirty="0" err="1">
-                <a:latin typeface="Calibri"/>
-                <a:cs typeface="Calibri"/>
-              </a:rPr>
-              <a:t>MoL</a:t>
-            </a:r>
-            <a:r>
-              <a:rPr lang="en-US" sz="2900" dirty="0">
-                <a:latin typeface="Calibri"/>
-                <a:cs typeface="Calibri"/>
-              </a:rPr>
-              <a:t>-FNWI] Computational Social Choice (</a:t>
-            </a:r>
-            <a:r>
-              <a:rPr lang="en-US" sz="2900" dirty="0" err="1">
-                <a:latin typeface="Calibri"/>
-                <a:cs typeface="Calibri"/>
-              </a:rPr>
-              <a:t>Endriss</a:t>
-            </a:r>
-            <a:r>
-              <a:rPr lang="en-US" sz="2900" dirty="0">
-                <a:latin typeface="Calibri"/>
-                <a:cs typeface="Calibri"/>
-              </a:rPr>
-              <a:t>)</a:t>
-            </a:r>
-          </a:p>
-        </p:txBody>
-      </p:sp>
-      <p:sp>
-        <p:nvSpPr>
-          <p:cNvPr id="167" name="Shape 136"/>
-          <p:cNvSpPr/>
-          <p:nvPr/>
-        </p:nvSpPr>
-        <p:spPr>
-          <a:xfrm>
-            <a:off x="38653123" y="18795672"/>
-            <a:ext cx="3276000" cy="2430000"/>
-          </a:xfrm>
-          <a:prstGeom prst="roundRect">
-            <a:avLst>
-              <a:gd name="adj" fmla="val 16667"/>
-            </a:avLst>
-          </a:prstGeom>
-          <a:gradFill flip="none" rotWithShape="1">
-            <a:gsLst>
-              <a:gs pos="0">
-                <a:srgbClr val="C8B2E9"/>
-              </a:gs>
-              <a:gs pos="35000">
-                <a:srgbClr val="D8C9EE"/>
-              </a:gs>
-              <a:gs pos="100000">
-                <a:srgbClr val="FFD1BB"/>
-              </a:gs>
-            </a:gsLst>
-            <a:lin ang="5400000" scaled="0"/>
-          </a:gradFill>
-          <a:ln w="9525" cap="flat">
-            <a:solidFill>
-              <a:schemeClr val="accent4">
-                <a:lumMod val="75000"/>
-              </a:schemeClr>
-            </a:solidFill>
-            <a:prstDash val="solid"/>
-            <a:bevel/>
-          </a:ln>
-          <a:effectLst>
-            <a:outerShdw blurRad="38100" dist="20000" dir="5400000" rotWithShape="0">
-              <a:srgbClr val="000000">
-                <a:alpha val="38000"/>
-              </a:srgbClr>
-            </a:outerShdw>
-          </a:effectLst>
-        </p:spPr>
-        <p:txBody>
-          <a:bodyPr wrap="square" lIns="0" tIns="0" rIns="0" bIns="0" numCol="1" anchor="ctr">
-            <a:noAutofit/>
-          </a:bodyPr>
-          <a:lstStyle/>
-          <a:p>
-            <a:pPr algn="ctr"/>
-            <a:r>
-              <a:rPr lang="en-US" sz="2900" dirty="0"/>
-              <a:t>4+5: [</a:t>
-            </a:r>
-            <a:r>
-              <a:rPr lang="en-US" sz="2900" dirty="0" err="1"/>
-              <a:t>MastMath</a:t>
-            </a:r>
-            <a:r>
-              <a:rPr lang="en-US" sz="2900" dirty="0"/>
-              <a:t>] </a:t>
-            </a:r>
-            <a:br>
-              <a:rPr lang="en-US" sz="2900" dirty="0"/>
-            </a:br>
-            <a:r>
-              <a:rPr lang="en-US" sz="2900" dirty="0"/>
-              <a:t>Machine Learning Theory</a:t>
-            </a:r>
-            <a:br>
-              <a:rPr lang="en-US" sz="2900" dirty="0"/>
-            </a:br>
-            <a:r>
-              <a:rPr lang="en-US" sz="2900" dirty="0"/>
-              <a:t>(</a:t>
-            </a:r>
-            <a:r>
-              <a:rPr lang="en-US" sz="2900" dirty="0" err="1"/>
-              <a:t>Koolen</a:t>
-            </a:r>
-            <a:r>
-              <a:rPr lang="en-US" sz="2900" dirty="0"/>
-              <a:t>, </a:t>
-            </a:r>
-            <a:r>
-              <a:rPr lang="en-US" sz="2900" dirty="0" err="1"/>
-              <a:t>Grünwald</a:t>
-            </a:r>
-            <a:r>
-              <a:rPr lang="en-US" sz="2900" dirty="0"/>
-              <a:t>, de Heide) [8EC]</a:t>
-            </a:r>
-          </a:p>
-        </p:txBody>
-      </p:sp>
-      <p:sp>
-        <p:nvSpPr>
-          <p:cNvPr id="147" name="Shape 230"/>
-          <p:cNvSpPr/>
-          <p:nvPr/>
-        </p:nvSpPr>
-        <p:spPr>
-          <a:xfrm>
-            <a:off x="18533439" y="10194561"/>
-            <a:ext cx="1497972" cy="1094808"/>
-          </a:xfrm>
-          <a:prstGeom prst="rect">
-            <a:avLst/>
-          </a:prstGeom>
-          <a:ln w="12700">
-            <a:miter lim="400000"/>
-          </a:ln>
-          <a:extLst>
-            <a:ext uri="{C572A759-6A51-4108-AA02-DFA0A04FC94B}">
-              <ma14:wrappingTextBoxFlag xmlns:ma14="http://schemas.microsoft.com/office/mac/drawingml/2011/main" xmlns="" val="1"/>
-            </a:ext>
-          </a:extLst>
-        </p:spPr>
-        <p:txBody>
-          <a:bodyPr lIns="208805" tIns="208805" rIns="208805" bIns="208805" anchor="ctr">
-            <a:normAutofit/>
-          </a:bodyPr>
-          <a:lstStyle>
-            <a:lvl1pPr>
-              <a:defRPr sz="4000"/>
-            </a:lvl1pPr>
-          </a:lstStyle>
-          <a:p>
-            <a:pPr algn="ctr">
-              <a:defRPr sz="1800"/>
-            </a:pPr>
-            <a:r>
-              <a:rPr lang="en-US" sz="3300" b="1" dirty="0">
-                <a:solidFill>
-                  <a:schemeClr val="bg1"/>
-                </a:solidFill>
-              </a:rPr>
-              <a:t>L&amp;P</a:t>
-            </a:r>
-            <a:endParaRPr sz="3300" b="1" dirty="0">
-              <a:solidFill>
-                <a:schemeClr val="bg1"/>
-              </a:solidFill>
-            </a:endParaRPr>
-          </a:p>
-        </p:txBody>
-      </p:sp>
-      <p:sp>
-        <p:nvSpPr>
-          <p:cNvPr id="146" name="Shape 230"/>
-          <p:cNvSpPr/>
-          <p:nvPr/>
-        </p:nvSpPr>
-        <p:spPr>
-          <a:xfrm>
-            <a:off x="20632503" y="10186217"/>
-            <a:ext cx="1497972" cy="1094807"/>
-          </a:xfrm>
-          <a:prstGeom prst="rect">
-            <a:avLst/>
-          </a:prstGeom>
-          <a:ln w="12700">
-            <a:miter lim="400000"/>
-          </a:ln>
-          <a:extLst>
-            <a:ext uri="{C572A759-6A51-4108-AA02-DFA0A04FC94B}">
-              <ma14:wrappingTextBoxFlag xmlns:ma14="http://schemas.microsoft.com/office/mac/drawingml/2011/main" xmlns="" val="1"/>
-            </a:ext>
-          </a:extLst>
-        </p:spPr>
-        <p:txBody>
-          <a:bodyPr lIns="208805" tIns="208805" rIns="208805" bIns="208805" anchor="ctr">
-            <a:normAutofit/>
-          </a:bodyPr>
-          <a:lstStyle>
-            <a:lvl1pPr>
-              <a:defRPr sz="4000"/>
-            </a:lvl1pPr>
-          </a:lstStyle>
-          <a:p>
-            <a:pPr algn="ctr">
-              <a:defRPr sz="1800"/>
-            </a:pPr>
-            <a:r>
-              <a:rPr lang="en-US" sz="3300" b="1" dirty="0">
-                <a:solidFill>
-                  <a:schemeClr val="bg1"/>
-                </a:solidFill>
-              </a:rPr>
-              <a:t>L&amp;L</a:t>
-            </a:r>
-            <a:endParaRPr sz="3300" b="1" dirty="0">
-              <a:solidFill>
-                <a:schemeClr val="bg1"/>
-              </a:solidFill>
-            </a:endParaRPr>
-          </a:p>
-        </p:txBody>
-      </p:sp>
       <p:sp>
         <p:nvSpPr>
           <p:cNvPr id="121" name="Shape 248"/>
@@ -10789,7 +10795,7 @@
           </a:ln>
           <a:extLst>
             <a:ext uri="{C572A759-6A51-4108-AA02-DFA0A04FC94B}">
-              <ma14:wrappingTextBoxFlag xmlns:ma14="http://schemas.microsoft.com/office/mac/drawingml/2011/main" xmlns="" val="1"/>
+              <ma14:wrappingTextBoxFlag xmlns="" xmlns:ma14="http://schemas.microsoft.com/office/mac/drawingml/2011/main" val="1"/>
             </a:ext>
           </a:extLst>
         </p:spPr>
@@ -11300,7 +11306,7 @@
           </a:ln>
           <a:extLst>
             <a:ext uri="{C572A759-6A51-4108-AA02-DFA0A04FC94B}">
-              <ma14:wrappingTextBoxFlag xmlns:ma14="http://schemas.microsoft.com/office/mac/drawingml/2011/main" xmlns="" val="1"/>
+              <ma14:wrappingTextBoxFlag xmlns="" xmlns:ma14="http://schemas.microsoft.com/office/mac/drawingml/2011/main" val="1"/>
             </a:ext>
           </a:extLst>
         </p:spPr>
@@ -11902,7 +11908,7 @@
           </a:ln>
           <a:extLst>
             <a:ext uri="{C572A759-6A51-4108-AA02-DFA0A04FC94B}">
-              <ma14:wrappingTextBoxFlag xmlns:ma14="http://schemas.microsoft.com/office/mac/drawingml/2011/main" xmlns="" val="1"/>
+              <ma14:wrappingTextBoxFlag xmlns="" xmlns:ma14="http://schemas.microsoft.com/office/mac/drawingml/2011/main" val="1"/>
             </a:ext>
           </a:extLst>
         </p:spPr>

--- a/MoLOverviewPoster2020.pptx
+++ b/MoLOverviewPoster2020.pptx
@@ -193,7 +193,7 @@
           <a:p>
             <a:fld id="{B179243D-0E3E-4D4F-90E9-F9F1DBB34143}" type="datetimeFigureOut">
               <a:rPr lang="en-US" smtClean="0"/>
-              <a:t>8/3/20</a:t>
+              <a:t>12/10/20</a:t>
             </a:fld>
             <a:endParaRPr lang="en-US"/>
           </a:p>
@@ -2319,7 +2319,7 @@
           </a:ln>
           <a:extLst>
             <a:ext uri="{C572A759-6A51-4108-AA02-DFA0A04FC94B}">
-              <ma14:wrappingTextBoxFlag xmlns="" xmlns:ma14="http://schemas.microsoft.com/office/mac/drawingml/2011/main" val="1"/>
+              <ma14:wrappingTextBoxFlag xmlns:ma14="http://schemas.microsoft.com/office/mac/drawingml/2011/main" xmlns="" val="1"/>
             </a:ext>
           </a:extLst>
         </p:spPr>
@@ -2362,7 +2362,7 @@
           </a:ln>
           <a:extLst>
             <a:ext uri="{C572A759-6A51-4108-AA02-DFA0A04FC94B}">
-              <ma14:wrappingTextBoxFlag xmlns="" xmlns:ma14="http://schemas.microsoft.com/office/mac/drawingml/2011/main" val="1"/>
+              <ma14:wrappingTextBoxFlag xmlns:ma14="http://schemas.microsoft.com/office/mac/drawingml/2011/main" xmlns="" val="1"/>
             </a:ext>
           </a:extLst>
         </p:spPr>
@@ -3587,7 +3587,7 @@
           </a:ln>
           <a:extLst>
             <a:ext uri="{C572A759-6A51-4108-AA02-DFA0A04FC94B}">
-              <ma14:wrappingTextBoxFlag xmlns="" xmlns:ma14="http://schemas.microsoft.com/office/mac/drawingml/2011/main" val="1"/>
+              <ma14:wrappingTextBoxFlag xmlns:ma14="http://schemas.microsoft.com/office/mac/drawingml/2011/main" xmlns="" val="1"/>
             </a:ext>
           </a:extLst>
         </p:spPr>
@@ -3702,7 +3702,7 @@
           </a:ln>
           <a:extLst>
             <a:ext uri="{C572A759-6A51-4108-AA02-DFA0A04FC94B}">
-              <ma14:wrappingTextBoxFlag xmlns="" xmlns:ma14="http://schemas.microsoft.com/office/mac/drawingml/2011/main" val="1"/>
+              <ma14:wrappingTextBoxFlag xmlns:ma14="http://schemas.microsoft.com/office/mac/drawingml/2011/main" xmlns="" val="1"/>
             </a:ext>
           </a:extLst>
         </p:spPr>
@@ -3808,7 +3808,7 @@
           </a:ln>
           <a:extLst>
             <a:ext uri="{C572A759-6A51-4108-AA02-DFA0A04FC94B}">
-              <ma14:wrappingTextBoxFlag xmlns="" xmlns:ma14="http://schemas.microsoft.com/office/mac/drawingml/2011/main" val="1"/>
+              <ma14:wrappingTextBoxFlag xmlns:ma14="http://schemas.microsoft.com/office/mac/drawingml/2011/main" xmlns="" val="1"/>
             </a:ext>
           </a:extLst>
         </p:spPr>
@@ -3868,7 +3868,7 @@
           </a:ln>
           <a:extLst>
             <a:ext uri="{C572A759-6A51-4108-AA02-DFA0A04FC94B}">
-              <ma14:wrappingTextBoxFlag xmlns="" xmlns:ma14="http://schemas.microsoft.com/office/mac/drawingml/2011/main" val="1"/>
+              <ma14:wrappingTextBoxFlag xmlns:ma14="http://schemas.microsoft.com/office/mac/drawingml/2011/main" xmlns="" val="1"/>
             </a:ext>
           </a:extLst>
         </p:spPr>
@@ -4207,7 +4207,7 @@
               </a:ln>
               <a:extLst>
                 <a:ext uri="{C572A759-6A51-4108-AA02-DFA0A04FC94B}">
-                  <ma14:wrappingTextBoxFlag xmlns="" xmlns:ma14="http://schemas.microsoft.com/office/mac/drawingml/2011/main" val="1"/>
+                  <ma14:wrappingTextBoxFlag xmlns:ma14="http://schemas.microsoft.com/office/mac/drawingml/2011/main" xmlns="" val="1"/>
                 </a:ext>
               </a:extLst>
             </p:spPr>
@@ -4303,7 +4303,7 @@
           </a:ln>
           <a:extLst>
             <a:ext uri="{C572A759-6A51-4108-AA02-DFA0A04FC94B}">
-              <ma14:wrappingTextBoxFlag xmlns="" xmlns:ma14="http://schemas.microsoft.com/office/mac/drawingml/2011/main" val="1"/>
+              <ma14:wrappingTextBoxFlag xmlns:ma14="http://schemas.microsoft.com/office/mac/drawingml/2011/main" xmlns="" val="1"/>
             </a:ext>
           </a:extLst>
         </p:spPr>
@@ -4347,7 +4347,7 @@
           </a:ln>
           <a:extLst>
             <a:ext uri="{C572A759-6A51-4108-AA02-DFA0A04FC94B}">
-              <ma14:wrappingTextBoxFlag xmlns="" xmlns:ma14="http://schemas.microsoft.com/office/mac/drawingml/2011/main" val="1"/>
+              <ma14:wrappingTextBoxFlag xmlns:ma14="http://schemas.microsoft.com/office/mac/drawingml/2011/main" xmlns="" val="1"/>
             </a:ext>
           </a:extLst>
         </p:spPr>
@@ -4503,7 +4503,7 @@
             </a:ln>
             <a:extLst>
               <a:ext uri="{C572A759-6A51-4108-AA02-DFA0A04FC94B}">
-                <ma14:wrappingTextBoxFlag xmlns="" xmlns:ma14="http://schemas.microsoft.com/office/mac/drawingml/2011/main" val="1"/>
+                <ma14:wrappingTextBoxFlag xmlns:ma14="http://schemas.microsoft.com/office/mac/drawingml/2011/main" xmlns="" val="1"/>
               </a:ext>
             </a:extLst>
           </p:spPr>
@@ -4556,7 +4556,7 @@
           </a:ln>
           <a:extLst>
             <a:ext uri="{C572A759-6A51-4108-AA02-DFA0A04FC94B}">
-              <ma14:wrappingTextBoxFlag xmlns="" xmlns:ma14="http://schemas.microsoft.com/office/mac/drawingml/2011/main" val="1"/>
+              <ma14:wrappingTextBoxFlag xmlns:ma14="http://schemas.microsoft.com/office/mac/drawingml/2011/main" xmlns="" val="1"/>
             </a:ext>
           </a:extLst>
         </p:spPr>
@@ -7087,7 +7087,7 @@
             </a:ln>
             <a:extLst>
               <a:ext uri="{C572A759-6A51-4108-AA02-DFA0A04FC94B}">
-                <ma14:wrappingTextBoxFlag xmlns="" xmlns:ma14="http://schemas.microsoft.com/office/mac/drawingml/2011/main" val="1"/>
+                <ma14:wrappingTextBoxFlag xmlns:ma14="http://schemas.microsoft.com/office/mac/drawingml/2011/main" xmlns="" val="1"/>
               </a:ext>
             </a:extLst>
           </p:spPr>
@@ -7287,7 +7287,7 @@
             </a:ln>
             <a:extLst>
               <a:ext uri="{C572A759-6A51-4108-AA02-DFA0A04FC94B}">
-                <ma14:wrappingTextBoxFlag xmlns="" xmlns:ma14="http://schemas.microsoft.com/office/mac/drawingml/2011/main" val="1"/>
+                <ma14:wrappingTextBoxFlag xmlns:ma14="http://schemas.microsoft.com/office/mac/drawingml/2011/main" xmlns="" val="1"/>
               </a:ext>
             </a:extLst>
           </p:spPr>
@@ -7902,7 +7902,7 @@
             </a:ln>
             <a:extLst>
               <a:ext uri="{C572A759-6A51-4108-AA02-DFA0A04FC94B}">
-                <ma14:wrappingTextBoxFlag xmlns="" xmlns:ma14="http://schemas.microsoft.com/office/mac/drawingml/2011/main" val="1"/>
+                <ma14:wrappingTextBoxFlag xmlns:ma14="http://schemas.microsoft.com/office/mac/drawingml/2011/main" xmlns="" val="1"/>
               </a:ext>
             </a:extLst>
           </p:spPr>
@@ -8068,7 +8068,7 @@
             </a:ln>
             <a:extLst>
               <a:ext uri="{C572A759-6A51-4108-AA02-DFA0A04FC94B}">
-                <ma14:wrappingTextBoxFlag xmlns="" xmlns:ma14="http://schemas.microsoft.com/office/mac/drawingml/2011/main" val="1"/>
+                <ma14:wrappingTextBoxFlag xmlns:ma14="http://schemas.microsoft.com/office/mac/drawingml/2011/main" xmlns="" val="1"/>
               </a:ext>
             </a:extLst>
           </p:spPr>
@@ -8107,7 +8107,7 @@
           </a:ln>
           <a:extLst>
             <a:ext uri="{C572A759-6A51-4108-AA02-DFA0A04FC94B}">
-              <ma14:wrappingTextBoxFlag xmlns="" xmlns:ma14="http://schemas.microsoft.com/office/mac/drawingml/2011/main" val="1"/>
+              <ma14:wrappingTextBoxFlag xmlns:ma14="http://schemas.microsoft.com/office/mac/drawingml/2011/main" xmlns="" val="1"/>
             </a:ext>
           </a:extLst>
         </p:spPr>
@@ -8635,7 +8635,7 @@
             </a:ln>
             <a:extLst>
               <a:ext uri="{C572A759-6A51-4108-AA02-DFA0A04FC94B}">
-                <ma14:wrappingTextBoxFlag xmlns="" xmlns:ma14="http://schemas.microsoft.com/office/mac/drawingml/2011/main" val="1"/>
+                <ma14:wrappingTextBoxFlag xmlns:ma14="http://schemas.microsoft.com/office/mac/drawingml/2011/main" xmlns="" val="1"/>
               </a:ext>
             </a:extLst>
           </p:spPr>
@@ -8863,7 +8863,7 @@
             </a:ln>
             <a:extLst>
               <a:ext uri="{C572A759-6A51-4108-AA02-DFA0A04FC94B}">
-                <ma14:wrappingTextBoxFlag xmlns="" xmlns:ma14="http://schemas.microsoft.com/office/mac/drawingml/2011/main" val="1"/>
+                <ma14:wrappingTextBoxFlag xmlns:ma14="http://schemas.microsoft.com/office/mac/drawingml/2011/main" xmlns="" val="1"/>
               </a:ext>
             </a:extLst>
           </p:spPr>
@@ -9233,7 +9233,7 @@
           </a:ln>
           <a:extLst>
             <a:ext uri="{C572A759-6A51-4108-AA02-DFA0A04FC94B}">
-              <ma14:wrappingTextBoxFlag xmlns="" xmlns:ma14="http://schemas.microsoft.com/office/mac/drawingml/2011/main" val="1"/>
+              <ma14:wrappingTextBoxFlag xmlns:ma14="http://schemas.microsoft.com/office/mac/drawingml/2011/main" xmlns="" val="1"/>
             </a:ext>
           </a:extLst>
         </p:spPr>
@@ -9327,7 +9327,7 @@
           </a:ln>
           <a:extLst>
             <a:ext uri="{C572A759-6A51-4108-AA02-DFA0A04FC94B}">
-              <ma14:wrappingTextBoxFlag xmlns="" xmlns:ma14="http://schemas.microsoft.com/office/mac/drawingml/2011/main" val="1"/>
+              <ma14:wrappingTextBoxFlag xmlns:ma14="http://schemas.microsoft.com/office/mac/drawingml/2011/main" xmlns="" val="1"/>
             </a:ext>
           </a:extLst>
         </p:spPr>
@@ -9866,7 +9866,7 @@
             </a:ln>
             <a:extLst>
               <a:ext uri="{C572A759-6A51-4108-AA02-DFA0A04FC94B}">
-                <ma14:wrappingTextBoxFlag xmlns="" xmlns:ma14="http://schemas.microsoft.com/office/mac/drawingml/2011/main" val="1"/>
+                <ma14:wrappingTextBoxFlag xmlns:ma14="http://schemas.microsoft.com/office/mac/drawingml/2011/main" xmlns="" val="1"/>
               </a:ext>
             </a:extLst>
           </p:spPr>
@@ -9918,7 +9918,7 @@
             </a:ln>
             <a:extLst>
               <a:ext uri="{C572A759-6A51-4108-AA02-DFA0A04FC94B}">
-                <ma14:wrappingTextBoxFlag xmlns="" xmlns:ma14="http://schemas.microsoft.com/office/mac/drawingml/2011/main" val="1"/>
+                <ma14:wrappingTextBoxFlag xmlns:ma14="http://schemas.microsoft.com/office/mac/drawingml/2011/main" xmlns="" val="1"/>
               </a:ext>
             </a:extLst>
           </p:spPr>
@@ -10281,20 +10281,20 @@
           <a:gradFill flip="none" rotWithShape="1">
             <a:gsLst>
               <a:gs pos="0">
-                <a:srgbClr val="C8B2E9"/>
+                <a:srgbClr val="DAFEA4"/>
               </a:gs>
               <a:gs pos="35000">
-                <a:srgbClr val="D8C9EE"/>
+                <a:srgbClr val="E4FDBF"/>
               </a:gs>
               <a:gs pos="100000">
-                <a:srgbClr val="F0EAF9"/>
+                <a:srgbClr val="F5FFE6"/>
               </a:gs>
             </a:gsLst>
             <a:lin ang="16200000" scaled="0"/>
           </a:gradFill>
           <a:ln w="9525" cap="flat">
             <a:solidFill>
-              <a:srgbClr val="7D60A0"/>
+              <a:srgbClr val="98B955"/>
             </a:solidFill>
             <a:prstDash val="solid"/>
             <a:bevel/>
@@ -10313,16 +10313,10 @@
           </a:bodyPr>
           <a:lstStyle/>
           <a:p>
-            <a:pPr lvl="0" algn="ctr">
-              <a:defRPr sz="1800"/>
-            </a:pPr>
-            <a:r>
-              <a:rPr lang="en-US" sz="2900" dirty="0"/>
-              <a:t>4: [</a:t>
-            </a:r>
-            <a:r>
-              <a:rPr lang="en-US" sz="2900" dirty="0" err="1"/>
-              <a:t>MoL</a:t>
+            <a:pPr algn="ctr"/>
+            <a:r>
+              <a:rPr lang="en-US" sz="2900"/>
+              <a:t>2: [MoL</a:t>
             </a:r>
             <a:r>
               <a:rPr lang="en-US" sz="2900" dirty="0"/>
@@ -10330,9 +10324,7 @@
             </a:r>
           </a:p>
           <a:p>
-            <a:pPr lvl="0" algn="ctr">
-              <a:defRPr sz="1800"/>
-            </a:pPr>
+            <a:pPr algn="ctr"/>
             <a:r>
               <a:rPr lang="en-US" sz="2900" dirty="0"/>
               <a:t>Philosophy of Techno Science</a:t>
@@ -10795,7 +10787,7 @@
           </a:ln>
           <a:extLst>
             <a:ext uri="{C572A759-6A51-4108-AA02-DFA0A04FC94B}">
-              <ma14:wrappingTextBoxFlag xmlns="" xmlns:ma14="http://schemas.microsoft.com/office/mac/drawingml/2011/main" val="1"/>
+              <ma14:wrappingTextBoxFlag xmlns:ma14="http://schemas.microsoft.com/office/mac/drawingml/2011/main" xmlns="" val="1"/>
             </a:ext>
           </a:extLst>
         </p:spPr>
@@ -10938,29 +10930,7 @@
                 <a:ea typeface="Calibri"/>
                 <a:cs typeface="Calibri"/>
               </a:rPr>
-              <a:t>version</a:t>
-            </a:r>
-            <a:r>
-              <a:rPr lang="en-US" sz="2800">
-                <a:solidFill>
-                  <a:sysClr val="windowText" lastClr="000000"/>
-                </a:solidFill>
-                <a:latin typeface="Calibri"/>
-                <a:ea typeface="Calibri"/>
-                <a:cs typeface="Calibri"/>
-              </a:rPr>
-              <a:t>: 3 August </a:t>
-            </a:r>
-            <a:r>
-              <a:rPr lang="en-US" sz="2800" dirty="0">
-                <a:solidFill>
-                  <a:sysClr val="windowText" lastClr="000000"/>
-                </a:solidFill>
-                <a:latin typeface="Calibri"/>
-                <a:ea typeface="Calibri"/>
-                <a:cs typeface="Calibri"/>
-              </a:rPr>
-              <a:t>2020:</a:t>
+              <a:t>version: 10 December 2020:</a:t>
             </a:r>
             <a:br>
               <a:rPr lang="en-US" sz="2800" dirty="0">
@@ -11306,7 +11276,7 @@
           </a:ln>
           <a:extLst>
             <a:ext uri="{C572A759-6A51-4108-AA02-DFA0A04FC94B}">
-              <ma14:wrappingTextBoxFlag xmlns="" xmlns:ma14="http://schemas.microsoft.com/office/mac/drawingml/2011/main" val="1"/>
+              <ma14:wrappingTextBoxFlag xmlns:ma14="http://schemas.microsoft.com/office/mac/drawingml/2011/main" xmlns="" val="1"/>
             </a:ext>
           </a:extLst>
         </p:spPr>
@@ -11908,7 +11878,7 @@
           </a:ln>
           <a:extLst>
             <a:ext uri="{C572A759-6A51-4108-AA02-DFA0A04FC94B}">
-              <ma14:wrappingTextBoxFlag xmlns="" xmlns:ma14="http://schemas.microsoft.com/office/mac/drawingml/2011/main" val="1"/>
+              <ma14:wrappingTextBoxFlag xmlns:ma14="http://schemas.microsoft.com/office/mac/drawingml/2011/main" xmlns="" val="1"/>
             </a:ext>
           </a:extLst>
         </p:spPr>
